--- a/C# Web Basics/Presentations/03. CSharp-Web-Basics-Web Server-State-Management.pptx
+++ b/C# Web Basics/Presentations/03. CSharp-Web-Basics-Web Server-State-Management.pptx
@@ -42,9 +42,9 @@
     <p:sldId id="285" r:id="rId30"/>
     <p:sldId id="286" r:id="rId31"/>
     <p:sldId id="288" r:id="rId32"/>
-    <p:sldId id="294" r:id="rId33"/>
-    <p:sldId id="296" r:id="rId34"/>
-    <p:sldId id="295" r:id="rId35"/>
+    <p:sldId id="401" r:id="rId33"/>
+    <p:sldId id="405" r:id="rId34"/>
+    <p:sldId id="493" r:id="rId35"/>
   </p:sldIdLst>
   <p:sldSz cx="12192000" cy="6858000"/>
   <p:notesSz cx="6858000" cy="9144000"/>
@@ -146,14 +146,14 @@
   <p:extLst>
     <p:ext uri="{521415D9-36F7-43E2-AB2F-B90AF26B5E84}">
       <p14:sectionLst xmlns:p14="http://schemas.microsoft.com/office/powerpoint/2010/main">
-        <p14:section name="Intro" id="{50E790BB-619A-4A82-A484-1A1951782CFD}">
+        <p14:section name="Intro" id="{993471D7-8AA6-41FC-907B-E7BC25AE709C}">
           <p14:sldIdLst>
             <p14:sldId id="256"/>
             <p14:sldId id="257"/>
             <p14:sldId id="258"/>
           </p14:sldIdLst>
         </p14:section>
-        <p14:section name="Cookies" id="{AD919BEF-9432-46E1-9747-86890943F67C}">
+        <p14:section name="Cookies" id="{FDFA2F65-3095-4318-928D-1F98F4BF2D1A}">
           <p14:sldIdLst>
             <p14:sldId id="259"/>
             <p14:sldId id="260"/>
@@ -177,7 +177,7 @@
             <p14:sldId id="278"/>
           </p14:sldIdLst>
         </p14:section>
-        <p14:section name="Sessions" id="{88AC1ADA-886D-4C52-80A8-5A8F2DDDF725}">
+        <p14:section name="Sessions" id="{BD2BE293-40BA-459A-B393-58B51C2E1690}">
           <p14:sldIdLst>
             <p14:sldId id="280"/>
             <p14:sldId id="281"/>
@@ -188,12 +188,12 @@
             <p14:sldId id="286"/>
           </p14:sldIdLst>
         </p14:section>
-        <p14:section name="Conclusion" id="{A14FF26B-6940-4244-BD71-2245AAFE3F42}">
+        <p14:section name="Conclusion" id="{82E65F5C-38F2-4C22-A343-248EFD27B8D5}">
           <p14:sldIdLst>
             <p14:sldId id="288"/>
-            <p14:sldId id="294"/>
-            <p14:sldId id="296"/>
-            <p14:sldId id="295"/>
+            <p14:sldId id="401"/>
+            <p14:sldId id="405"/>
+            <p14:sldId id="493"/>
           </p14:sldIdLst>
         </p14:section>
       </p14:sectionLst>
@@ -217,6 +217,14 @@
     </p:ext>
   </p:extLst>
 </p:presentation>
+</file>
+
+<file path=ppt/revisionInfo.xml><?xml version="1.0" encoding="utf-8"?>
+<p1510:revInfo xmlns:a="http://schemas.openxmlformats.org/drawingml/2006/main" xmlns:r="http://schemas.openxmlformats.org/officeDocument/2006/relationships" xmlns:p1510="http://schemas.microsoft.com/office/powerpoint/2015/10/main">
+  <p1510:revLst>
+    <p1510:client id="{ACC232DE-2511-49A3-B33B-FD78A94CD8E3}" v="22" dt="2019-12-04T16:40:36.347"/>
+  </p1510:revLst>
+</p1510:revInfo>
 </file>
 
 <file path=ppt/handoutMasters/handoutMaster1.xml><?xml version="1.0" encoding="utf-8"?>
@@ -313,7 +321,7 @@
           <a:p>
             <a:fld id="{4E087215-0C8F-4762-A664-737A353EC9A4}" type="datetimeFigureOut">
               <a:rPr lang="bg-BG" smtClean="0"/>
-              <a:t>9.1.2020 г.</a:t>
+              <a:t>18.9.2020 г.</a:t>
             </a:fld>
             <a:endParaRPr lang="bg-BG"/>
           </a:p>
@@ -504,7 +512,7 @@
           <a:p>
             <a:fld id="{72D84649-876A-46C9-8472-14CB09C070D8}" type="datetimeFigureOut">
               <a:rPr lang="en-US" smtClean="0"/>
-              <a:t>1/9/2020</a:t>
+              <a:t>9/18/2020</a:t>
             </a:fld>
             <a:endParaRPr lang="en-US"/>
           </a:p>
@@ -865,10 +873,10 @@
       </p:sp>
       <p:sp>
         <p:nvSpPr>
-          <p:cNvPr id="7" name="Footer Placeholder 7">
+          <p:cNvPr id="8" name="Footer Placeholder 7">
             <a:extLst>
               <a:ext uri="{FF2B5EF4-FFF2-40B4-BE49-F238E27FC236}">
-                <a16:creationId xmlns:a16="http://schemas.microsoft.com/office/drawing/2014/main" id="{CAC3A49B-3196-44DF-AC28-085C72EFBFF0}"/>
+                <a16:creationId xmlns:a16="http://schemas.microsoft.com/office/drawing/2014/main" id="{92CABD1F-D09C-46FA-A222-D9FA1A0563ED}"/>
               </a:ext>
             </a:extLst>
           </p:cNvPr>
@@ -916,7 +924,7 @@
     </p:spTree>
     <p:extLst>
       <p:ext uri="{BB962C8B-B14F-4D97-AF65-F5344CB8AC3E}">
-        <p14:creationId xmlns:p14="http://schemas.microsoft.com/office/powerpoint/2010/main" val="2628703243"/>
+        <p14:creationId xmlns:p14="http://schemas.microsoft.com/office/powerpoint/2010/main" val="2178079901"/>
       </p:ext>
     </p:extLst>
   </p:cSld>
@@ -1002,10 +1010,10 @@
       </p:sp>
       <p:sp>
         <p:nvSpPr>
-          <p:cNvPr id="6" name="Footer Placeholder 7">
+          <p:cNvPr id="7" name="Footer Placeholder 7">
             <a:extLst>
               <a:ext uri="{FF2B5EF4-FFF2-40B4-BE49-F238E27FC236}">
-                <a16:creationId xmlns:a16="http://schemas.microsoft.com/office/drawing/2014/main" id="{CAC3A49B-3196-44DF-AC28-085C72EFBFF0}"/>
+                <a16:creationId xmlns:a16="http://schemas.microsoft.com/office/drawing/2014/main" id="{9F6D543F-0BCC-4AC4-8AA9-FBD5D1C9E92A}"/>
               </a:ext>
             </a:extLst>
           </p:cNvPr>
@@ -1053,7 +1061,7 @@
     </p:spTree>
     <p:extLst>
       <p:ext uri="{BB962C8B-B14F-4D97-AF65-F5344CB8AC3E}">
-        <p14:creationId xmlns:p14="http://schemas.microsoft.com/office/powerpoint/2010/main" val="4028530743"/>
+        <p14:creationId xmlns:p14="http://schemas.microsoft.com/office/powerpoint/2010/main" val="3227902580"/>
       </p:ext>
     </p:extLst>
   </p:cSld>
@@ -1136,10 +1144,10 @@
       </p:sp>
       <p:sp>
         <p:nvSpPr>
-          <p:cNvPr id="5" name="Footer Placeholder 7">
+          <p:cNvPr id="6" name="Footer Placeholder 7">
             <a:extLst>
               <a:ext uri="{FF2B5EF4-FFF2-40B4-BE49-F238E27FC236}">
-                <a16:creationId xmlns:a16="http://schemas.microsoft.com/office/drawing/2014/main" id="{CAC3A49B-3196-44DF-AC28-085C72EFBFF0}"/>
+                <a16:creationId xmlns:a16="http://schemas.microsoft.com/office/drawing/2014/main" id="{61EA4EC3-C26D-4589-978B-DB072685637C}"/>
               </a:ext>
             </a:extLst>
           </p:cNvPr>
@@ -1187,7 +1195,7 @@
     </p:spTree>
     <p:extLst>
       <p:ext uri="{BB962C8B-B14F-4D97-AF65-F5344CB8AC3E}">
-        <p14:creationId xmlns:p14="http://schemas.microsoft.com/office/powerpoint/2010/main" val="1590095419"/>
+        <p14:creationId xmlns:p14="http://schemas.microsoft.com/office/powerpoint/2010/main" val="926560884"/>
       </p:ext>
     </p:extLst>
   </p:cSld>
@@ -1270,10 +1278,10 @@
       </p:sp>
       <p:sp>
         <p:nvSpPr>
-          <p:cNvPr id="5" name="Footer Placeholder 7">
+          <p:cNvPr id="6" name="Footer Placeholder 7">
             <a:extLst>
               <a:ext uri="{FF2B5EF4-FFF2-40B4-BE49-F238E27FC236}">
-                <a16:creationId xmlns:a16="http://schemas.microsoft.com/office/drawing/2014/main" id="{CAC3A49B-3196-44DF-AC28-085C72EFBFF0}"/>
+                <a16:creationId xmlns:a16="http://schemas.microsoft.com/office/drawing/2014/main" id="{5F42590A-C835-45E8-9104-93B0BAE8C338}"/>
               </a:ext>
             </a:extLst>
           </p:cNvPr>
@@ -1321,7 +1329,7 @@
     </p:spTree>
     <p:extLst>
       <p:ext uri="{BB962C8B-B14F-4D97-AF65-F5344CB8AC3E}">
-        <p14:creationId xmlns:p14="http://schemas.microsoft.com/office/powerpoint/2010/main" val="592200415"/>
+        <p14:creationId xmlns:p14="http://schemas.microsoft.com/office/powerpoint/2010/main" val="456909022"/>
       </p:ext>
     </p:extLst>
   </p:cSld>
@@ -1404,10 +1412,10 @@
       </p:sp>
       <p:sp>
         <p:nvSpPr>
-          <p:cNvPr id="5" name="Footer Placeholder 7">
+          <p:cNvPr id="6" name="Footer Placeholder 7">
             <a:extLst>
               <a:ext uri="{FF2B5EF4-FFF2-40B4-BE49-F238E27FC236}">
-                <a16:creationId xmlns:a16="http://schemas.microsoft.com/office/drawing/2014/main" id="{CAC3A49B-3196-44DF-AC28-085C72EFBFF0}"/>
+                <a16:creationId xmlns:a16="http://schemas.microsoft.com/office/drawing/2014/main" id="{328F727A-678C-4DA8-97B4-30EFC9AD0D6B}"/>
               </a:ext>
             </a:extLst>
           </p:cNvPr>
@@ -1455,7 +1463,7 @@
     </p:spTree>
     <p:extLst>
       <p:ext uri="{BB962C8B-B14F-4D97-AF65-F5344CB8AC3E}">
-        <p14:creationId xmlns:p14="http://schemas.microsoft.com/office/powerpoint/2010/main" val="243627420"/>
+        <p14:creationId xmlns:p14="http://schemas.microsoft.com/office/powerpoint/2010/main" val="1681361001"/>
       </p:ext>
     </p:extLst>
   </p:cSld>
@@ -1539,10 +1547,10 @@
       </p:sp>
       <p:sp>
         <p:nvSpPr>
-          <p:cNvPr id="6" name="Footer Placeholder 7">
+          <p:cNvPr id="7" name="Footer Placeholder 7">
             <a:extLst>
               <a:ext uri="{FF2B5EF4-FFF2-40B4-BE49-F238E27FC236}">
-                <a16:creationId xmlns:a16="http://schemas.microsoft.com/office/drawing/2014/main" id="{CAC3A49B-3196-44DF-AC28-085C72EFBFF0}"/>
+                <a16:creationId xmlns:a16="http://schemas.microsoft.com/office/drawing/2014/main" id="{E49F34FC-CB90-43D9-BCD5-307537A6F994}"/>
               </a:ext>
             </a:extLst>
           </p:cNvPr>
@@ -1590,7 +1598,7 @@
     </p:spTree>
     <p:extLst>
       <p:ext uri="{BB962C8B-B14F-4D97-AF65-F5344CB8AC3E}">
-        <p14:creationId xmlns:p14="http://schemas.microsoft.com/office/powerpoint/2010/main" val="1860974293"/>
+        <p14:creationId xmlns:p14="http://schemas.microsoft.com/office/powerpoint/2010/main" val="279396408"/>
       </p:ext>
     </p:extLst>
   </p:cSld>
@@ -1783,7 +1791,7 @@
           <p:cNvPr id="6" name="Footer Placeholder 7">
             <a:extLst>
               <a:ext uri="{FF2B5EF4-FFF2-40B4-BE49-F238E27FC236}">
-                <a16:creationId xmlns:a16="http://schemas.microsoft.com/office/drawing/2014/main" id="{CAC3A49B-3196-44DF-AC28-085C72EFBFF0}"/>
+                <a16:creationId xmlns:a16="http://schemas.microsoft.com/office/drawing/2014/main" id="{17EA4CCC-4501-439F-9D0B-7E83A46609D4}"/>
               </a:ext>
             </a:extLst>
           </p:cNvPr>
@@ -1831,7 +1839,7 @@
     </p:spTree>
     <p:extLst>
       <p:ext uri="{BB962C8B-B14F-4D97-AF65-F5344CB8AC3E}">
-        <p14:creationId xmlns:p14="http://schemas.microsoft.com/office/powerpoint/2010/main" val="4171907079"/>
+        <p14:creationId xmlns:p14="http://schemas.microsoft.com/office/powerpoint/2010/main" val="2141660973"/>
       </p:ext>
     </p:extLst>
   </p:cSld>
@@ -2024,7 +2032,7 @@
           <p:cNvPr id="6" name="Footer Placeholder 7">
             <a:extLst>
               <a:ext uri="{FF2B5EF4-FFF2-40B4-BE49-F238E27FC236}">
-                <a16:creationId xmlns:a16="http://schemas.microsoft.com/office/drawing/2014/main" id="{CAC3A49B-3196-44DF-AC28-085C72EFBFF0}"/>
+                <a16:creationId xmlns:a16="http://schemas.microsoft.com/office/drawing/2014/main" id="{54537AE6-9863-4770-990F-F0C81F7F26BE}"/>
               </a:ext>
             </a:extLst>
           </p:cNvPr>
@@ -2072,7 +2080,7 @@
     </p:spTree>
     <p:extLst>
       <p:ext uri="{BB962C8B-B14F-4D97-AF65-F5344CB8AC3E}">
-        <p14:creationId xmlns:p14="http://schemas.microsoft.com/office/powerpoint/2010/main" val="1658938417"/>
+        <p14:creationId xmlns:p14="http://schemas.microsoft.com/office/powerpoint/2010/main" val="1542118071"/>
       </p:ext>
     </p:extLst>
   </p:cSld>
@@ -2265,7 +2273,7 @@
           <p:cNvPr id="7" name="Footer Placeholder 7">
             <a:extLst>
               <a:ext uri="{FF2B5EF4-FFF2-40B4-BE49-F238E27FC236}">
-                <a16:creationId xmlns:a16="http://schemas.microsoft.com/office/drawing/2014/main" id="{CAC3A49B-3196-44DF-AC28-085C72EFBFF0}"/>
+                <a16:creationId xmlns:a16="http://schemas.microsoft.com/office/drawing/2014/main" id="{3BF67960-7395-4351-8907-4952E0AE2A7B}"/>
               </a:ext>
             </a:extLst>
           </p:cNvPr>
@@ -2313,7 +2321,7 @@
     </p:spTree>
     <p:extLst>
       <p:ext uri="{BB962C8B-B14F-4D97-AF65-F5344CB8AC3E}">
-        <p14:creationId xmlns:p14="http://schemas.microsoft.com/office/powerpoint/2010/main" val="729041308"/>
+        <p14:creationId xmlns:p14="http://schemas.microsoft.com/office/powerpoint/2010/main" val="2319416241"/>
       </p:ext>
     </p:extLst>
   </p:cSld>
@@ -2436,7 +2444,7 @@
           <p:nvPr userDrawn="1"/>
         </p:nvPicPr>
         <p:blipFill>
-          <a:blip r:embed="rId2" cstate="hqprint">
+          <a:blip r:embed="rId2">
             <a:clrChange>
               <a:clrFrom>
                 <a:srgbClr val="FFFFFF"/>
@@ -2642,7 +2650,7 @@
           <p:nvPr userDrawn="1"/>
         </p:nvPicPr>
         <p:blipFill>
-          <a:blip r:embed="rId5" cstate="hqprint">
+          <a:blip r:embed="rId5">
             <a:clrChange>
               <a:clrFrom>
                 <a:srgbClr val="FFFFFF"/>
@@ -2955,631 +2963,6 @@
 
 <file path=ppt/slideLayouts/slideLayout10.xml><?xml version="1.0" encoding="utf-8"?>
 <p:sldLayout xmlns:a="http://schemas.openxmlformats.org/drawingml/2006/main" xmlns:r="http://schemas.openxmlformats.org/officeDocument/2006/relationships" xmlns:p="http://schemas.openxmlformats.org/presentationml/2006/main" preserve="1" userDrawn="1">
-  <p:cSld name="Image and Content">
-    <p:spTree>
-      <p:nvGrpSpPr>
-        <p:cNvPr id="1" name=""/>
-        <p:cNvGrpSpPr/>
-        <p:nvPr/>
-      </p:nvGrpSpPr>
-      <p:grpSpPr>
-        <a:xfrm>
-          <a:off x="0" y="0"/>
-          <a:ext cx="0" cy="0"/>
-          <a:chOff x="0" y="0"/>
-          <a:chExt cx="0" cy="0"/>
-        </a:xfrm>
-      </p:grpSpPr>
-      <p:sp>
-        <p:nvSpPr>
-          <p:cNvPr id="15" name="Slide Number">
-            <a:extLst>
-              <a:ext uri="{FF2B5EF4-FFF2-40B4-BE49-F238E27FC236}">
-                <a16:creationId xmlns:a16="http://schemas.microsoft.com/office/drawing/2014/main" id="{F888EE71-82B3-40F1-A63F-7417422FB4A4}"/>
-              </a:ext>
-            </a:extLst>
-          </p:cNvPr>
-          <p:cNvSpPr>
-            <a:spLocks noGrp="1"/>
-          </p:cNvSpPr>
-          <p:nvPr>
-            <p:ph type="sldNum" sz="quarter" idx="4"/>
-          </p:nvPr>
-        </p:nvSpPr>
-        <p:spPr>
-          <a:xfrm>
-            <a:off x="11753030" y="6444000"/>
-            <a:ext cx="367414" cy="297000"/>
-          </a:xfrm>
-          <a:prstGeom prst="rect">
-            <a:avLst/>
-          </a:prstGeom>
-        </p:spPr>
-        <p:txBody>
-          <a:bodyPr vert="horz" lIns="91440" tIns="45720" rIns="91440" bIns="45720" rtlCol="0" anchor="b"/>
-          <a:lstStyle>
-            <a:lvl1pPr algn="r">
-              <a:defRPr sz="1000"/>
-            </a:lvl1pPr>
-          </a:lstStyle>
-          <a:p>
-            <a:fld id="{2BF067CD-8E6B-4360-9AA8-C5DF2A48A6D1}" type="slidenum">
-              <a:rPr lang="en-US" noProof="0" smtClean="0"/>
-              <a:pPr/>
-              <a:t>‹#›</a:t>
-            </a:fld>
-            <a:endParaRPr lang="en-US" noProof="0"/>
-          </a:p>
-        </p:txBody>
-      </p:sp>
-      <p:sp>
-        <p:nvSpPr>
-          <p:cNvPr id="14" name="Text Placeholder Body">
-            <a:extLst>
-              <a:ext uri="{FF2B5EF4-FFF2-40B4-BE49-F238E27FC236}">
-                <a16:creationId xmlns:a16="http://schemas.microsoft.com/office/drawing/2014/main" id="{A2ABE920-240F-4CF6-AD45-23ED489FAD6E}"/>
-              </a:ext>
-            </a:extLst>
-          </p:cNvPr>
-          <p:cNvSpPr>
-            <a:spLocks noGrp="1"/>
-          </p:cNvSpPr>
-          <p:nvPr>
-            <p:ph type="body" sz="quarter" idx="13" hasCustomPrompt="1"/>
-          </p:nvPr>
-        </p:nvSpPr>
-        <p:spPr>
-          <a:xfrm>
-            <a:off x="4569002" y="1353866"/>
-            <a:ext cx="7426234" cy="5219931"/>
-          </a:xfrm>
-        </p:spPr>
-        <p:txBody>
-          <a:bodyPr/>
-          <a:lstStyle>
-            <a:lvl1pPr latinLnBrk="0">
-              <a:defRPr/>
-            </a:lvl1pPr>
-            <a:lvl2pPr latinLnBrk="0">
-              <a:defRPr/>
-            </a:lvl2pPr>
-            <a:lvl3pPr latinLnBrk="0">
-              <a:defRPr/>
-            </a:lvl3pPr>
-            <a:lvl4pPr latinLnBrk="0">
-              <a:defRPr/>
-            </a:lvl4pPr>
-            <a:lvl5pPr latinLnBrk="0">
-              <a:defRPr/>
-            </a:lvl5pPr>
-          </a:lstStyle>
-          <a:p>
-            <a:pPr lvl="0"/>
-            <a:r>
-              <a:rPr lang="en-US" noProof="0"/>
-              <a:t>Edit Master text styles</a:t>
-            </a:r>
-          </a:p>
-          <a:p>
-            <a:pPr lvl="1"/>
-            <a:r>
-              <a:rPr lang="en-US" noProof="0"/>
-              <a:t>Second level</a:t>
-            </a:r>
-          </a:p>
-          <a:p>
-            <a:pPr lvl="2"/>
-            <a:r>
-              <a:rPr lang="en-US" noProof="0"/>
-              <a:t>Third level</a:t>
-            </a:r>
-          </a:p>
-          <a:p>
-            <a:pPr lvl="3"/>
-            <a:r>
-              <a:rPr lang="en-US" noProof="0"/>
-              <a:t>Fourth level</a:t>
-            </a:r>
-          </a:p>
-          <a:p>
-            <a:pPr lvl="4"/>
-            <a:r>
-              <a:rPr lang="en-US" noProof="0"/>
-              <a:t>Fifth level</a:t>
-            </a:r>
-          </a:p>
-        </p:txBody>
-      </p:sp>
-      <p:sp>
-        <p:nvSpPr>
-          <p:cNvPr id="5" name="Picture Placeholder Left"/>
-          <p:cNvSpPr>
-            <a:spLocks noGrp="1"/>
-          </p:cNvSpPr>
-          <p:nvPr>
-            <p:ph type="pic" idx="1" hasCustomPrompt="1"/>
-          </p:nvPr>
-        </p:nvSpPr>
-        <p:spPr>
-          <a:xfrm>
-            <a:off x="190405" y="1355077"/>
-            <a:ext cx="3889373" cy="5366405"/>
-          </a:xfrm>
-          <a:prstGeom prst="rect">
-            <a:avLst/>
-          </a:prstGeom>
-          <a:solidFill>
-            <a:schemeClr val="bg2">
-              <a:lumMod val="90000"/>
-            </a:schemeClr>
-          </a:solidFill>
-        </p:spPr>
-        <p:txBody>
-          <a:bodyPr anchor="ctr"/>
-          <a:lstStyle>
-            <a:lvl1pPr marL="0" indent="0" algn="ctr" latinLnBrk="0">
-              <a:buNone/>
-              <a:defRPr sz="2131" baseline="0">
-                <a:solidFill>
-                  <a:schemeClr val="tx1"/>
-                </a:solidFill>
-                <a:latin typeface="+mn-lt"/>
-                <a:cs typeface="Arial" pitchFamily="34" charset="0"/>
-              </a:defRPr>
-            </a:lvl1pPr>
-            <a:lvl2pPr marL="609219" indent="0">
-              <a:buNone/>
-              <a:defRPr sz="3731"/>
-            </a:lvl2pPr>
-            <a:lvl3pPr marL="1218438" indent="0">
-              <a:buNone/>
-              <a:defRPr sz="3198"/>
-            </a:lvl3pPr>
-            <a:lvl4pPr marL="1827657" indent="0">
-              <a:buNone/>
-              <a:defRPr sz="2665"/>
-            </a:lvl4pPr>
-            <a:lvl5pPr marL="2436876" indent="0">
-              <a:buNone/>
-              <a:defRPr sz="2665"/>
-            </a:lvl5pPr>
-            <a:lvl6pPr marL="3046096" indent="0">
-              <a:buNone/>
-              <a:defRPr sz="2665"/>
-            </a:lvl6pPr>
-            <a:lvl7pPr marL="3655315" indent="0">
-              <a:buNone/>
-              <a:defRPr sz="2665"/>
-            </a:lvl7pPr>
-            <a:lvl8pPr marL="4264533" indent="0">
-              <a:buNone/>
-              <a:defRPr sz="2665"/>
-            </a:lvl8pPr>
-            <a:lvl9pPr marL="4873752" indent="0">
-              <a:buNone/>
-              <a:defRPr sz="2665"/>
-            </a:lvl9pPr>
-          </a:lstStyle>
-          <a:p>
-            <a:r>
-              <a:rPr lang="en-US" altLang="ko-KR" noProof="0"/>
-              <a:t>Your Picture Here</a:t>
-            </a:r>
-          </a:p>
-        </p:txBody>
-      </p:sp>
-      <p:sp>
-        <p:nvSpPr>
-          <p:cNvPr id="3" name="Rectangle Left Second"/>
-          <p:cNvSpPr/>
-          <p:nvPr/>
-        </p:nvSpPr>
-        <p:spPr>
-          <a:xfrm>
-            <a:off x="4127777" y="1748999"/>
-            <a:ext cx="240001" cy="3360000"/>
-          </a:xfrm>
-          <a:prstGeom prst="rect">
-            <a:avLst/>
-          </a:prstGeom>
-          <a:solidFill>
-            <a:schemeClr val="tx2"/>
-          </a:solidFill>
-          <a:ln>
-            <a:noFill/>
-          </a:ln>
-        </p:spPr>
-        <p:style>
-          <a:lnRef idx="2">
-            <a:schemeClr val="accent1">
-              <a:shade val="50000"/>
-            </a:schemeClr>
-          </a:lnRef>
-          <a:fillRef idx="1">
-            <a:schemeClr val="accent1"/>
-          </a:fillRef>
-          <a:effectRef idx="0">
-            <a:schemeClr val="accent1"/>
-          </a:effectRef>
-          <a:fontRef idx="minor">
-            <a:schemeClr val="lt1"/>
-          </a:fontRef>
-        </p:style>
-        <p:txBody>
-          <a:bodyPr rtlCol="0" anchor="ctr"/>
-          <a:lstStyle/>
-          <a:p>
-            <a:pPr marL="0" marR="0" lvl="0" indent="0" algn="ctr" defTabSz="913852" rtl="0" eaLnBrk="1" fontAlgn="auto" latinLnBrk="0" hangingPunct="1">
-              <a:lnSpc>
-                <a:spcPct val="100000"/>
-              </a:lnSpc>
-              <a:spcBef>
-                <a:spcPts val="0"/>
-              </a:spcBef>
-              <a:spcAft>
-                <a:spcPts val="0"/>
-              </a:spcAft>
-              <a:buClrTx/>
-              <a:buSzTx/>
-              <a:buFontTx/>
-              <a:buNone/>
-              <a:tabLst/>
-              <a:defRPr/>
-            </a:pPr>
-            <a:endParaRPr kumimoji="0" lang="en-US" altLang="ko-KR" sz="2398" b="0" i="0" u="none" strike="noStrike" kern="1200" cap="none" spc="0" normalizeH="0" baseline="0" noProof="0">
-              <a:ln>
-                <a:noFill/>
-              </a:ln>
-              <a:solidFill>
-                <a:srgbClr val="F7C86D"/>
-              </a:solidFill>
-              <a:effectLst/>
-              <a:uLnTx/>
-              <a:uFillTx/>
-              <a:latin typeface="Calibri" panose="020F0502020204030204"/>
-              <a:ea typeface="맑은 고딕" panose="020B0503020000020004" pitchFamily="34" charset="-127"/>
-              <a:cs typeface="+mn-cs"/>
-            </a:endParaRPr>
-          </a:p>
-        </p:txBody>
-      </p:sp>
-      <p:sp>
-        <p:nvSpPr>
-          <p:cNvPr id="2" name="Rectangle Left First"/>
-          <p:cNvSpPr/>
-          <p:nvPr/>
-        </p:nvSpPr>
-        <p:spPr>
-          <a:xfrm>
-            <a:off x="4079775" y="1355073"/>
-            <a:ext cx="48001" cy="5502926"/>
-          </a:xfrm>
-          <a:prstGeom prst="rect">
-            <a:avLst/>
-          </a:prstGeom>
-          <a:solidFill>
-            <a:schemeClr val="tx2"/>
-          </a:solidFill>
-          <a:ln>
-            <a:noFill/>
-          </a:ln>
-        </p:spPr>
-        <p:style>
-          <a:lnRef idx="2">
-            <a:schemeClr val="accent1">
-              <a:shade val="50000"/>
-            </a:schemeClr>
-          </a:lnRef>
-          <a:fillRef idx="1">
-            <a:schemeClr val="accent1"/>
-          </a:fillRef>
-          <a:effectRef idx="0">
-            <a:schemeClr val="accent1"/>
-          </a:effectRef>
-          <a:fontRef idx="minor">
-            <a:schemeClr val="lt1"/>
-          </a:fontRef>
-        </p:style>
-        <p:txBody>
-          <a:bodyPr rtlCol="0" anchor="ctr"/>
-          <a:lstStyle/>
-          <a:p>
-            <a:pPr marL="0" marR="0" lvl="0" indent="0" algn="ctr" defTabSz="913852" rtl="0" eaLnBrk="1" fontAlgn="auto" latinLnBrk="0" hangingPunct="1">
-              <a:lnSpc>
-                <a:spcPct val="100000"/>
-              </a:lnSpc>
-              <a:spcBef>
-                <a:spcPts val="0"/>
-              </a:spcBef>
-              <a:spcAft>
-                <a:spcPts val="0"/>
-              </a:spcAft>
-              <a:buClrTx/>
-              <a:buSzTx/>
-              <a:buFontTx/>
-              <a:buNone/>
-              <a:tabLst/>
-              <a:defRPr/>
-            </a:pPr>
-            <a:endParaRPr kumimoji="0" lang="en-US" altLang="ko-KR" sz="2398" b="0" i="0" u="none" strike="noStrike" kern="1200" cap="none" spc="0" normalizeH="0" baseline="0" noProof="0">
-              <a:ln>
-                <a:noFill/>
-              </a:ln>
-              <a:solidFill>
-                <a:srgbClr val="F7C86D"/>
-              </a:solidFill>
-              <a:effectLst/>
-              <a:uLnTx/>
-              <a:uFillTx/>
-              <a:latin typeface="Calibri" panose="020F0502020204030204"/>
-              <a:ea typeface="맑은 고딕" panose="020B0503020000020004" pitchFamily="34" charset="-127"/>
-              <a:cs typeface="+mn-cs"/>
-            </a:endParaRPr>
-          </a:p>
-        </p:txBody>
-      </p:sp>
-      <p:sp>
-        <p:nvSpPr>
-          <p:cNvPr id="10" name="Rectangle Down">
-            <a:extLst>
-              <a:ext uri="{FF2B5EF4-FFF2-40B4-BE49-F238E27FC236}">
-                <a16:creationId xmlns:a16="http://schemas.microsoft.com/office/drawing/2014/main" id="{E9B994EC-35A8-4A11-98CB-25DC28852F94}"/>
-              </a:ext>
-            </a:extLst>
-          </p:cNvPr>
-          <p:cNvSpPr/>
-          <p:nvPr/>
-        </p:nvSpPr>
-        <p:spPr>
-          <a:xfrm>
-            <a:off x="2" y="6721482"/>
-            <a:ext cx="12192000" cy="136518"/>
-          </a:xfrm>
-          <a:prstGeom prst="rect">
-            <a:avLst/>
-          </a:prstGeom>
-          <a:solidFill>
-            <a:schemeClr val="tx2"/>
-          </a:solidFill>
-          <a:ln>
-            <a:noFill/>
-          </a:ln>
-        </p:spPr>
-        <p:style>
-          <a:lnRef idx="2">
-            <a:schemeClr val="accent1">
-              <a:shade val="50000"/>
-            </a:schemeClr>
-          </a:lnRef>
-          <a:fillRef idx="1">
-            <a:schemeClr val="accent1"/>
-          </a:fillRef>
-          <a:effectRef idx="0">
-            <a:schemeClr val="accent1"/>
-          </a:effectRef>
-          <a:fontRef idx="minor">
-            <a:schemeClr val="lt1"/>
-          </a:fontRef>
-        </p:style>
-        <p:txBody>
-          <a:bodyPr rtlCol="0" anchor="ctr"/>
-          <a:lstStyle/>
-          <a:p>
-            <a:pPr marL="0" marR="0" lvl="0" indent="0" algn="ctr" defTabSz="913852" rtl="0" eaLnBrk="1" fontAlgn="auto" latinLnBrk="0" hangingPunct="1">
-              <a:lnSpc>
-                <a:spcPct val="100000"/>
-              </a:lnSpc>
-              <a:spcBef>
-                <a:spcPts val="0"/>
-              </a:spcBef>
-              <a:spcAft>
-                <a:spcPts val="0"/>
-              </a:spcAft>
-              <a:buClrTx/>
-              <a:buSzTx/>
-              <a:buFontTx/>
-              <a:buNone/>
-              <a:tabLst/>
-              <a:defRPr/>
-            </a:pPr>
-            <a:endParaRPr kumimoji="0" lang="en-US" altLang="ko-KR" sz="2398" b="0" i="0" u="none" strike="noStrike" kern="1200" cap="none" spc="0" normalizeH="0" baseline="0" noProof="0">
-              <a:ln>
-                <a:noFill/>
-              </a:ln>
-              <a:solidFill>
-                <a:srgbClr val="F7C86D"/>
-              </a:solidFill>
-              <a:effectLst/>
-              <a:uLnTx/>
-              <a:uFillTx/>
-              <a:latin typeface="Calibri" panose="020F0502020204030204"/>
-              <a:ea typeface="맑은 고딕" panose="020B0503020000020004" pitchFamily="34" charset="-127"/>
-              <a:cs typeface="+mn-cs"/>
-            </a:endParaRPr>
-          </a:p>
-        </p:txBody>
-      </p:sp>
-      <p:sp>
-        <p:nvSpPr>
-          <p:cNvPr id="11" name="Rectangle Top">
-            <a:extLst>
-              <a:ext uri="{FF2B5EF4-FFF2-40B4-BE49-F238E27FC236}">
-                <a16:creationId xmlns:a16="http://schemas.microsoft.com/office/drawing/2014/main" id="{274B8F05-DFCE-47BD-BAFD-DF93E1A63BDD}"/>
-              </a:ext>
-            </a:extLst>
-          </p:cNvPr>
-          <p:cNvSpPr/>
-          <p:nvPr userDrawn="1"/>
-        </p:nvSpPr>
-        <p:spPr>
-          <a:xfrm>
-            <a:off x="0" y="0"/>
-            <a:ext cx="12196800" cy="1095376"/>
-          </a:xfrm>
-          <a:prstGeom prst="rect">
-            <a:avLst/>
-          </a:prstGeom>
-          <a:solidFill>
-            <a:schemeClr val="tx2"/>
-          </a:solidFill>
-          <a:ln>
-            <a:noFill/>
-          </a:ln>
-        </p:spPr>
-        <p:style>
-          <a:lnRef idx="2">
-            <a:schemeClr val="accent1">
-              <a:shade val="50000"/>
-            </a:schemeClr>
-          </a:lnRef>
-          <a:fillRef idx="1">
-            <a:schemeClr val="accent1"/>
-          </a:fillRef>
-          <a:effectRef idx="0">
-            <a:schemeClr val="accent1"/>
-          </a:effectRef>
-          <a:fontRef idx="minor">
-            <a:schemeClr val="lt1"/>
-          </a:fontRef>
-        </p:style>
-        <p:txBody>
-          <a:bodyPr rtlCol="0" anchor="ctr"/>
-          <a:lstStyle/>
-          <a:p>
-            <a:pPr marL="0" marR="0" lvl="0" indent="0" algn="ctr" defTabSz="913852" rtl="0" eaLnBrk="1" fontAlgn="auto" latinLnBrk="0" hangingPunct="1">
-              <a:lnSpc>
-                <a:spcPct val="100000"/>
-              </a:lnSpc>
-              <a:spcBef>
-                <a:spcPts val="0"/>
-              </a:spcBef>
-              <a:spcAft>
-                <a:spcPts val="0"/>
-              </a:spcAft>
-              <a:buClrTx/>
-              <a:buSzTx/>
-              <a:buFontTx/>
-              <a:buNone/>
-              <a:tabLst/>
-              <a:defRPr/>
-            </a:pPr>
-            <a:endParaRPr kumimoji="0" lang="en-US" altLang="ko-KR" sz="2398" b="0" i="0" u="none" strike="noStrike" kern="1200" cap="none" spc="0" normalizeH="0" baseline="0" noProof="0">
-              <a:ln>
-                <a:noFill/>
-              </a:ln>
-              <a:solidFill>
-                <a:srgbClr val="F7C86D"/>
-              </a:solidFill>
-              <a:effectLst/>
-              <a:uLnTx/>
-              <a:uFillTx/>
-              <a:latin typeface="Calibri" panose="020F0502020204030204"/>
-              <a:ea typeface="맑은 고딕" panose="020B0503020000020004" pitchFamily="34" charset="-127"/>
-              <a:cs typeface="+mn-cs"/>
-            </a:endParaRPr>
-          </a:p>
-        </p:txBody>
-      </p:sp>
-      <p:pic>
-        <p:nvPicPr>
-          <p:cNvPr id="12" name="Logo Software University" descr="Software University logo">
-            <a:extLst>
-              <a:ext uri="{FF2B5EF4-FFF2-40B4-BE49-F238E27FC236}">
-                <a16:creationId xmlns:a16="http://schemas.microsoft.com/office/drawing/2014/main" id="{233CBB95-791E-4630-B3D9-FADFCE7BCF52}"/>
-              </a:ext>
-            </a:extLst>
-          </p:cNvPr>
-          <p:cNvPicPr>
-            <a:picLocks noChangeAspect="1"/>
-          </p:cNvPicPr>
-          <p:nvPr userDrawn="1"/>
-        </p:nvPicPr>
-        <p:blipFill>
-          <a:blip r:embed="rId2" cstate="hqprint">
-            <a:extLst>
-              <a:ext uri="{28A0092B-C50C-407E-A947-70E740481C1C}">
-                <a14:useLocalDpi xmlns:a14="http://schemas.microsoft.com/office/drawing/2010/main" val="0"/>
-              </a:ext>
-            </a:extLst>
-          </a:blip>
-          <a:stretch>
-            <a:fillRect/>
-          </a:stretch>
-        </p:blipFill>
-        <p:spPr>
-          <a:xfrm>
-            <a:off x="10067957" y="253936"/>
-            <a:ext cx="1915704" cy="559235"/>
-          </a:xfrm>
-          <a:prstGeom prst="rect">
-            <a:avLst/>
-          </a:prstGeom>
-        </p:spPr>
-      </p:pic>
-      <p:sp>
-        <p:nvSpPr>
-          <p:cNvPr id="13" name="Slide Title">
-            <a:extLst>
-              <a:ext uri="{FF2B5EF4-FFF2-40B4-BE49-F238E27FC236}">
-                <a16:creationId xmlns:a16="http://schemas.microsoft.com/office/drawing/2014/main" id="{3F218E34-55D7-4290-BFE4-80F31F941551}"/>
-              </a:ext>
-            </a:extLst>
-          </p:cNvPr>
-          <p:cNvSpPr>
-            <a:spLocks noGrp="1"/>
-          </p:cNvSpPr>
-          <p:nvPr>
-            <p:ph type="title" hasCustomPrompt="1"/>
-          </p:nvPr>
-        </p:nvSpPr>
-        <p:spPr>
-          <a:xfrm>
-            <a:off x="190406" y="100750"/>
-            <a:ext cx="9715594" cy="882654"/>
-          </a:xfrm>
-        </p:spPr>
-        <p:txBody>
-          <a:bodyPr/>
-          <a:lstStyle>
-            <a:lvl1pPr latinLnBrk="0">
-              <a:defRPr>
-                <a:solidFill>
-                  <a:schemeClr val="bg2"/>
-                </a:solidFill>
-              </a:defRPr>
-            </a:lvl1pPr>
-          </a:lstStyle>
-          <a:p>
-            <a:r>
-              <a:rPr lang="en-US" noProof="0" dirty="0"/>
-              <a:t>Slide Title</a:t>
-            </a:r>
-          </a:p>
-        </p:txBody>
-      </p:sp>
-    </p:spTree>
-    <p:extLst>
-      <p:ext uri="{BB962C8B-B14F-4D97-AF65-F5344CB8AC3E}">
-        <p14:creationId xmlns:p14="http://schemas.microsoft.com/office/powerpoint/2010/main" val="3774019400"/>
-      </p:ext>
-    </p:extLst>
-  </p:cSld>
-  <p:clrMapOvr>
-    <a:masterClrMapping/>
-  </p:clrMapOvr>
-  <mc:AlternateContent xmlns:mc="http://schemas.openxmlformats.org/markup-compatibility/2006" xmlns:p14="http://schemas.microsoft.com/office/powerpoint/2010/main">
-    <mc:Choice Requires="p14">
-      <p:transition spd="slow" p14:dur="2000" advClick="0" advTm="5000"/>
-    </mc:Choice>
-    <mc:Fallback xmlns="">
-      <p:transition spd="slow" advClick="0" advTm="5000"/>
-    </mc:Fallback>
-  </mc:AlternateContent>
-</p:sldLayout>
-</file>
-
-<file path=ppt/slideLayouts/slideLayout11.xml><?xml version="1.0" encoding="utf-8"?>
-<p:sldLayout xmlns:a="http://schemas.openxmlformats.org/drawingml/2006/main" xmlns:r="http://schemas.openxmlformats.org/officeDocument/2006/relationships" xmlns:p="http://schemas.openxmlformats.org/presentationml/2006/main" preserve="1" userDrawn="1">
   <p:cSld name="Questions Slide">
     <p:bg>
       <p:bgPr>
@@ -3735,7 +3118,13 @@
               <a:t>© SoftUni – </a:t>
             </a:r>
             <a:r>
-              <a:rPr lang="en-US" sz="1600" u="sng" noProof="0" dirty="0">
+              <a:rPr lang="en-US" sz="1600" dirty="0">
+                <a:hlinkClick r:id="rId2"/>
+              </a:rPr>
+              <a:t>https://about.softuni.bg</a:t>
+            </a:r>
+            <a:r>
+              <a:rPr lang="en-US" sz="1600" noProof="0" dirty="0">
                 <a:solidFill>
                   <a:schemeClr val="bg2"/>
                 </a:solidFill>
@@ -3743,15 +3132,9 @@
                 <a:latin typeface="Calibri" panose="020F0502020204030204" pitchFamily="34" charset="0"/>
                 <a:ea typeface="Calibri" panose="020F0502020204030204" pitchFamily="34" charset="0"/>
                 <a:cs typeface="Arial" panose="020B0604020202020204" pitchFamily="34" charset="0"/>
-                <a:hlinkClick r:id="rId2">
-                  <a:extLst>
-                    <a:ext uri="{A12FA001-AC4F-418D-AE19-62706E023703}">
-                      <ahyp:hlinkClr xmlns="" xmlns:ahyp="http://schemas.microsoft.com/office/drawing/2018/hyperlinkcolor" val="tx"/>
-                    </a:ext>
-                  </a:extLst>
-                </a:hlinkClick>
+                <a:hlinkClick r:id="rId2"/>
               </a:rPr>
-              <a:t>https://softuni.org</a:t>
+              <a:t>. </a:t>
             </a:r>
             <a:r>
               <a:rPr lang="en-US" sz="1600" noProof="0" dirty="0">
@@ -3763,7 +3146,7 @@
                 <a:ea typeface="Calibri" panose="020F0502020204030204" pitchFamily="34" charset="0"/>
                 <a:cs typeface="Arial" panose="020B0604020202020204" pitchFamily="34" charset="0"/>
               </a:rPr>
-              <a:t>. Copyrighted document. Unauthorized copy, reproduction or use is not permitted.</a:t>
+              <a:t>Copyrighted document. Unauthorized copy, reproduction or use is not permitted.</a:t>
             </a:r>
             <a:endParaRPr lang="en-US" sz="2400" noProof="0" dirty="0">
               <a:solidFill>
@@ -4506,7 +3889,7 @@
           <p:nvPr userDrawn="1"/>
         </p:nvPicPr>
         <p:blipFill>
-          <a:blip r:embed="rId11" cstate="hqprint">
+          <a:blip r:embed="rId11">
             <a:clrChange>
               <a:clrFrom>
                 <a:srgbClr val="FFFFFF"/>
@@ -4574,7 +3957,7 @@
 </p:sldLayout>
 </file>
 
-<file path=ppt/slideLayouts/slideLayout12.xml><?xml version="1.0" encoding="utf-8"?>
+<file path=ppt/slideLayouts/slideLayout11.xml><?xml version="1.0" encoding="utf-8"?>
 <p:sldLayout xmlns:a="http://schemas.openxmlformats.org/drawingml/2006/main" xmlns:r="http://schemas.openxmlformats.org/officeDocument/2006/relationships" xmlns:p="http://schemas.openxmlformats.org/presentationml/2006/main" preserve="1" userDrawn="1">
   <p:cSld name="About Slide">
     <p:spTree>
@@ -4732,7 +4115,7 @@
           <p:nvPr userDrawn="1"/>
         </p:nvPicPr>
         <p:blipFill>
-          <a:blip r:embed="rId7" cstate="hqprint">
+          <a:blip r:embed="rId7">
             <a:extLst>
               <a:ext uri="{28A0092B-C50C-407E-A947-70E740481C1C}">
                 <a14:useLocalDpi xmlns:a14="http://schemas.microsoft.com/office/drawing/2010/main" val="0"/>
@@ -5013,7 +4396,7 @@
           <p:nvPr userDrawn="1"/>
         </p:nvPicPr>
         <p:blipFill>
-          <a:blip r:embed="rId11" cstate="hqprint">
+          <a:blip r:embed="rId11">
             <a:extLst>
               <a:ext uri="{28A0092B-C50C-407E-A947-70E740481C1C}">
                 <a14:useLocalDpi xmlns:a14="http://schemas.microsoft.com/office/drawing/2010/main" val="0"/>
@@ -5533,7 +4916,7 @@
           <p:nvPr userDrawn="1"/>
         </p:nvPicPr>
         <p:blipFill>
-          <a:blip r:embed="rId2" cstate="hqprint">
+          <a:blip r:embed="rId2">
             <a:extLst>
               <a:ext uri="{28A0092B-C50C-407E-A947-70E740481C1C}">
                 <a14:useLocalDpi xmlns:a14="http://schemas.microsoft.com/office/drawing/2010/main" val="0"/>
@@ -5750,45 +5133,6 @@
           </a:p>
         </p:txBody>
       </p:sp>
-      <p:pic>
-        <p:nvPicPr>
-          <p:cNvPr id="3074" name="Picture Bulb" descr="Bulb"/>
-          <p:cNvPicPr>
-            <a:picLocks noChangeAspect="1" noChangeArrowheads="1"/>
-          </p:cNvPicPr>
-          <p:nvPr/>
-        </p:nvPicPr>
-        <p:blipFill>
-          <a:blip r:embed="rId2">
-            <a:extLst>
-              <a:ext uri="{28A0092B-C50C-407E-A947-70E740481C1C}">
-                <a14:useLocalDpi xmlns:a14="http://schemas.microsoft.com/office/drawing/2010/main" val="0"/>
-              </a:ext>
-            </a:extLst>
-          </a:blip>
-          <a:srcRect/>
-          <a:stretch/>
-        </p:blipFill>
-        <p:spPr bwMode="auto">
-          <a:xfrm>
-            <a:off x="235205" y="1792355"/>
-            <a:ext cx="1830304" cy="4062222"/>
-          </a:xfrm>
-          <a:prstGeom prst="rect">
-            <a:avLst/>
-          </a:prstGeom>
-          <a:noFill/>
-          <a:extLst>
-            <a:ext uri="{909E8E84-426E-40DD-AFC4-6F175D3DCCD1}">
-              <a14:hiddenFill xmlns:a14="http://schemas.microsoft.com/office/drawing/2010/main">
-                <a:solidFill>
-                  <a:srgbClr val="FFFFFF"/>
-                </a:solidFill>
-              </a14:hiddenFill>
-            </a:ext>
-          </a:extLst>
-        </p:spPr>
-      </p:pic>
       <p:sp>
         <p:nvSpPr>
           <p:cNvPr id="7" name="Slide Body Text">
@@ -5902,7 +5246,7 @@
           <p:nvPr userDrawn="1"/>
         </p:nvPicPr>
         <p:blipFill>
-          <a:blip r:embed="rId3" cstate="hqprint">
+          <a:blip r:embed="rId2">
             <a:clrChange>
               <a:clrFrom>
                 <a:srgbClr val="FFFFFF"/>
@@ -5970,10 +5314,1090 @@
           </a:p>
         </p:txBody>
       </p:sp>
+      <p:grpSp>
+        <p:nvGrpSpPr>
+          <p:cNvPr id="10" name="Group 9">
+            <a:extLst>
+              <a:ext uri="{FF2B5EF4-FFF2-40B4-BE49-F238E27FC236}">
+                <a16:creationId xmlns:a16="http://schemas.microsoft.com/office/drawing/2014/main" id="{43CDBCC2-1C96-44BC-B992-7B0C49C34904}"/>
+              </a:ext>
+            </a:extLst>
+          </p:cNvPr>
+          <p:cNvGrpSpPr/>
+          <p:nvPr userDrawn="1"/>
+        </p:nvGrpSpPr>
+        <p:grpSpPr>
+          <a:xfrm>
+            <a:off x="185076" y="1868177"/>
+            <a:ext cx="1937508" cy="3070349"/>
+            <a:chOff x="3928039" y="1792355"/>
+            <a:chExt cx="1830304" cy="2900460"/>
+          </a:xfrm>
+        </p:grpSpPr>
+        <p:grpSp>
+          <p:nvGrpSpPr>
+            <p:cNvPr id="11" name="Group 10">
+              <a:extLst>
+                <a:ext uri="{FF2B5EF4-FFF2-40B4-BE49-F238E27FC236}">
+                  <a16:creationId xmlns:a16="http://schemas.microsoft.com/office/drawing/2014/main" id="{7D71B3A8-4D39-42CF-9255-81EA3A622DD6}"/>
+                </a:ext>
+              </a:extLst>
+            </p:cNvPr>
+            <p:cNvGrpSpPr/>
+            <p:nvPr/>
+          </p:nvGrpSpPr>
+          <p:grpSpPr>
+            <a:xfrm>
+              <a:off x="3928039" y="1792355"/>
+              <a:ext cx="1830304" cy="2206534"/>
+              <a:chOff x="3216839" y="2404072"/>
+              <a:chExt cx="1830304" cy="2206534"/>
+            </a:xfrm>
+          </p:grpSpPr>
+          <p:sp>
+            <p:nvSpPr>
+              <p:cNvPr id="25" name="Oval 24">
+                <a:extLst>
+                  <a:ext uri="{FF2B5EF4-FFF2-40B4-BE49-F238E27FC236}">
+                    <a16:creationId xmlns:a16="http://schemas.microsoft.com/office/drawing/2014/main" id="{B98059F9-1874-426D-8AF7-A12C21F37DD9}"/>
+                  </a:ext>
+                </a:extLst>
+              </p:cNvPr>
+              <p:cNvSpPr/>
+              <p:nvPr/>
+            </p:nvSpPr>
+            <p:spPr>
+              <a:xfrm>
+                <a:off x="3216839" y="2404072"/>
+                <a:ext cx="1830304" cy="1830304"/>
+              </a:xfrm>
+              <a:prstGeom prst="ellipse">
+                <a:avLst/>
+              </a:prstGeom>
+              <a:solidFill>
+                <a:srgbClr val="F2A40D"/>
+              </a:solidFill>
+              <a:ln>
+                <a:noFill/>
+              </a:ln>
+            </p:spPr>
+            <p:style>
+              <a:lnRef idx="2">
+                <a:schemeClr val="accent1">
+                  <a:shade val="50000"/>
+                </a:schemeClr>
+              </a:lnRef>
+              <a:fillRef idx="1">
+                <a:schemeClr val="accent1"/>
+              </a:fillRef>
+              <a:effectRef idx="0">
+                <a:schemeClr val="accent1"/>
+              </a:effectRef>
+              <a:fontRef idx="minor">
+                <a:schemeClr val="lt1"/>
+              </a:fontRef>
+            </p:style>
+            <p:txBody>
+              <a:bodyPr rtlCol="0" anchor="ctr"/>
+              <a:lstStyle/>
+              <a:p>
+                <a:pPr algn="ctr"/>
+                <a:endParaRPr lang="bg-BG"/>
+              </a:p>
+            </p:txBody>
+          </p:sp>
+          <p:sp>
+            <p:nvSpPr>
+              <p:cNvPr id="26" name="Rectangle 5">
+                <a:extLst>
+                  <a:ext uri="{FF2B5EF4-FFF2-40B4-BE49-F238E27FC236}">
+                    <a16:creationId xmlns:a16="http://schemas.microsoft.com/office/drawing/2014/main" id="{A3A1E077-DBDF-48F0-A924-604984B940A2}"/>
+                  </a:ext>
+                </a:extLst>
+              </p:cNvPr>
+              <p:cNvSpPr/>
+              <p:nvPr/>
+            </p:nvSpPr>
+            <p:spPr>
+              <a:xfrm>
+                <a:off x="3699615" y="3807346"/>
+                <a:ext cx="1143001" cy="803260"/>
+              </a:xfrm>
+              <a:custGeom>
+                <a:avLst/>
+                <a:gdLst>
+                  <a:gd name="connsiteX0" fmla="*/ 0 w 876300"/>
+                  <a:gd name="connsiteY0" fmla="*/ 0 h 787400"/>
+                  <a:gd name="connsiteX1" fmla="*/ 876300 w 876300"/>
+                  <a:gd name="connsiteY1" fmla="*/ 0 h 787400"/>
+                  <a:gd name="connsiteX2" fmla="*/ 876300 w 876300"/>
+                  <a:gd name="connsiteY2" fmla="*/ 787400 h 787400"/>
+                  <a:gd name="connsiteX3" fmla="*/ 0 w 876300"/>
+                  <a:gd name="connsiteY3" fmla="*/ 787400 h 787400"/>
+                  <a:gd name="connsiteX4" fmla="*/ 0 w 876300"/>
+                  <a:gd name="connsiteY4" fmla="*/ 0 h 787400"/>
+                  <a:gd name="connsiteX0" fmla="*/ 0 w 876300"/>
+                  <a:gd name="connsiteY0" fmla="*/ 0 h 787400"/>
+                  <a:gd name="connsiteX1" fmla="*/ 876300 w 876300"/>
+                  <a:gd name="connsiteY1" fmla="*/ 0 h 787400"/>
+                  <a:gd name="connsiteX2" fmla="*/ 876300 w 876300"/>
+                  <a:gd name="connsiteY2" fmla="*/ 787400 h 787400"/>
+                  <a:gd name="connsiteX3" fmla="*/ 0 w 876300"/>
+                  <a:gd name="connsiteY3" fmla="*/ 787400 h 787400"/>
+                  <a:gd name="connsiteX4" fmla="*/ 0 w 876300"/>
+                  <a:gd name="connsiteY4" fmla="*/ 0 h 787400"/>
+                  <a:gd name="connsiteX0" fmla="*/ 0 w 876300"/>
+                  <a:gd name="connsiteY0" fmla="*/ 0 h 787400"/>
+                  <a:gd name="connsiteX1" fmla="*/ 876300 w 876300"/>
+                  <a:gd name="connsiteY1" fmla="*/ 0 h 787400"/>
+                  <a:gd name="connsiteX2" fmla="*/ 876300 w 876300"/>
+                  <a:gd name="connsiteY2" fmla="*/ 787400 h 787400"/>
+                  <a:gd name="connsiteX3" fmla="*/ 0 w 876300"/>
+                  <a:gd name="connsiteY3" fmla="*/ 787400 h 787400"/>
+                  <a:gd name="connsiteX4" fmla="*/ 0 w 876300"/>
+                  <a:gd name="connsiteY4" fmla="*/ 0 h 787400"/>
+                  <a:gd name="connsiteX0" fmla="*/ 0 w 1130300"/>
+                  <a:gd name="connsiteY0" fmla="*/ 0 h 787400"/>
+                  <a:gd name="connsiteX1" fmla="*/ 1130300 w 1130300"/>
+                  <a:gd name="connsiteY1" fmla="*/ 50800 h 787400"/>
+                  <a:gd name="connsiteX2" fmla="*/ 876300 w 1130300"/>
+                  <a:gd name="connsiteY2" fmla="*/ 787400 h 787400"/>
+                  <a:gd name="connsiteX3" fmla="*/ 0 w 1130300"/>
+                  <a:gd name="connsiteY3" fmla="*/ 787400 h 787400"/>
+                  <a:gd name="connsiteX4" fmla="*/ 0 w 1130300"/>
+                  <a:gd name="connsiteY4" fmla="*/ 0 h 787400"/>
+                  <a:gd name="connsiteX0" fmla="*/ 0 w 1136650"/>
+                  <a:gd name="connsiteY0" fmla="*/ 0 h 787400"/>
+                  <a:gd name="connsiteX1" fmla="*/ 1136650 w 1136650"/>
+                  <a:gd name="connsiteY1" fmla="*/ 38100 h 787400"/>
+                  <a:gd name="connsiteX2" fmla="*/ 876300 w 1136650"/>
+                  <a:gd name="connsiteY2" fmla="*/ 787400 h 787400"/>
+                  <a:gd name="connsiteX3" fmla="*/ 0 w 1136650"/>
+                  <a:gd name="connsiteY3" fmla="*/ 787400 h 787400"/>
+                  <a:gd name="connsiteX4" fmla="*/ 0 w 1136650"/>
+                  <a:gd name="connsiteY4" fmla="*/ 0 h 787400"/>
+                </a:gdLst>
+                <a:ahLst/>
+                <a:cxnLst>
+                  <a:cxn ang="0">
+                    <a:pos x="connsiteX0" y="connsiteY0"/>
+                  </a:cxn>
+                  <a:cxn ang="0">
+                    <a:pos x="connsiteX1" y="connsiteY1"/>
+                  </a:cxn>
+                  <a:cxn ang="0">
+                    <a:pos x="connsiteX2" y="connsiteY2"/>
+                  </a:cxn>
+                  <a:cxn ang="0">
+                    <a:pos x="connsiteX3" y="connsiteY3"/>
+                  </a:cxn>
+                  <a:cxn ang="0">
+                    <a:pos x="connsiteX4" y="connsiteY4"/>
+                  </a:cxn>
+                </a:cxnLst>
+                <a:rect l="l" t="t" r="r" b="b"/>
+                <a:pathLst>
+                  <a:path w="1136650" h="787400">
+                    <a:moveTo>
+                      <a:pt x="0" y="0"/>
+                    </a:moveTo>
+                    <a:lnTo>
+                      <a:pt x="1136650" y="38100"/>
+                    </a:lnTo>
+                    <a:cubicBezTo>
+                      <a:pt x="920750" y="376767"/>
+                      <a:pt x="876300" y="524933"/>
+                      <a:pt x="876300" y="787400"/>
+                    </a:cubicBezTo>
+                    <a:lnTo>
+                      <a:pt x="0" y="787400"/>
+                    </a:lnTo>
+                    <a:lnTo>
+                      <a:pt x="0" y="0"/>
+                    </a:lnTo>
+                    <a:close/>
+                  </a:path>
+                </a:pathLst>
+              </a:custGeom>
+              <a:solidFill>
+                <a:srgbClr val="F2A40D"/>
+              </a:solidFill>
+              <a:ln>
+                <a:noFill/>
+              </a:ln>
+            </p:spPr>
+            <p:style>
+              <a:lnRef idx="2">
+                <a:schemeClr val="accent1">
+                  <a:shade val="50000"/>
+                </a:schemeClr>
+              </a:lnRef>
+              <a:fillRef idx="1">
+                <a:schemeClr val="accent1"/>
+              </a:fillRef>
+              <a:effectRef idx="0">
+                <a:schemeClr val="accent1"/>
+              </a:effectRef>
+              <a:fontRef idx="minor">
+                <a:schemeClr val="lt1"/>
+              </a:fontRef>
+            </p:style>
+            <p:txBody>
+              <a:bodyPr rtlCol="0" anchor="ctr"/>
+              <a:lstStyle/>
+              <a:p>
+                <a:pPr algn="ctr"/>
+                <a:endParaRPr lang="bg-BG" dirty="0"/>
+              </a:p>
+            </p:txBody>
+          </p:sp>
+          <p:sp>
+            <p:nvSpPr>
+              <p:cNvPr id="27" name="Rectangle 5">
+                <a:extLst>
+                  <a:ext uri="{FF2B5EF4-FFF2-40B4-BE49-F238E27FC236}">
+                    <a16:creationId xmlns:a16="http://schemas.microsoft.com/office/drawing/2014/main" id="{798B1F51-1FA4-4199-81C7-62356C936CC9}"/>
+                  </a:ext>
+                </a:extLst>
+              </p:cNvPr>
+              <p:cNvSpPr/>
+              <p:nvPr/>
+            </p:nvSpPr>
+            <p:spPr>
+              <a:xfrm flipH="1">
+                <a:off x="3426570" y="3807347"/>
+                <a:ext cx="1143000" cy="803259"/>
+              </a:xfrm>
+              <a:custGeom>
+                <a:avLst/>
+                <a:gdLst>
+                  <a:gd name="connsiteX0" fmla="*/ 0 w 876300"/>
+                  <a:gd name="connsiteY0" fmla="*/ 0 h 787400"/>
+                  <a:gd name="connsiteX1" fmla="*/ 876300 w 876300"/>
+                  <a:gd name="connsiteY1" fmla="*/ 0 h 787400"/>
+                  <a:gd name="connsiteX2" fmla="*/ 876300 w 876300"/>
+                  <a:gd name="connsiteY2" fmla="*/ 787400 h 787400"/>
+                  <a:gd name="connsiteX3" fmla="*/ 0 w 876300"/>
+                  <a:gd name="connsiteY3" fmla="*/ 787400 h 787400"/>
+                  <a:gd name="connsiteX4" fmla="*/ 0 w 876300"/>
+                  <a:gd name="connsiteY4" fmla="*/ 0 h 787400"/>
+                  <a:gd name="connsiteX0" fmla="*/ 0 w 876300"/>
+                  <a:gd name="connsiteY0" fmla="*/ 0 h 787400"/>
+                  <a:gd name="connsiteX1" fmla="*/ 876300 w 876300"/>
+                  <a:gd name="connsiteY1" fmla="*/ 0 h 787400"/>
+                  <a:gd name="connsiteX2" fmla="*/ 876300 w 876300"/>
+                  <a:gd name="connsiteY2" fmla="*/ 787400 h 787400"/>
+                  <a:gd name="connsiteX3" fmla="*/ 0 w 876300"/>
+                  <a:gd name="connsiteY3" fmla="*/ 787400 h 787400"/>
+                  <a:gd name="connsiteX4" fmla="*/ 0 w 876300"/>
+                  <a:gd name="connsiteY4" fmla="*/ 0 h 787400"/>
+                  <a:gd name="connsiteX0" fmla="*/ 0 w 876300"/>
+                  <a:gd name="connsiteY0" fmla="*/ 0 h 787400"/>
+                  <a:gd name="connsiteX1" fmla="*/ 876300 w 876300"/>
+                  <a:gd name="connsiteY1" fmla="*/ 0 h 787400"/>
+                  <a:gd name="connsiteX2" fmla="*/ 876300 w 876300"/>
+                  <a:gd name="connsiteY2" fmla="*/ 787400 h 787400"/>
+                  <a:gd name="connsiteX3" fmla="*/ 0 w 876300"/>
+                  <a:gd name="connsiteY3" fmla="*/ 787400 h 787400"/>
+                  <a:gd name="connsiteX4" fmla="*/ 0 w 876300"/>
+                  <a:gd name="connsiteY4" fmla="*/ 0 h 787400"/>
+                  <a:gd name="connsiteX0" fmla="*/ 0 w 1130300"/>
+                  <a:gd name="connsiteY0" fmla="*/ 0 h 787400"/>
+                  <a:gd name="connsiteX1" fmla="*/ 1130300 w 1130300"/>
+                  <a:gd name="connsiteY1" fmla="*/ 50800 h 787400"/>
+                  <a:gd name="connsiteX2" fmla="*/ 876300 w 1130300"/>
+                  <a:gd name="connsiteY2" fmla="*/ 787400 h 787400"/>
+                  <a:gd name="connsiteX3" fmla="*/ 0 w 1130300"/>
+                  <a:gd name="connsiteY3" fmla="*/ 787400 h 787400"/>
+                  <a:gd name="connsiteX4" fmla="*/ 0 w 1130300"/>
+                  <a:gd name="connsiteY4" fmla="*/ 0 h 787400"/>
+                  <a:gd name="connsiteX0" fmla="*/ 0 w 1136650"/>
+                  <a:gd name="connsiteY0" fmla="*/ 0 h 787400"/>
+                  <a:gd name="connsiteX1" fmla="*/ 1136650 w 1136650"/>
+                  <a:gd name="connsiteY1" fmla="*/ 38100 h 787400"/>
+                  <a:gd name="connsiteX2" fmla="*/ 876300 w 1136650"/>
+                  <a:gd name="connsiteY2" fmla="*/ 787400 h 787400"/>
+                  <a:gd name="connsiteX3" fmla="*/ 0 w 1136650"/>
+                  <a:gd name="connsiteY3" fmla="*/ 787400 h 787400"/>
+                  <a:gd name="connsiteX4" fmla="*/ 0 w 1136650"/>
+                  <a:gd name="connsiteY4" fmla="*/ 0 h 787400"/>
+                </a:gdLst>
+                <a:ahLst/>
+                <a:cxnLst>
+                  <a:cxn ang="0">
+                    <a:pos x="connsiteX0" y="connsiteY0"/>
+                  </a:cxn>
+                  <a:cxn ang="0">
+                    <a:pos x="connsiteX1" y="connsiteY1"/>
+                  </a:cxn>
+                  <a:cxn ang="0">
+                    <a:pos x="connsiteX2" y="connsiteY2"/>
+                  </a:cxn>
+                  <a:cxn ang="0">
+                    <a:pos x="connsiteX3" y="connsiteY3"/>
+                  </a:cxn>
+                  <a:cxn ang="0">
+                    <a:pos x="connsiteX4" y="connsiteY4"/>
+                  </a:cxn>
+                </a:cxnLst>
+                <a:rect l="l" t="t" r="r" b="b"/>
+                <a:pathLst>
+                  <a:path w="1136650" h="787400">
+                    <a:moveTo>
+                      <a:pt x="0" y="0"/>
+                    </a:moveTo>
+                    <a:lnTo>
+                      <a:pt x="1136650" y="38100"/>
+                    </a:lnTo>
+                    <a:cubicBezTo>
+                      <a:pt x="920750" y="376767"/>
+                      <a:pt x="876300" y="524933"/>
+                      <a:pt x="876300" y="787400"/>
+                    </a:cubicBezTo>
+                    <a:lnTo>
+                      <a:pt x="0" y="787400"/>
+                    </a:lnTo>
+                    <a:lnTo>
+                      <a:pt x="0" y="0"/>
+                    </a:lnTo>
+                    <a:close/>
+                  </a:path>
+                </a:pathLst>
+              </a:custGeom>
+              <a:solidFill>
+                <a:srgbClr val="F2A40D"/>
+              </a:solidFill>
+              <a:ln>
+                <a:noFill/>
+              </a:ln>
+            </p:spPr>
+            <p:style>
+              <a:lnRef idx="2">
+                <a:schemeClr val="accent1">
+                  <a:shade val="50000"/>
+                </a:schemeClr>
+              </a:lnRef>
+              <a:fillRef idx="1">
+                <a:schemeClr val="accent1"/>
+              </a:fillRef>
+              <a:effectRef idx="0">
+                <a:schemeClr val="accent1"/>
+              </a:effectRef>
+              <a:fontRef idx="minor">
+                <a:schemeClr val="lt1"/>
+              </a:fontRef>
+            </p:style>
+            <p:txBody>
+              <a:bodyPr rtlCol="0" anchor="ctr"/>
+              <a:lstStyle/>
+              <a:p>
+                <a:pPr algn="ctr"/>
+                <a:endParaRPr lang="bg-BG" dirty="0"/>
+              </a:p>
+            </p:txBody>
+          </p:sp>
+          <p:sp>
+            <p:nvSpPr>
+              <p:cNvPr id="28" name="Arc 27">
+                <a:extLst>
+                  <a:ext uri="{FF2B5EF4-FFF2-40B4-BE49-F238E27FC236}">
+                    <a16:creationId xmlns:a16="http://schemas.microsoft.com/office/drawing/2014/main" id="{40A224C8-1233-40F7-96AB-BFF79AF6CDCB}"/>
+                  </a:ext>
+                </a:extLst>
+              </p:cNvPr>
+              <p:cNvSpPr/>
+              <p:nvPr/>
+            </p:nvSpPr>
+            <p:spPr>
+              <a:xfrm>
+                <a:off x="3454111" y="2482850"/>
+                <a:ext cx="1504950" cy="1504950"/>
+              </a:xfrm>
+              <a:prstGeom prst="arc">
+                <a:avLst>
+                  <a:gd name="adj1" fmla="val 18068338"/>
+                  <a:gd name="adj2" fmla="val 0"/>
+                </a:avLst>
+              </a:prstGeom>
+              <a:ln w="38100" cap="rnd">
+                <a:solidFill>
+                  <a:schemeClr val="bg2"/>
+                </a:solidFill>
+                <a:prstDash val="solid"/>
+              </a:ln>
+            </p:spPr>
+            <p:style>
+              <a:lnRef idx="1">
+                <a:schemeClr val="accent1"/>
+              </a:lnRef>
+              <a:fillRef idx="0">
+                <a:schemeClr val="accent1"/>
+              </a:fillRef>
+              <a:effectRef idx="0">
+                <a:schemeClr val="accent1"/>
+              </a:effectRef>
+              <a:fontRef idx="minor">
+                <a:schemeClr val="tx1"/>
+              </a:fontRef>
+            </p:style>
+            <p:txBody>
+              <a:bodyPr rtlCol="0" anchor="ctr"/>
+              <a:lstStyle/>
+              <a:p>
+                <a:pPr algn="ctr"/>
+                <a:endParaRPr lang="bg-BG">
+                  <a:ln w="57150">
+                    <a:solidFill>
+                      <a:schemeClr val="tx1"/>
+                    </a:solidFill>
+                  </a:ln>
+                </a:endParaRPr>
+              </a:p>
+            </p:txBody>
+          </p:sp>
+          <p:sp>
+            <p:nvSpPr>
+              <p:cNvPr id="29" name="Arc 28">
+                <a:extLst>
+                  <a:ext uri="{FF2B5EF4-FFF2-40B4-BE49-F238E27FC236}">
+                    <a16:creationId xmlns:a16="http://schemas.microsoft.com/office/drawing/2014/main" id="{B57C7CCC-E218-4321-8C7B-3F0C5753C7A1}"/>
+                  </a:ext>
+                </a:extLst>
+              </p:cNvPr>
+              <p:cNvSpPr/>
+              <p:nvPr/>
+            </p:nvSpPr>
+            <p:spPr>
+              <a:xfrm>
+                <a:off x="3454111" y="2482849"/>
+                <a:ext cx="1504950" cy="1504950"/>
+              </a:xfrm>
+              <a:prstGeom prst="arc">
+                <a:avLst>
+                  <a:gd name="adj1" fmla="val 17518504"/>
+                  <a:gd name="adj2" fmla="val 17709817"/>
+                </a:avLst>
+              </a:prstGeom>
+              <a:ln w="38100" cap="rnd">
+                <a:solidFill>
+                  <a:schemeClr val="bg2"/>
+                </a:solidFill>
+                <a:prstDash val="solid"/>
+              </a:ln>
+            </p:spPr>
+            <p:style>
+              <a:lnRef idx="1">
+                <a:schemeClr val="accent1"/>
+              </a:lnRef>
+              <a:fillRef idx="0">
+                <a:schemeClr val="accent1"/>
+              </a:fillRef>
+              <a:effectRef idx="0">
+                <a:schemeClr val="accent1"/>
+              </a:effectRef>
+              <a:fontRef idx="minor">
+                <a:schemeClr val="tx1"/>
+              </a:fontRef>
+            </p:style>
+            <p:txBody>
+              <a:bodyPr rtlCol="0" anchor="ctr"/>
+              <a:lstStyle/>
+              <a:p>
+                <a:pPr algn="ctr"/>
+                <a:endParaRPr lang="bg-BG">
+                  <a:ln w="57150">
+                    <a:solidFill>
+                      <a:schemeClr val="tx1"/>
+                    </a:solidFill>
+                  </a:ln>
+                </a:endParaRPr>
+              </a:p>
+            </p:txBody>
+          </p:sp>
+        </p:grpSp>
+        <p:sp>
+          <p:nvSpPr>
+            <p:cNvPr id="13" name="Rectangle: Rounded Corners 12">
+              <a:extLst>
+                <a:ext uri="{FF2B5EF4-FFF2-40B4-BE49-F238E27FC236}">
+                  <a16:creationId xmlns:a16="http://schemas.microsoft.com/office/drawing/2014/main" id="{6AF309CA-A56C-4ABC-B293-420F4EB1A9B4}"/>
+                </a:ext>
+              </a:extLst>
+            </p:cNvPr>
+            <p:cNvSpPr/>
+            <p:nvPr/>
+          </p:nvSpPr>
+          <p:spPr>
+            <a:xfrm>
+              <a:off x="4400007" y="4324162"/>
+              <a:ext cx="886369" cy="150698"/>
+            </a:xfrm>
+            <a:prstGeom prst="roundRect">
+              <a:avLst/>
+            </a:prstGeom>
+            <a:solidFill>
+              <a:srgbClr val="F2A40D"/>
+            </a:solidFill>
+            <a:ln w="38100">
+              <a:solidFill>
+                <a:srgbClr val="464646"/>
+              </a:solidFill>
+            </a:ln>
+          </p:spPr>
+          <p:style>
+            <a:lnRef idx="2">
+              <a:schemeClr val="accent1">
+                <a:shade val="50000"/>
+              </a:schemeClr>
+            </a:lnRef>
+            <a:fillRef idx="1">
+              <a:schemeClr val="accent1"/>
+            </a:fillRef>
+            <a:effectRef idx="0">
+              <a:schemeClr val="accent1"/>
+            </a:effectRef>
+            <a:fontRef idx="minor">
+              <a:schemeClr val="lt1"/>
+            </a:fontRef>
+          </p:style>
+          <p:txBody>
+            <a:bodyPr rtlCol="0" anchor="ctr"/>
+            <a:lstStyle/>
+            <a:p>
+              <a:pPr algn="ctr"/>
+              <a:endParaRPr lang="bg-BG"/>
+            </a:p>
+          </p:txBody>
+        </p:sp>
+        <p:sp>
+          <p:nvSpPr>
+            <p:cNvPr id="14" name="Rectangle: Rounded Corners 13">
+              <a:extLst>
+                <a:ext uri="{FF2B5EF4-FFF2-40B4-BE49-F238E27FC236}">
+                  <a16:creationId xmlns:a16="http://schemas.microsoft.com/office/drawing/2014/main" id="{07955808-2AC7-44EB-8B6D-82B974E53A3C}"/>
+                </a:ext>
+              </a:extLst>
+            </p:cNvPr>
+            <p:cNvSpPr/>
+            <p:nvPr/>
+          </p:nvSpPr>
+          <p:spPr>
+            <a:xfrm>
+              <a:off x="4533357" y="4542116"/>
+              <a:ext cx="619670" cy="150699"/>
+            </a:xfrm>
+            <a:prstGeom prst="roundRect">
+              <a:avLst/>
+            </a:prstGeom>
+            <a:solidFill>
+              <a:srgbClr val="F2A40D"/>
+            </a:solidFill>
+            <a:ln w="38100">
+              <a:solidFill>
+                <a:srgbClr val="464646"/>
+              </a:solidFill>
+            </a:ln>
+            <a:effectLst>
+              <a:outerShdw blurRad="152400" dist="381000" dir="5400000" sx="70000" sy="70000" rotWithShape="0">
+                <a:prstClr val="black">
+                  <a:alpha val="30000"/>
+                </a:prstClr>
+              </a:outerShdw>
+            </a:effectLst>
+          </p:spPr>
+          <p:style>
+            <a:lnRef idx="2">
+              <a:schemeClr val="accent1">
+                <a:shade val="50000"/>
+              </a:schemeClr>
+            </a:lnRef>
+            <a:fillRef idx="1">
+              <a:schemeClr val="accent1"/>
+            </a:fillRef>
+            <a:effectRef idx="0">
+              <a:schemeClr val="accent1"/>
+            </a:effectRef>
+            <a:fontRef idx="minor">
+              <a:schemeClr val="lt1"/>
+            </a:fontRef>
+          </p:style>
+          <p:txBody>
+            <a:bodyPr rtlCol="0" anchor="ctr"/>
+            <a:lstStyle/>
+            <a:p>
+              <a:pPr algn="ctr"/>
+              <a:endParaRPr lang="bg-BG"/>
+            </a:p>
+          </p:txBody>
+        </p:sp>
+        <p:cxnSp>
+          <p:nvCxnSpPr>
+            <p:cNvPr id="15" name="Straight Connector 14">
+              <a:extLst>
+                <a:ext uri="{FF2B5EF4-FFF2-40B4-BE49-F238E27FC236}">
+                  <a16:creationId xmlns:a16="http://schemas.microsoft.com/office/drawing/2014/main" id="{AC6420D7-AEAB-45EF-8D46-11EB06E4AFEA}"/>
+                </a:ext>
+              </a:extLst>
+            </p:cNvPr>
+            <p:cNvCxnSpPr>
+              <a:cxnSpLocks/>
+            </p:cNvCxnSpPr>
+            <p:nvPr/>
+          </p:nvCxnSpPr>
+          <p:spPr>
+            <a:xfrm flipH="1" flipV="1">
+              <a:off x="4472677" y="2844800"/>
+              <a:ext cx="161562" cy="1164292"/>
+            </a:xfrm>
+            <a:prstGeom prst="line">
+              <a:avLst/>
+            </a:prstGeom>
+            <a:solidFill>
+              <a:srgbClr val="464646"/>
+            </a:solidFill>
+            <a:ln w="38100">
+              <a:solidFill>
+                <a:srgbClr val="464646"/>
+              </a:solidFill>
+            </a:ln>
+          </p:spPr>
+          <p:style>
+            <a:lnRef idx="1">
+              <a:schemeClr val="dk1"/>
+            </a:lnRef>
+            <a:fillRef idx="0">
+              <a:schemeClr val="dk1"/>
+            </a:fillRef>
+            <a:effectRef idx="0">
+              <a:schemeClr val="dk1"/>
+            </a:effectRef>
+            <a:fontRef idx="minor">
+              <a:schemeClr val="tx1"/>
+            </a:fontRef>
+          </p:style>
+        </p:cxnSp>
+        <p:cxnSp>
+          <p:nvCxnSpPr>
+            <p:cNvPr id="16" name="Straight Connector 15">
+              <a:extLst>
+                <a:ext uri="{FF2B5EF4-FFF2-40B4-BE49-F238E27FC236}">
+                  <a16:creationId xmlns:a16="http://schemas.microsoft.com/office/drawing/2014/main" id="{76C7FABC-6773-44F6-990B-3EB082BE9B35}"/>
+                </a:ext>
+              </a:extLst>
+            </p:cNvPr>
+            <p:cNvCxnSpPr>
+              <a:cxnSpLocks/>
+            </p:cNvCxnSpPr>
+            <p:nvPr/>
+          </p:nvCxnSpPr>
+          <p:spPr>
+            <a:xfrm flipH="1">
+              <a:off x="4578548" y="3618567"/>
+              <a:ext cx="528128" cy="0"/>
+            </a:xfrm>
+            <a:prstGeom prst="line">
+              <a:avLst/>
+            </a:prstGeom>
+            <a:solidFill>
+              <a:srgbClr val="464646"/>
+            </a:solidFill>
+            <a:ln w="38100">
+              <a:solidFill>
+                <a:srgbClr val="464646"/>
+              </a:solidFill>
+            </a:ln>
+          </p:spPr>
+          <p:style>
+            <a:lnRef idx="1">
+              <a:schemeClr val="dk1"/>
+            </a:lnRef>
+            <a:fillRef idx="0">
+              <a:schemeClr val="dk1"/>
+            </a:fillRef>
+            <a:effectRef idx="0">
+              <a:schemeClr val="dk1"/>
+            </a:effectRef>
+            <a:fontRef idx="minor">
+              <a:schemeClr val="tx1"/>
+            </a:fontRef>
+          </p:style>
+        </p:cxnSp>
+        <p:grpSp>
+          <p:nvGrpSpPr>
+            <p:cNvPr id="17" name="Group 16">
+              <a:extLst>
+                <a:ext uri="{FF2B5EF4-FFF2-40B4-BE49-F238E27FC236}">
+                  <a16:creationId xmlns:a16="http://schemas.microsoft.com/office/drawing/2014/main" id="{1FAD48E1-DC45-4B3D-9CE5-613250708496}"/>
+                </a:ext>
+              </a:extLst>
+            </p:cNvPr>
+            <p:cNvGrpSpPr/>
+            <p:nvPr/>
+          </p:nvGrpSpPr>
+          <p:grpSpPr>
+            <a:xfrm>
+              <a:off x="4203288" y="2479090"/>
+              <a:ext cx="436874" cy="448528"/>
+              <a:chOff x="2320288" y="2903541"/>
+              <a:chExt cx="332555" cy="302680"/>
+            </a:xfrm>
+            <a:solidFill>
+              <a:srgbClr val="464646"/>
+            </a:solidFill>
+          </p:grpSpPr>
+          <p:cxnSp>
+            <p:nvCxnSpPr>
+              <p:cNvPr id="23" name="Straight Connector 22">
+                <a:extLst>
+                  <a:ext uri="{FF2B5EF4-FFF2-40B4-BE49-F238E27FC236}">
+                    <a16:creationId xmlns:a16="http://schemas.microsoft.com/office/drawing/2014/main" id="{B01FD1D1-046F-457B-AB63-2702CE3E906E}"/>
+                  </a:ext>
+                </a:extLst>
+              </p:cNvPr>
+              <p:cNvCxnSpPr>
+                <a:cxnSpLocks/>
+              </p:cNvCxnSpPr>
+              <p:nvPr/>
+            </p:nvCxnSpPr>
+            <p:spPr>
+              <a:xfrm flipH="1" flipV="1">
+                <a:off x="2321560" y="3054881"/>
+                <a:ext cx="331283" cy="151340"/>
+              </a:xfrm>
+              <a:prstGeom prst="line">
+                <a:avLst/>
+              </a:prstGeom>
+              <a:grpFill/>
+              <a:ln w="38100" cap="rnd">
+                <a:solidFill>
+                  <a:srgbClr val="464646"/>
+                </a:solidFill>
+              </a:ln>
+            </p:spPr>
+            <p:style>
+              <a:lnRef idx="1">
+                <a:schemeClr val="dk1"/>
+              </a:lnRef>
+              <a:fillRef idx="0">
+                <a:schemeClr val="dk1"/>
+              </a:fillRef>
+              <a:effectRef idx="0">
+                <a:schemeClr val="dk1"/>
+              </a:effectRef>
+              <a:fontRef idx="minor">
+                <a:schemeClr val="tx1"/>
+              </a:fontRef>
+            </p:style>
+          </p:cxnSp>
+          <p:cxnSp>
+            <p:nvCxnSpPr>
+              <p:cNvPr id="24" name="Straight Connector 23">
+                <a:extLst>
+                  <a:ext uri="{FF2B5EF4-FFF2-40B4-BE49-F238E27FC236}">
+                    <a16:creationId xmlns:a16="http://schemas.microsoft.com/office/drawing/2014/main" id="{895660C3-C72C-43EE-9C4A-170F85E5BE08}"/>
+                  </a:ext>
+                </a:extLst>
+              </p:cNvPr>
+              <p:cNvCxnSpPr>
+                <a:cxnSpLocks/>
+              </p:cNvCxnSpPr>
+              <p:nvPr/>
+            </p:nvCxnSpPr>
+            <p:spPr>
+              <a:xfrm flipH="1">
+                <a:off x="2320288" y="2903541"/>
+                <a:ext cx="331283" cy="151340"/>
+              </a:xfrm>
+              <a:prstGeom prst="line">
+                <a:avLst/>
+              </a:prstGeom>
+              <a:grpFill/>
+              <a:ln w="38100" cap="rnd">
+                <a:solidFill>
+                  <a:srgbClr val="464646"/>
+                </a:solidFill>
+              </a:ln>
+            </p:spPr>
+            <p:style>
+              <a:lnRef idx="1">
+                <a:schemeClr val="dk1"/>
+              </a:lnRef>
+              <a:fillRef idx="0">
+                <a:schemeClr val="dk1"/>
+              </a:fillRef>
+              <a:effectRef idx="0">
+                <a:schemeClr val="dk1"/>
+              </a:effectRef>
+              <a:fontRef idx="minor">
+                <a:schemeClr val="tx1"/>
+              </a:fontRef>
+            </p:style>
+          </p:cxnSp>
+        </p:grpSp>
+        <p:cxnSp>
+          <p:nvCxnSpPr>
+            <p:cNvPr id="19" name="Straight Connector 18">
+              <a:extLst>
+                <a:ext uri="{FF2B5EF4-FFF2-40B4-BE49-F238E27FC236}">
+                  <a16:creationId xmlns:a16="http://schemas.microsoft.com/office/drawing/2014/main" id="{A74EE503-8FC0-42A6-8860-CA4EE42272E4}"/>
+                </a:ext>
+              </a:extLst>
+            </p:cNvPr>
+            <p:cNvCxnSpPr>
+              <a:cxnSpLocks/>
+            </p:cNvCxnSpPr>
+            <p:nvPr/>
+          </p:nvCxnSpPr>
+          <p:spPr>
+            <a:xfrm flipV="1">
+              <a:off x="5048904" y="2844800"/>
+              <a:ext cx="142425" cy="1164292"/>
+            </a:xfrm>
+            <a:prstGeom prst="line">
+              <a:avLst/>
+            </a:prstGeom>
+            <a:solidFill>
+              <a:srgbClr val="464646"/>
+            </a:solidFill>
+            <a:ln w="38100">
+              <a:solidFill>
+                <a:srgbClr val="464646"/>
+              </a:solidFill>
+            </a:ln>
+          </p:spPr>
+          <p:style>
+            <a:lnRef idx="1">
+              <a:schemeClr val="dk1"/>
+            </a:lnRef>
+            <a:fillRef idx="0">
+              <a:schemeClr val="dk1"/>
+            </a:fillRef>
+            <a:effectRef idx="0">
+              <a:schemeClr val="dk1"/>
+            </a:effectRef>
+            <a:fontRef idx="minor">
+              <a:schemeClr val="tx1"/>
+            </a:fontRef>
+          </p:style>
+        </p:cxnSp>
+        <p:sp>
+          <p:nvSpPr>
+            <p:cNvPr id="12" name="Rectangle: Rounded Corners 11">
+              <a:extLst>
+                <a:ext uri="{FF2B5EF4-FFF2-40B4-BE49-F238E27FC236}">
+                  <a16:creationId xmlns:a16="http://schemas.microsoft.com/office/drawing/2014/main" id="{F4189FDA-9FE8-490B-8A70-2E941811021F}"/>
+                </a:ext>
+              </a:extLst>
+            </p:cNvPr>
+            <p:cNvSpPr/>
+            <p:nvPr/>
+          </p:nvSpPr>
+          <p:spPr>
+            <a:xfrm>
+              <a:off x="4355556" y="4106208"/>
+              <a:ext cx="975271" cy="150698"/>
+            </a:xfrm>
+            <a:prstGeom prst="roundRect">
+              <a:avLst/>
+            </a:prstGeom>
+            <a:solidFill>
+              <a:srgbClr val="F2A40D"/>
+            </a:solidFill>
+            <a:ln w="38100">
+              <a:solidFill>
+                <a:srgbClr val="464646"/>
+              </a:solidFill>
+            </a:ln>
+          </p:spPr>
+          <p:style>
+            <a:lnRef idx="2">
+              <a:schemeClr val="accent1">
+                <a:shade val="50000"/>
+              </a:schemeClr>
+            </a:lnRef>
+            <a:fillRef idx="1">
+              <a:schemeClr val="accent1"/>
+            </a:fillRef>
+            <a:effectRef idx="0">
+              <a:schemeClr val="accent1"/>
+            </a:effectRef>
+            <a:fontRef idx="minor">
+              <a:schemeClr val="lt1"/>
+            </a:fontRef>
+          </p:style>
+          <p:txBody>
+            <a:bodyPr rtlCol="0" anchor="ctr"/>
+            <a:lstStyle/>
+            <a:p>
+              <a:pPr algn="ctr"/>
+              <a:endParaRPr lang="bg-BG"/>
+            </a:p>
+          </p:txBody>
+        </p:sp>
+        <p:grpSp>
+          <p:nvGrpSpPr>
+            <p:cNvPr id="18" name="Group 17">
+              <a:extLst>
+                <a:ext uri="{FF2B5EF4-FFF2-40B4-BE49-F238E27FC236}">
+                  <a16:creationId xmlns:a16="http://schemas.microsoft.com/office/drawing/2014/main" id="{FDA3EFCD-0DF8-419D-8533-D781521E597E}"/>
+                </a:ext>
+              </a:extLst>
+            </p:cNvPr>
+            <p:cNvGrpSpPr/>
+            <p:nvPr/>
+          </p:nvGrpSpPr>
+          <p:grpSpPr>
+            <a:xfrm flipH="1">
+              <a:off x="5035162" y="2479090"/>
+              <a:ext cx="436872" cy="448528"/>
+              <a:chOff x="2320288" y="2903541"/>
+              <a:chExt cx="332555" cy="302680"/>
+            </a:xfrm>
+            <a:solidFill>
+              <a:srgbClr val="464646"/>
+            </a:solidFill>
+          </p:grpSpPr>
+          <p:cxnSp>
+            <p:nvCxnSpPr>
+              <p:cNvPr id="21" name="Straight Connector 20">
+                <a:extLst>
+                  <a:ext uri="{FF2B5EF4-FFF2-40B4-BE49-F238E27FC236}">
+                    <a16:creationId xmlns:a16="http://schemas.microsoft.com/office/drawing/2014/main" id="{C3CC6A5A-182E-4A09-9C04-EB191881D789}"/>
+                  </a:ext>
+                </a:extLst>
+              </p:cNvPr>
+              <p:cNvCxnSpPr>
+                <a:cxnSpLocks/>
+              </p:cNvCxnSpPr>
+              <p:nvPr/>
+            </p:nvCxnSpPr>
+            <p:spPr>
+              <a:xfrm flipH="1" flipV="1">
+                <a:off x="2321560" y="3054881"/>
+                <a:ext cx="331283" cy="151340"/>
+              </a:xfrm>
+              <a:prstGeom prst="line">
+                <a:avLst/>
+              </a:prstGeom>
+              <a:grpFill/>
+              <a:ln w="38100" cap="rnd">
+                <a:solidFill>
+                  <a:srgbClr val="464646"/>
+                </a:solidFill>
+              </a:ln>
+            </p:spPr>
+            <p:style>
+              <a:lnRef idx="1">
+                <a:schemeClr val="dk1"/>
+              </a:lnRef>
+              <a:fillRef idx="0">
+                <a:schemeClr val="dk1"/>
+              </a:fillRef>
+              <a:effectRef idx="0">
+                <a:schemeClr val="dk1"/>
+              </a:effectRef>
+              <a:fontRef idx="minor">
+                <a:schemeClr val="tx1"/>
+              </a:fontRef>
+            </p:style>
+          </p:cxnSp>
+          <p:cxnSp>
+            <p:nvCxnSpPr>
+              <p:cNvPr id="22" name="Straight Connector 21">
+                <a:extLst>
+                  <a:ext uri="{FF2B5EF4-FFF2-40B4-BE49-F238E27FC236}">
+                    <a16:creationId xmlns:a16="http://schemas.microsoft.com/office/drawing/2014/main" id="{440C8953-0555-48CC-8255-78F17E053EE7}"/>
+                  </a:ext>
+                </a:extLst>
+              </p:cNvPr>
+              <p:cNvCxnSpPr>
+                <a:cxnSpLocks/>
+              </p:cNvCxnSpPr>
+              <p:nvPr/>
+            </p:nvCxnSpPr>
+            <p:spPr>
+              <a:xfrm flipH="1">
+                <a:off x="2320288" y="2903541"/>
+                <a:ext cx="331283" cy="151340"/>
+              </a:xfrm>
+              <a:prstGeom prst="line">
+                <a:avLst/>
+              </a:prstGeom>
+              <a:grpFill/>
+              <a:ln w="38100" cap="rnd">
+                <a:solidFill>
+                  <a:srgbClr val="464646"/>
+                </a:solidFill>
+              </a:ln>
+            </p:spPr>
+            <p:style>
+              <a:lnRef idx="1">
+                <a:schemeClr val="dk1"/>
+              </a:lnRef>
+              <a:fillRef idx="0">
+                <a:schemeClr val="dk1"/>
+              </a:fillRef>
+              <a:effectRef idx="0">
+                <a:schemeClr val="dk1"/>
+              </a:effectRef>
+              <a:fontRef idx="minor">
+                <a:schemeClr val="tx1"/>
+              </a:fontRef>
+            </p:style>
+          </p:cxnSp>
+        </p:grpSp>
+      </p:grpSp>
+      <p:cxnSp>
+        <p:nvCxnSpPr>
+          <p:cNvPr id="34" name="Straight Connector 33">
+            <a:extLst>
+              <a:ext uri="{FF2B5EF4-FFF2-40B4-BE49-F238E27FC236}">
+                <a16:creationId xmlns:a16="http://schemas.microsoft.com/office/drawing/2014/main" id="{29B538CA-8CCB-43FB-B5E5-5FC04EBC1F54}"/>
+              </a:ext>
+            </a:extLst>
+          </p:cNvPr>
+          <p:cNvCxnSpPr>
+            <a:cxnSpLocks/>
+            <a:stCxn id="26" idx="2"/>
+          </p:cNvCxnSpPr>
+          <p:nvPr userDrawn="1"/>
+        </p:nvCxnSpPr>
+        <p:spPr>
+          <a:xfrm flipH="1">
+            <a:off x="673735" y="4203953"/>
+            <a:ext cx="955204" cy="0"/>
+          </a:xfrm>
+          <a:prstGeom prst="line">
+            <a:avLst/>
+          </a:prstGeom>
+          <a:solidFill>
+            <a:srgbClr val="464646"/>
+          </a:solidFill>
+          <a:ln w="38100">
+            <a:solidFill>
+              <a:srgbClr val="464646"/>
+            </a:solidFill>
+          </a:ln>
+        </p:spPr>
+        <p:style>
+          <a:lnRef idx="1">
+            <a:schemeClr val="dk1"/>
+          </a:lnRef>
+          <a:fillRef idx="0">
+            <a:schemeClr val="dk1"/>
+          </a:fillRef>
+          <a:effectRef idx="0">
+            <a:schemeClr val="dk1"/>
+          </a:effectRef>
+          <a:fontRef idx="minor">
+            <a:schemeClr val="tx1"/>
+          </a:fontRef>
+        </p:style>
+      </p:cxnSp>
     </p:spTree>
     <p:extLst>
       <p:ext uri="{BB962C8B-B14F-4D97-AF65-F5344CB8AC3E}">
-        <p14:creationId xmlns:p14="http://schemas.microsoft.com/office/powerpoint/2010/main" val="2542530738"/>
+        <p14:creationId xmlns:p14="http://schemas.microsoft.com/office/powerpoint/2010/main" val="743545348"/>
       </p:ext>
     </p:extLst>
   </p:cSld>
@@ -6131,45 +6555,6 @@
           </a:p>
         </p:txBody>
       </p:sp>
-      <p:pic>
-        <p:nvPicPr>
-          <p:cNvPr id="3074" name="Picture Bulb" descr="Bulb"/>
-          <p:cNvPicPr>
-            <a:picLocks noChangeAspect="1" noChangeArrowheads="1"/>
-          </p:cNvPicPr>
-          <p:nvPr/>
-        </p:nvPicPr>
-        <p:blipFill>
-          <a:blip r:embed="rId2">
-            <a:extLst>
-              <a:ext uri="{28A0092B-C50C-407E-A947-70E740481C1C}">
-                <a14:useLocalDpi xmlns:a14="http://schemas.microsoft.com/office/drawing/2010/main" val="0"/>
-              </a:ext>
-            </a:extLst>
-          </a:blip>
-          <a:srcRect/>
-          <a:stretch/>
-        </p:blipFill>
-        <p:spPr bwMode="auto">
-          <a:xfrm>
-            <a:off x="520027" y="3314704"/>
-            <a:ext cx="1260665" cy="2797950"/>
-          </a:xfrm>
-          <a:prstGeom prst="rect">
-            <a:avLst/>
-          </a:prstGeom>
-          <a:noFill/>
-          <a:extLst>
-            <a:ext uri="{909E8E84-426E-40DD-AFC4-6F175D3DCCD1}">
-              <a14:hiddenFill xmlns:a14="http://schemas.microsoft.com/office/drawing/2010/main">
-                <a:solidFill>
-                  <a:srgbClr val="FFFFFF"/>
-                </a:solidFill>
-              </a14:hiddenFill>
-            </a:ext>
-          </a:extLst>
-        </p:spPr>
-      </p:pic>
       <p:sp>
         <p:nvSpPr>
           <p:cNvPr id="15" name="Slide Body Text">
@@ -6283,7 +6668,7 @@
           <p:nvPr userDrawn="1"/>
         </p:nvPicPr>
         <p:blipFill>
-          <a:blip r:embed="rId3" cstate="hqprint">
+          <a:blip r:embed="rId2">
             <a:clrChange>
               <a:clrFrom>
                 <a:srgbClr val="FFFFFF"/>
@@ -6351,6 +6736,1039 @@
           </a:p>
         </p:txBody>
       </p:sp>
+      <p:grpSp>
+        <p:nvGrpSpPr>
+          <p:cNvPr id="33" name="Group 32">
+            <a:extLst>
+              <a:ext uri="{FF2B5EF4-FFF2-40B4-BE49-F238E27FC236}">
+                <a16:creationId xmlns:a16="http://schemas.microsoft.com/office/drawing/2014/main" id="{7CF60135-47AA-48F0-96BA-0E795668ABDB}"/>
+              </a:ext>
+            </a:extLst>
+          </p:cNvPr>
+          <p:cNvGrpSpPr/>
+          <p:nvPr userDrawn="1"/>
+        </p:nvGrpSpPr>
+        <p:grpSpPr>
+          <a:xfrm>
+            <a:off x="392806" y="3429000"/>
+            <a:ext cx="1522048" cy="2411973"/>
+            <a:chOff x="3928039" y="1792355"/>
+            <a:chExt cx="1830304" cy="2900460"/>
+          </a:xfrm>
+        </p:grpSpPr>
+        <p:grpSp>
+          <p:nvGrpSpPr>
+            <p:cNvPr id="34" name="Group 33">
+              <a:extLst>
+                <a:ext uri="{FF2B5EF4-FFF2-40B4-BE49-F238E27FC236}">
+                  <a16:creationId xmlns:a16="http://schemas.microsoft.com/office/drawing/2014/main" id="{2823380E-3936-41AF-BDF7-DA54D75BBF6B}"/>
+                </a:ext>
+              </a:extLst>
+            </p:cNvPr>
+            <p:cNvGrpSpPr/>
+            <p:nvPr/>
+          </p:nvGrpSpPr>
+          <p:grpSpPr>
+            <a:xfrm>
+              <a:off x="3928039" y="1792355"/>
+              <a:ext cx="1830304" cy="2206534"/>
+              <a:chOff x="3216839" y="2404072"/>
+              <a:chExt cx="1830304" cy="2206534"/>
+            </a:xfrm>
+          </p:grpSpPr>
+          <p:sp>
+            <p:nvSpPr>
+              <p:cNvPr id="47" name="Oval 46">
+                <a:extLst>
+                  <a:ext uri="{FF2B5EF4-FFF2-40B4-BE49-F238E27FC236}">
+                    <a16:creationId xmlns:a16="http://schemas.microsoft.com/office/drawing/2014/main" id="{52B047D9-D8DD-45C7-9BC8-6D4F682F5182}"/>
+                  </a:ext>
+                </a:extLst>
+              </p:cNvPr>
+              <p:cNvSpPr/>
+              <p:nvPr/>
+            </p:nvSpPr>
+            <p:spPr>
+              <a:xfrm>
+                <a:off x="3216839" y="2404072"/>
+                <a:ext cx="1830304" cy="1830304"/>
+              </a:xfrm>
+              <a:prstGeom prst="ellipse">
+                <a:avLst/>
+              </a:prstGeom>
+              <a:solidFill>
+                <a:srgbClr val="F2A40D"/>
+              </a:solidFill>
+              <a:ln>
+                <a:noFill/>
+              </a:ln>
+            </p:spPr>
+            <p:style>
+              <a:lnRef idx="2">
+                <a:schemeClr val="accent1">
+                  <a:shade val="50000"/>
+                </a:schemeClr>
+              </a:lnRef>
+              <a:fillRef idx="1">
+                <a:schemeClr val="accent1"/>
+              </a:fillRef>
+              <a:effectRef idx="0">
+                <a:schemeClr val="accent1"/>
+              </a:effectRef>
+              <a:fontRef idx="minor">
+                <a:schemeClr val="lt1"/>
+              </a:fontRef>
+            </p:style>
+            <p:txBody>
+              <a:bodyPr rtlCol="0" anchor="ctr"/>
+              <a:lstStyle/>
+              <a:p>
+                <a:pPr algn="ctr"/>
+                <a:endParaRPr lang="bg-BG"/>
+              </a:p>
+            </p:txBody>
+          </p:sp>
+          <p:sp>
+            <p:nvSpPr>
+              <p:cNvPr id="48" name="Rectangle 5">
+                <a:extLst>
+                  <a:ext uri="{FF2B5EF4-FFF2-40B4-BE49-F238E27FC236}">
+                    <a16:creationId xmlns:a16="http://schemas.microsoft.com/office/drawing/2014/main" id="{4D84FE51-BD8E-47EA-9463-CE02FEA31766}"/>
+                  </a:ext>
+                </a:extLst>
+              </p:cNvPr>
+              <p:cNvSpPr/>
+              <p:nvPr/>
+            </p:nvSpPr>
+            <p:spPr>
+              <a:xfrm>
+                <a:off x="3699615" y="3807346"/>
+                <a:ext cx="1143001" cy="803260"/>
+              </a:xfrm>
+              <a:custGeom>
+                <a:avLst/>
+                <a:gdLst>
+                  <a:gd name="connsiteX0" fmla="*/ 0 w 876300"/>
+                  <a:gd name="connsiteY0" fmla="*/ 0 h 787400"/>
+                  <a:gd name="connsiteX1" fmla="*/ 876300 w 876300"/>
+                  <a:gd name="connsiteY1" fmla="*/ 0 h 787400"/>
+                  <a:gd name="connsiteX2" fmla="*/ 876300 w 876300"/>
+                  <a:gd name="connsiteY2" fmla="*/ 787400 h 787400"/>
+                  <a:gd name="connsiteX3" fmla="*/ 0 w 876300"/>
+                  <a:gd name="connsiteY3" fmla="*/ 787400 h 787400"/>
+                  <a:gd name="connsiteX4" fmla="*/ 0 w 876300"/>
+                  <a:gd name="connsiteY4" fmla="*/ 0 h 787400"/>
+                  <a:gd name="connsiteX0" fmla="*/ 0 w 876300"/>
+                  <a:gd name="connsiteY0" fmla="*/ 0 h 787400"/>
+                  <a:gd name="connsiteX1" fmla="*/ 876300 w 876300"/>
+                  <a:gd name="connsiteY1" fmla="*/ 0 h 787400"/>
+                  <a:gd name="connsiteX2" fmla="*/ 876300 w 876300"/>
+                  <a:gd name="connsiteY2" fmla="*/ 787400 h 787400"/>
+                  <a:gd name="connsiteX3" fmla="*/ 0 w 876300"/>
+                  <a:gd name="connsiteY3" fmla="*/ 787400 h 787400"/>
+                  <a:gd name="connsiteX4" fmla="*/ 0 w 876300"/>
+                  <a:gd name="connsiteY4" fmla="*/ 0 h 787400"/>
+                  <a:gd name="connsiteX0" fmla="*/ 0 w 876300"/>
+                  <a:gd name="connsiteY0" fmla="*/ 0 h 787400"/>
+                  <a:gd name="connsiteX1" fmla="*/ 876300 w 876300"/>
+                  <a:gd name="connsiteY1" fmla="*/ 0 h 787400"/>
+                  <a:gd name="connsiteX2" fmla="*/ 876300 w 876300"/>
+                  <a:gd name="connsiteY2" fmla="*/ 787400 h 787400"/>
+                  <a:gd name="connsiteX3" fmla="*/ 0 w 876300"/>
+                  <a:gd name="connsiteY3" fmla="*/ 787400 h 787400"/>
+                  <a:gd name="connsiteX4" fmla="*/ 0 w 876300"/>
+                  <a:gd name="connsiteY4" fmla="*/ 0 h 787400"/>
+                  <a:gd name="connsiteX0" fmla="*/ 0 w 1130300"/>
+                  <a:gd name="connsiteY0" fmla="*/ 0 h 787400"/>
+                  <a:gd name="connsiteX1" fmla="*/ 1130300 w 1130300"/>
+                  <a:gd name="connsiteY1" fmla="*/ 50800 h 787400"/>
+                  <a:gd name="connsiteX2" fmla="*/ 876300 w 1130300"/>
+                  <a:gd name="connsiteY2" fmla="*/ 787400 h 787400"/>
+                  <a:gd name="connsiteX3" fmla="*/ 0 w 1130300"/>
+                  <a:gd name="connsiteY3" fmla="*/ 787400 h 787400"/>
+                  <a:gd name="connsiteX4" fmla="*/ 0 w 1130300"/>
+                  <a:gd name="connsiteY4" fmla="*/ 0 h 787400"/>
+                  <a:gd name="connsiteX0" fmla="*/ 0 w 1136650"/>
+                  <a:gd name="connsiteY0" fmla="*/ 0 h 787400"/>
+                  <a:gd name="connsiteX1" fmla="*/ 1136650 w 1136650"/>
+                  <a:gd name="connsiteY1" fmla="*/ 38100 h 787400"/>
+                  <a:gd name="connsiteX2" fmla="*/ 876300 w 1136650"/>
+                  <a:gd name="connsiteY2" fmla="*/ 787400 h 787400"/>
+                  <a:gd name="connsiteX3" fmla="*/ 0 w 1136650"/>
+                  <a:gd name="connsiteY3" fmla="*/ 787400 h 787400"/>
+                  <a:gd name="connsiteX4" fmla="*/ 0 w 1136650"/>
+                  <a:gd name="connsiteY4" fmla="*/ 0 h 787400"/>
+                </a:gdLst>
+                <a:ahLst/>
+                <a:cxnLst>
+                  <a:cxn ang="0">
+                    <a:pos x="connsiteX0" y="connsiteY0"/>
+                  </a:cxn>
+                  <a:cxn ang="0">
+                    <a:pos x="connsiteX1" y="connsiteY1"/>
+                  </a:cxn>
+                  <a:cxn ang="0">
+                    <a:pos x="connsiteX2" y="connsiteY2"/>
+                  </a:cxn>
+                  <a:cxn ang="0">
+                    <a:pos x="connsiteX3" y="connsiteY3"/>
+                  </a:cxn>
+                  <a:cxn ang="0">
+                    <a:pos x="connsiteX4" y="connsiteY4"/>
+                  </a:cxn>
+                </a:cxnLst>
+                <a:rect l="l" t="t" r="r" b="b"/>
+                <a:pathLst>
+                  <a:path w="1136650" h="787400">
+                    <a:moveTo>
+                      <a:pt x="0" y="0"/>
+                    </a:moveTo>
+                    <a:lnTo>
+                      <a:pt x="1136650" y="38100"/>
+                    </a:lnTo>
+                    <a:cubicBezTo>
+                      <a:pt x="920750" y="376767"/>
+                      <a:pt x="876300" y="524933"/>
+                      <a:pt x="876300" y="787400"/>
+                    </a:cubicBezTo>
+                    <a:lnTo>
+                      <a:pt x="0" y="787400"/>
+                    </a:lnTo>
+                    <a:lnTo>
+                      <a:pt x="0" y="0"/>
+                    </a:lnTo>
+                    <a:close/>
+                  </a:path>
+                </a:pathLst>
+              </a:custGeom>
+              <a:solidFill>
+                <a:srgbClr val="F2A40D"/>
+              </a:solidFill>
+              <a:ln>
+                <a:noFill/>
+              </a:ln>
+            </p:spPr>
+            <p:style>
+              <a:lnRef idx="2">
+                <a:schemeClr val="accent1">
+                  <a:shade val="50000"/>
+                </a:schemeClr>
+              </a:lnRef>
+              <a:fillRef idx="1">
+                <a:schemeClr val="accent1"/>
+              </a:fillRef>
+              <a:effectRef idx="0">
+                <a:schemeClr val="accent1"/>
+              </a:effectRef>
+              <a:fontRef idx="minor">
+                <a:schemeClr val="lt1"/>
+              </a:fontRef>
+            </p:style>
+            <p:txBody>
+              <a:bodyPr rtlCol="0" anchor="ctr"/>
+              <a:lstStyle/>
+              <a:p>
+                <a:pPr algn="ctr"/>
+                <a:endParaRPr lang="bg-BG" dirty="0"/>
+              </a:p>
+            </p:txBody>
+          </p:sp>
+          <p:sp>
+            <p:nvSpPr>
+              <p:cNvPr id="49" name="Rectangle 5">
+                <a:extLst>
+                  <a:ext uri="{FF2B5EF4-FFF2-40B4-BE49-F238E27FC236}">
+                    <a16:creationId xmlns:a16="http://schemas.microsoft.com/office/drawing/2014/main" id="{F5C8F037-C197-4219-AC87-3A81763512BC}"/>
+                  </a:ext>
+                </a:extLst>
+              </p:cNvPr>
+              <p:cNvSpPr/>
+              <p:nvPr/>
+            </p:nvSpPr>
+            <p:spPr>
+              <a:xfrm flipH="1">
+                <a:off x="3426570" y="3807347"/>
+                <a:ext cx="1143000" cy="803259"/>
+              </a:xfrm>
+              <a:custGeom>
+                <a:avLst/>
+                <a:gdLst>
+                  <a:gd name="connsiteX0" fmla="*/ 0 w 876300"/>
+                  <a:gd name="connsiteY0" fmla="*/ 0 h 787400"/>
+                  <a:gd name="connsiteX1" fmla="*/ 876300 w 876300"/>
+                  <a:gd name="connsiteY1" fmla="*/ 0 h 787400"/>
+                  <a:gd name="connsiteX2" fmla="*/ 876300 w 876300"/>
+                  <a:gd name="connsiteY2" fmla="*/ 787400 h 787400"/>
+                  <a:gd name="connsiteX3" fmla="*/ 0 w 876300"/>
+                  <a:gd name="connsiteY3" fmla="*/ 787400 h 787400"/>
+                  <a:gd name="connsiteX4" fmla="*/ 0 w 876300"/>
+                  <a:gd name="connsiteY4" fmla="*/ 0 h 787400"/>
+                  <a:gd name="connsiteX0" fmla="*/ 0 w 876300"/>
+                  <a:gd name="connsiteY0" fmla="*/ 0 h 787400"/>
+                  <a:gd name="connsiteX1" fmla="*/ 876300 w 876300"/>
+                  <a:gd name="connsiteY1" fmla="*/ 0 h 787400"/>
+                  <a:gd name="connsiteX2" fmla="*/ 876300 w 876300"/>
+                  <a:gd name="connsiteY2" fmla="*/ 787400 h 787400"/>
+                  <a:gd name="connsiteX3" fmla="*/ 0 w 876300"/>
+                  <a:gd name="connsiteY3" fmla="*/ 787400 h 787400"/>
+                  <a:gd name="connsiteX4" fmla="*/ 0 w 876300"/>
+                  <a:gd name="connsiteY4" fmla="*/ 0 h 787400"/>
+                  <a:gd name="connsiteX0" fmla="*/ 0 w 876300"/>
+                  <a:gd name="connsiteY0" fmla="*/ 0 h 787400"/>
+                  <a:gd name="connsiteX1" fmla="*/ 876300 w 876300"/>
+                  <a:gd name="connsiteY1" fmla="*/ 0 h 787400"/>
+                  <a:gd name="connsiteX2" fmla="*/ 876300 w 876300"/>
+                  <a:gd name="connsiteY2" fmla="*/ 787400 h 787400"/>
+                  <a:gd name="connsiteX3" fmla="*/ 0 w 876300"/>
+                  <a:gd name="connsiteY3" fmla="*/ 787400 h 787400"/>
+                  <a:gd name="connsiteX4" fmla="*/ 0 w 876300"/>
+                  <a:gd name="connsiteY4" fmla="*/ 0 h 787400"/>
+                  <a:gd name="connsiteX0" fmla="*/ 0 w 1130300"/>
+                  <a:gd name="connsiteY0" fmla="*/ 0 h 787400"/>
+                  <a:gd name="connsiteX1" fmla="*/ 1130300 w 1130300"/>
+                  <a:gd name="connsiteY1" fmla="*/ 50800 h 787400"/>
+                  <a:gd name="connsiteX2" fmla="*/ 876300 w 1130300"/>
+                  <a:gd name="connsiteY2" fmla="*/ 787400 h 787400"/>
+                  <a:gd name="connsiteX3" fmla="*/ 0 w 1130300"/>
+                  <a:gd name="connsiteY3" fmla="*/ 787400 h 787400"/>
+                  <a:gd name="connsiteX4" fmla="*/ 0 w 1130300"/>
+                  <a:gd name="connsiteY4" fmla="*/ 0 h 787400"/>
+                  <a:gd name="connsiteX0" fmla="*/ 0 w 1136650"/>
+                  <a:gd name="connsiteY0" fmla="*/ 0 h 787400"/>
+                  <a:gd name="connsiteX1" fmla="*/ 1136650 w 1136650"/>
+                  <a:gd name="connsiteY1" fmla="*/ 38100 h 787400"/>
+                  <a:gd name="connsiteX2" fmla="*/ 876300 w 1136650"/>
+                  <a:gd name="connsiteY2" fmla="*/ 787400 h 787400"/>
+                  <a:gd name="connsiteX3" fmla="*/ 0 w 1136650"/>
+                  <a:gd name="connsiteY3" fmla="*/ 787400 h 787400"/>
+                  <a:gd name="connsiteX4" fmla="*/ 0 w 1136650"/>
+                  <a:gd name="connsiteY4" fmla="*/ 0 h 787400"/>
+                </a:gdLst>
+                <a:ahLst/>
+                <a:cxnLst>
+                  <a:cxn ang="0">
+                    <a:pos x="connsiteX0" y="connsiteY0"/>
+                  </a:cxn>
+                  <a:cxn ang="0">
+                    <a:pos x="connsiteX1" y="connsiteY1"/>
+                  </a:cxn>
+                  <a:cxn ang="0">
+                    <a:pos x="connsiteX2" y="connsiteY2"/>
+                  </a:cxn>
+                  <a:cxn ang="0">
+                    <a:pos x="connsiteX3" y="connsiteY3"/>
+                  </a:cxn>
+                  <a:cxn ang="0">
+                    <a:pos x="connsiteX4" y="connsiteY4"/>
+                  </a:cxn>
+                </a:cxnLst>
+                <a:rect l="l" t="t" r="r" b="b"/>
+                <a:pathLst>
+                  <a:path w="1136650" h="787400">
+                    <a:moveTo>
+                      <a:pt x="0" y="0"/>
+                    </a:moveTo>
+                    <a:lnTo>
+                      <a:pt x="1136650" y="38100"/>
+                    </a:lnTo>
+                    <a:cubicBezTo>
+                      <a:pt x="920750" y="376767"/>
+                      <a:pt x="876300" y="524933"/>
+                      <a:pt x="876300" y="787400"/>
+                    </a:cubicBezTo>
+                    <a:lnTo>
+                      <a:pt x="0" y="787400"/>
+                    </a:lnTo>
+                    <a:lnTo>
+                      <a:pt x="0" y="0"/>
+                    </a:lnTo>
+                    <a:close/>
+                  </a:path>
+                </a:pathLst>
+              </a:custGeom>
+              <a:solidFill>
+                <a:srgbClr val="F2A40D"/>
+              </a:solidFill>
+              <a:ln>
+                <a:noFill/>
+              </a:ln>
+            </p:spPr>
+            <p:style>
+              <a:lnRef idx="2">
+                <a:schemeClr val="accent1">
+                  <a:shade val="50000"/>
+                </a:schemeClr>
+              </a:lnRef>
+              <a:fillRef idx="1">
+                <a:schemeClr val="accent1"/>
+              </a:fillRef>
+              <a:effectRef idx="0">
+                <a:schemeClr val="accent1"/>
+              </a:effectRef>
+              <a:fontRef idx="minor">
+                <a:schemeClr val="lt1"/>
+              </a:fontRef>
+            </p:style>
+            <p:txBody>
+              <a:bodyPr rtlCol="0" anchor="ctr"/>
+              <a:lstStyle/>
+              <a:p>
+                <a:pPr algn="ctr"/>
+                <a:endParaRPr lang="bg-BG" dirty="0"/>
+              </a:p>
+            </p:txBody>
+          </p:sp>
+          <p:sp>
+            <p:nvSpPr>
+              <p:cNvPr id="50" name="Arc 49">
+                <a:extLst>
+                  <a:ext uri="{FF2B5EF4-FFF2-40B4-BE49-F238E27FC236}">
+                    <a16:creationId xmlns:a16="http://schemas.microsoft.com/office/drawing/2014/main" id="{786EE401-CF8E-439B-94A0-EE6F3A7D5798}"/>
+                  </a:ext>
+                </a:extLst>
+              </p:cNvPr>
+              <p:cNvSpPr/>
+              <p:nvPr/>
+            </p:nvSpPr>
+            <p:spPr>
+              <a:xfrm>
+                <a:off x="3454111" y="2482850"/>
+                <a:ext cx="1504950" cy="1504950"/>
+              </a:xfrm>
+              <a:prstGeom prst="arc">
+                <a:avLst>
+                  <a:gd name="adj1" fmla="val 18068338"/>
+                  <a:gd name="adj2" fmla="val 0"/>
+                </a:avLst>
+              </a:prstGeom>
+              <a:ln w="38100" cap="rnd">
+                <a:solidFill>
+                  <a:schemeClr val="bg2"/>
+                </a:solidFill>
+                <a:prstDash val="solid"/>
+              </a:ln>
+            </p:spPr>
+            <p:style>
+              <a:lnRef idx="1">
+                <a:schemeClr val="accent1"/>
+              </a:lnRef>
+              <a:fillRef idx="0">
+                <a:schemeClr val="accent1"/>
+              </a:fillRef>
+              <a:effectRef idx="0">
+                <a:schemeClr val="accent1"/>
+              </a:effectRef>
+              <a:fontRef idx="minor">
+                <a:schemeClr val="tx1"/>
+              </a:fontRef>
+            </p:style>
+            <p:txBody>
+              <a:bodyPr rtlCol="0" anchor="ctr"/>
+              <a:lstStyle/>
+              <a:p>
+                <a:pPr algn="ctr"/>
+                <a:endParaRPr lang="bg-BG">
+                  <a:ln w="57150">
+                    <a:solidFill>
+                      <a:schemeClr val="tx1"/>
+                    </a:solidFill>
+                  </a:ln>
+                </a:endParaRPr>
+              </a:p>
+            </p:txBody>
+          </p:sp>
+          <p:sp>
+            <p:nvSpPr>
+              <p:cNvPr id="51" name="Arc 50">
+                <a:extLst>
+                  <a:ext uri="{FF2B5EF4-FFF2-40B4-BE49-F238E27FC236}">
+                    <a16:creationId xmlns:a16="http://schemas.microsoft.com/office/drawing/2014/main" id="{8D9ACD38-B3EB-4A63-9730-CBF0501BF235}"/>
+                  </a:ext>
+                </a:extLst>
+              </p:cNvPr>
+              <p:cNvSpPr/>
+              <p:nvPr/>
+            </p:nvSpPr>
+            <p:spPr>
+              <a:xfrm>
+                <a:off x="3454111" y="2482849"/>
+                <a:ext cx="1504950" cy="1504950"/>
+              </a:xfrm>
+              <a:prstGeom prst="arc">
+                <a:avLst>
+                  <a:gd name="adj1" fmla="val 17518504"/>
+                  <a:gd name="adj2" fmla="val 17709817"/>
+                </a:avLst>
+              </a:prstGeom>
+              <a:ln w="38100" cap="rnd">
+                <a:solidFill>
+                  <a:schemeClr val="bg2"/>
+                </a:solidFill>
+                <a:prstDash val="solid"/>
+              </a:ln>
+            </p:spPr>
+            <p:style>
+              <a:lnRef idx="1">
+                <a:schemeClr val="accent1"/>
+              </a:lnRef>
+              <a:fillRef idx="0">
+                <a:schemeClr val="accent1"/>
+              </a:fillRef>
+              <a:effectRef idx="0">
+                <a:schemeClr val="accent1"/>
+              </a:effectRef>
+              <a:fontRef idx="minor">
+                <a:schemeClr val="tx1"/>
+              </a:fontRef>
+            </p:style>
+            <p:txBody>
+              <a:bodyPr rtlCol="0" anchor="ctr"/>
+              <a:lstStyle/>
+              <a:p>
+                <a:pPr algn="ctr"/>
+                <a:endParaRPr lang="bg-BG">
+                  <a:ln w="57150">
+                    <a:solidFill>
+                      <a:schemeClr val="tx1"/>
+                    </a:solidFill>
+                  </a:ln>
+                </a:endParaRPr>
+              </a:p>
+            </p:txBody>
+          </p:sp>
+        </p:grpSp>
+        <p:sp>
+          <p:nvSpPr>
+            <p:cNvPr id="35" name="Rectangle: Rounded Corners 34">
+              <a:extLst>
+                <a:ext uri="{FF2B5EF4-FFF2-40B4-BE49-F238E27FC236}">
+                  <a16:creationId xmlns:a16="http://schemas.microsoft.com/office/drawing/2014/main" id="{64EE493E-A353-4C75-A3B9-D48ABA2C57CC}"/>
+                </a:ext>
+              </a:extLst>
+            </p:cNvPr>
+            <p:cNvSpPr/>
+            <p:nvPr/>
+          </p:nvSpPr>
+          <p:spPr>
+            <a:xfrm>
+              <a:off x="4400007" y="4324162"/>
+              <a:ext cx="886369" cy="150698"/>
+            </a:xfrm>
+            <a:prstGeom prst="roundRect">
+              <a:avLst/>
+            </a:prstGeom>
+            <a:solidFill>
+              <a:srgbClr val="F2A40D"/>
+            </a:solidFill>
+            <a:ln w="38100">
+              <a:solidFill>
+                <a:srgbClr val="464646"/>
+              </a:solidFill>
+            </a:ln>
+          </p:spPr>
+          <p:style>
+            <a:lnRef idx="2">
+              <a:schemeClr val="accent1">
+                <a:shade val="50000"/>
+              </a:schemeClr>
+            </a:lnRef>
+            <a:fillRef idx="1">
+              <a:schemeClr val="accent1"/>
+            </a:fillRef>
+            <a:effectRef idx="0">
+              <a:schemeClr val="accent1"/>
+            </a:effectRef>
+            <a:fontRef idx="minor">
+              <a:schemeClr val="lt1"/>
+            </a:fontRef>
+          </p:style>
+          <p:txBody>
+            <a:bodyPr rtlCol="0" anchor="ctr"/>
+            <a:lstStyle/>
+            <a:p>
+              <a:pPr algn="ctr"/>
+              <a:endParaRPr lang="bg-BG"/>
+            </a:p>
+          </p:txBody>
+        </p:sp>
+        <p:sp>
+          <p:nvSpPr>
+            <p:cNvPr id="36" name="Rectangle: Rounded Corners 35">
+              <a:extLst>
+                <a:ext uri="{FF2B5EF4-FFF2-40B4-BE49-F238E27FC236}">
+                  <a16:creationId xmlns:a16="http://schemas.microsoft.com/office/drawing/2014/main" id="{718408B9-204E-42E3-9E79-33E047E869BC}"/>
+                </a:ext>
+              </a:extLst>
+            </p:cNvPr>
+            <p:cNvSpPr/>
+            <p:nvPr/>
+          </p:nvSpPr>
+          <p:spPr>
+            <a:xfrm>
+              <a:off x="4533357" y="4542116"/>
+              <a:ext cx="619670" cy="150699"/>
+            </a:xfrm>
+            <a:prstGeom prst="roundRect">
+              <a:avLst/>
+            </a:prstGeom>
+            <a:solidFill>
+              <a:srgbClr val="F2A40D"/>
+            </a:solidFill>
+            <a:ln w="38100">
+              <a:solidFill>
+                <a:srgbClr val="464646"/>
+              </a:solidFill>
+            </a:ln>
+            <a:effectLst>
+              <a:outerShdw blurRad="152400" dist="381000" dir="5400000" sx="70000" sy="70000" rotWithShape="0">
+                <a:prstClr val="black">
+                  <a:alpha val="30000"/>
+                </a:prstClr>
+              </a:outerShdw>
+            </a:effectLst>
+          </p:spPr>
+          <p:style>
+            <a:lnRef idx="2">
+              <a:schemeClr val="accent1">
+                <a:shade val="50000"/>
+              </a:schemeClr>
+            </a:lnRef>
+            <a:fillRef idx="1">
+              <a:schemeClr val="accent1"/>
+            </a:fillRef>
+            <a:effectRef idx="0">
+              <a:schemeClr val="accent1"/>
+            </a:effectRef>
+            <a:fontRef idx="minor">
+              <a:schemeClr val="lt1"/>
+            </a:fontRef>
+          </p:style>
+          <p:txBody>
+            <a:bodyPr rtlCol="0" anchor="ctr"/>
+            <a:lstStyle/>
+            <a:p>
+              <a:pPr algn="ctr"/>
+              <a:endParaRPr lang="bg-BG"/>
+            </a:p>
+          </p:txBody>
+        </p:sp>
+        <p:cxnSp>
+          <p:nvCxnSpPr>
+            <p:cNvPr id="37" name="Straight Connector 36">
+              <a:extLst>
+                <a:ext uri="{FF2B5EF4-FFF2-40B4-BE49-F238E27FC236}">
+                  <a16:creationId xmlns:a16="http://schemas.microsoft.com/office/drawing/2014/main" id="{0AB66D97-DF6F-4CD2-AF13-42B5C852F673}"/>
+                </a:ext>
+              </a:extLst>
+            </p:cNvPr>
+            <p:cNvCxnSpPr>
+              <a:cxnSpLocks/>
+            </p:cNvCxnSpPr>
+            <p:nvPr/>
+          </p:nvCxnSpPr>
+          <p:spPr>
+            <a:xfrm flipH="1" flipV="1">
+              <a:off x="4472677" y="2844800"/>
+              <a:ext cx="161562" cy="1164292"/>
+            </a:xfrm>
+            <a:prstGeom prst="line">
+              <a:avLst/>
+            </a:prstGeom>
+            <a:solidFill>
+              <a:srgbClr val="464646"/>
+            </a:solidFill>
+            <a:ln w="38100">
+              <a:solidFill>
+                <a:srgbClr val="464646"/>
+              </a:solidFill>
+            </a:ln>
+          </p:spPr>
+          <p:style>
+            <a:lnRef idx="1">
+              <a:schemeClr val="dk1"/>
+            </a:lnRef>
+            <a:fillRef idx="0">
+              <a:schemeClr val="dk1"/>
+            </a:fillRef>
+            <a:effectRef idx="0">
+              <a:schemeClr val="dk1"/>
+            </a:effectRef>
+            <a:fontRef idx="minor">
+              <a:schemeClr val="tx1"/>
+            </a:fontRef>
+          </p:style>
+        </p:cxnSp>
+        <p:cxnSp>
+          <p:nvCxnSpPr>
+            <p:cNvPr id="38" name="Straight Connector 37">
+              <a:extLst>
+                <a:ext uri="{FF2B5EF4-FFF2-40B4-BE49-F238E27FC236}">
+                  <a16:creationId xmlns:a16="http://schemas.microsoft.com/office/drawing/2014/main" id="{F2AFBA69-C196-4703-8AAB-5F72A8EDCEB5}"/>
+                </a:ext>
+              </a:extLst>
+            </p:cNvPr>
+            <p:cNvCxnSpPr>
+              <a:cxnSpLocks/>
+            </p:cNvCxnSpPr>
+            <p:nvPr/>
+          </p:nvCxnSpPr>
+          <p:spPr>
+            <a:xfrm flipH="1">
+              <a:off x="4578548" y="3618567"/>
+              <a:ext cx="528128" cy="0"/>
+            </a:xfrm>
+            <a:prstGeom prst="line">
+              <a:avLst/>
+            </a:prstGeom>
+            <a:solidFill>
+              <a:srgbClr val="464646"/>
+            </a:solidFill>
+            <a:ln w="38100">
+              <a:solidFill>
+                <a:srgbClr val="464646"/>
+              </a:solidFill>
+            </a:ln>
+          </p:spPr>
+          <p:style>
+            <a:lnRef idx="1">
+              <a:schemeClr val="dk1"/>
+            </a:lnRef>
+            <a:fillRef idx="0">
+              <a:schemeClr val="dk1"/>
+            </a:fillRef>
+            <a:effectRef idx="0">
+              <a:schemeClr val="dk1"/>
+            </a:effectRef>
+            <a:fontRef idx="minor">
+              <a:schemeClr val="tx1"/>
+            </a:fontRef>
+          </p:style>
+        </p:cxnSp>
+        <p:grpSp>
+          <p:nvGrpSpPr>
+            <p:cNvPr id="39" name="Group 38">
+              <a:extLst>
+                <a:ext uri="{FF2B5EF4-FFF2-40B4-BE49-F238E27FC236}">
+                  <a16:creationId xmlns:a16="http://schemas.microsoft.com/office/drawing/2014/main" id="{9AFC66C1-0C1C-4332-9C4E-782574C896B8}"/>
+                </a:ext>
+              </a:extLst>
+            </p:cNvPr>
+            <p:cNvGrpSpPr/>
+            <p:nvPr/>
+          </p:nvGrpSpPr>
+          <p:grpSpPr>
+            <a:xfrm>
+              <a:off x="4203288" y="2479090"/>
+              <a:ext cx="436874" cy="448528"/>
+              <a:chOff x="2320288" y="2903541"/>
+              <a:chExt cx="332555" cy="302680"/>
+            </a:xfrm>
+            <a:solidFill>
+              <a:srgbClr val="464646"/>
+            </a:solidFill>
+          </p:grpSpPr>
+          <p:cxnSp>
+            <p:nvCxnSpPr>
+              <p:cNvPr id="45" name="Straight Connector 44">
+                <a:extLst>
+                  <a:ext uri="{FF2B5EF4-FFF2-40B4-BE49-F238E27FC236}">
+                    <a16:creationId xmlns:a16="http://schemas.microsoft.com/office/drawing/2014/main" id="{872CA8AD-EAF6-40BE-9DDE-ECDB4A980CA5}"/>
+                  </a:ext>
+                </a:extLst>
+              </p:cNvPr>
+              <p:cNvCxnSpPr>
+                <a:cxnSpLocks/>
+              </p:cNvCxnSpPr>
+              <p:nvPr/>
+            </p:nvCxnSpPr>
+            <p:spPr>
+              <a:xfrm flipH="1" flipV="1">
+                <a:off x="2321560" y="3054881"/>
+                <a:ext cx="331283" cy="151340"/>
+              </a:xfrm>
+              <a:prstGeom prst="line">
+                <a:avLst/>
+              </a:prstGeom>
+              <a:grpFill/>
+              <a:ln w="38100" cap="rnd">
+                <a:solidFill>
+                  <a:srgbClr val="464646"/>
+                </a:solidFill>
+              </a:ln>
+            </p:spPr>
+            <p:style>
+              <a:lnRef idx="1">
+                <a:schemeClr val="dk1"/>
+              </a:lnRef>
+              <a:fillRef idx="0">
+                <a:schemeClr val="dk1"/>
+              </a:fillRef>
+              <a:effectRef idx="0">
+                <a:schemeClr val="dk1"/>
+              </a:effectRef>
+              <a:fontRef idx="minor">
+                <a:schemeClr val="tx1"/>
+              </a:fontRef>
+            </p:style>
+          </p:cxnSp>
+          <p:cxnSp>
+            <p:nvCxnSpPr>
+              <p:cNvPr id="46" name="Straight Connector 45">
+                <a:extLst>
+                  <a:ext uri="{FF2B5EF4-FFF2-40B4-BE49-F238E27FC236}">
+                    <a16:creationId xmlns:a16="http://schemas.microsoft.com/office/drawing/2014/main" id="{57DD3EC7-1A13-4AFE-BD6F-DA12C281FAFB}"/>
+                  </a:ext>
+                </a:extLst>
+              </p:cNvPr>
+              <p:cNvCxnSpPr>
+                <a:cxnSpLocks/>
+              </p:cNvCxnSpPr>
+              <p:nvPr/>
+            </p:nvCxnSpPr>
+            <p:spPr>
+              <a:xfrm flipH="1">
+                <a:off x="2320288" y="2903541"/>
+                <a:ext cx="331283" cy="151340"/>
+              </a:xfrm>
+              <a:prstGeom prst="line">
+                <a:avLst/>
+              </a:prstGeom>
+              <a:grpFill/>
+              <a:ln w="38100" cap="rnd">
+                <a:solidFill>
+                  <a:srgbClr val="464646"/>
+                </a:solidFill>
+              </a:ln>
+            </p:spPr>
+            <p:style>
+              <a:lnRef idx="1">
+                <a:schemeClr val="dk1"/>
+              </a:lnRef>
+              <a:fillRef idx="0">
+                <a:schemeClr val="dk1"/>
+              </a:fillRef>
+              <a:effectRef idx="0">
+                <a:schemeClr val="dk1"/>
+              </a:effectRef>
+              <a:fontRef idx="minor">
+                <a:schemeClr val="tx1"/>
+              </a:fontRef>
+            </p:style>
+          </p:cxnSp>
+        </p:grpSp>
+        <p:cxnSp>
+          <p:nvCxnSpPr>
+            <p:cNvPr id="40" name="Straight Connector 39">
+              <a:extLst>
+                <a:ext uri="{FF2B5EF4-FFF2-40B4-BE49-F238E27FC236}">
+                  <a16:creationId xmlns:a16="http://schemas.microsoft.com/office/drawing/2014/main" id="{E46151FA-19E9-4E84-A082-EDAC6F76EA9D}"/>
+                </a:ext>
+              </a:extLst>
+            </p:cNvPr>
+            <p:cNvCxnSpPr>
+              <a:cxnSpLocks/>
+            </p:cNvCxnSpPr>
+            <p:nvPr/>
+          </p:nvCxnSpPr>
+          <p:spPr>
+            <a:xfrm flipV="1">
+              <a:off x="5048904" y="2844800"/>
+              <a:ext cx="142425" cy="1164292"/>
+            </a:xfrm>
+            <a:prstGeom prst="line">
+              <a:avLst/>
+            </a:prstGeom>
+            <a:solidFill>
+              <a:srgbClr val="464646"/>
+            </a:solidFill>
+            <a:ln w="38100">
+              <a:solidFill>
+                <a:srgbClr val="464646"/>
+              </a:solidFill>
+            </a:ln>
+          </p:spPr>
+          <p:style>
+            <a:lnRef idx="1">
+              <a:schemeClr val="dk1"/>
+            </a:lnRef>
+            <a:fillRef idx="0">
+              <a:schemeClr val="dk1"/>
+            </a:fillRef>
+            <a:effectRef idx="0">
+              <a:schemeClr val="dk1"/>
+            </a:effectRef>
+            <a:fontRef idx="minor">
+              <a:schemeClr val="tx1"/>
+            </a:fontRef>
+          </p:style>
+        </p:cxnSp>
+        <p:sp>
+          <p:nvSpPr>
+            <p:cNvPr id="41" name="Rectangle: Rounded Corners 40">
+              <a:extLst>
+                <a:ext uri="{FF2B5EF4-FFF2-40B4-BE49-F238E27FC236}">
+                  <a16:creationId xmlns:a16="http://schemas.microsoft.com/office/drawing/2014/main" id="{3423EEF0-5B70-4091-B2DA-0740D2609643}"/>
+                </a:ext>
+              </a:extLst>
+            </p:cNvPr>
+            <p:cNvSpPr/>
+            <p:nvPr/>
+          </p:nvSpPr>
+          <p:spPr>
+            <a:xfrm>
+              <a:off x="4355556" y="4106208"/>
+              <a:ext cx="975271" cy="150698"/>
+            </a:xfrm>
+            <a:prstGeom prst="roundRect">
+              <a:avLst/>
+            </a:prstGeom>
+            <a:solidFill>
+              <a:srgbClr val="F2A40D"/>
+            </a:solidFill>
+            <a:ln w="38100">
+              <a:solidFill>
+                <a:srgbClr val="464646"/>
+              </a:solidFill>
+            </a:ln>
+          </p:spPr>
+          <p:style>
+            <a:lnRef idx="2">
+              <a:schemeClr val="accent1">
+                <a:shade val="50000"/>
+              </a:schemeClr>
+            </a:lnRef>
+            <a:fillRef idx="1">
+              <a:schemeClr val="accent1"/>
+            </a:fillRef>
+            <a:effectRef idx="0">
+              <a:schemeClr val="accent1"/>
+            </a:effectRef>
+            <a:fontRef idx="minor">
+              <a:schemeClr val="lt1"/>
+            </a:fontRef>
+          </p:style>
+          <p:txBody>
+            <a:bodyPr rtlCol="0" anchor="ctr"/>
+            <a:lstStyle/>
+            <a:p>
+              <a:pPr algn="ctr"/>
+              <a:endParaRPr lang="bg-BG"/>
+            </a:p>
+          </p:txBody>
+        </p:sp>
+        <p:grpSp>
+          <p:nvGrpSpPr>
+            <p:cNvPr id="42" name="Group 41">
+              <a:extLst>
+                <a:ext uri="{FF2B5EF4-FFF2-40B4-BE49-F238E27FC236}">
+                  <a16:creationId xmlns:a16="http://schemas.microsoft.com/office/drawing/2014/main" id="{49A8AAA7-98E7-4224-B027-830FFCC285A3}"/>
+                </a:ext>
+              </a:extLst>
+            </p:cNvPr>
+            <p:cNvGrpSpPr/>
+            <p:nvPr/>
+          </p:nvGrpSpPr>
+          <p:grpSpPr>
+            <a:xfrm flipH="1">
+              <a:off x="5035162" y="2479090"/>
+              <a:ext cx="436872" cy="448528"/>
+              <a:chOff x="2320288" y="2903541"/>
+              <a:chExt cx="332555" cy="302680"/>
+            </a:xfrm>
+            <a:solidFill>
+              <a:srgbClr val="464646"/>
+            </a:solidFill>
+          </p:grpSpPr>
+          <p:cxnSp>
+            <p:nvCxnSpPr>
+              <p:cNvPr id="43" name="Straight Connector 42">
+                <a:extLst>
+                  <a:ext uri="{FF2B5EF4-FFF2-40B4-BE49-F238E27FC236}">
+                    <a16:creationId xmlns:a16="http://schemas.microsoft.com/office/drawing/2014/main" id="{2129EC38-471E-4685-973E-BA7A7F567C42}"/>
+                  </a:ext>
+                </a:extLst>
+              </p:cNvPr>
+              <p:cNvCxnSpPr>
+                <a:cxnSpLocks/>
+              </p:cNvCxnSpPr>
+              <p:nvPr/>
+            </p:nvCxnSpPr>
+            <p:spPr>
+              <a:xfrm flipH="1" flipV="1">
+                <a:off x="2321560" y="3054881"/>
+                <a:ext cx="331283" cy="151340"/>
+              </a:xfrm>
+              <a:prstGeom prst="line">
+                <a:avLst/>
+              </a:prstGeom>
+              <a:grpFill/>
+              <a:ln w="38100" cap="rnd">
+                <a:solidFill>
+                  <a:srgbClr val="464646"/>
+                </a:solidFill>
+              </a:ln>
+            </p:spPr>
+            <p:style>
+              <a:lnRef idx="1">
+                <a:schemeClr val="dk1"/>
+              </a:lnRef>
+              <a:fillRef idx="0">
+                <a:schemeClr val="dk1"/>
+              </a:fillRef>
+              <a:effectRef idx="0">
+                <a:schemeClr val="dk1"/>
+              </a:effectRef>
+              <a:fontRef idx="minor">
+                <a:schemeClr val="tx1"/>
+              </a:fontRef>
+            </p:style>
+          </p:cxnSp>
+          <p:cxnSp>
+            <p:nvCxnSpPr>
+              <p:cNvPr id="44" name="Straight Connector 43">
+                <a:extLst>
+                  <a:ext uri="{FF2B5EF4-FFF2-40B4-BE49-F238E27FC236}">
+                    <a16:creationId xmlns:a16="http://schemas.microsoft.com/office/drawing/2014/main" id="{678142BE-84C9-4834-B6CC-6623E401661C}"/>
+                  </a:ext>
+                </a:extLst>
+              </p:cNvPr>
+              <p:cNvCxnSpPr>
+                <a:cxnSpLocks/>
+              </p:cNvCxnSpPr>
+              <p:nvPr/>
+            </p:nvCxnSpPr>
+            <p:spPr>
+              <a:xfrm flipH="1">
+                <a:off x="2320288" y="2903541"/>
+                <a:ext cx="331283" cy="151340"/>
+              </a:xfrm>
+              <a:prstGeom prst="line">
+                <a:avLst/>
+              </a:prstGeom>
+              <a:grpFill/>
+              <a:ln w="38100" cap="rnd">
+                <a:solidFill>
+                  <a:srgbClr val="464646"/>
+                </a:solidFill>
+              </a:ln>
+            </p:spPr>
+            <p:style>
+              <a:lnRef idx="1">
+                <a:schemeClr val="dk1"/>
+              </a:lnRef>
+              <a:fillRef idx="0">
+                <a:schemeClr val="dk1"/>
+              </a:fillRef>
+              <a:effectRef idx="0">
+                <a:schemeClr val="dk1"/>
+              </a:effectRef>
+              <a:fontRef idx="minor">
+                <a:schemeClr val="tx1"/>
+              </a:fontRef>
+            </p:style>
+          </p:cxnSp>
+        </p:grpSp>
+      </p:grpSp>
     </p:spTree>
     <p:extLst>
       <p:ext uri="{BB962C8B-B14F-4D97-AF65-F5344CB8AC3E}">
@@ -6512,45 +7930,6 @@
           </a:p>
         </p:txBody>
       </p:sp>
-      <p:pic>
-        <p:nvPicPr>
-          <p:cNvPr id="4" name="Picture Bulb" descr="Bulb"/>
-          <p:cNvPicPr>
-            <a:picLocks noChangeAspect="1" noChangeArrowheads="1"/>
-          </p:cNvPicPr>
-          <p:nvPr userDrawn="1"/>
-        </p:nvPicPr>
-        <p:blipFill>
-          <a:blip r:embed="rId2">
-            <a:extLst>
-              <a:ext uri="{28A0092B-C50C-407E-A947-70E740481C1C}">
-                <a14:useLocalDpi xmlns:a14="http://schemas.microsoft.com/office/drawing/2010/main" val="0"/>
-              </a:ext>
-            </a:extLst>
-          </a:blip>
-          <a:srcRect/>
-          <a:stretch/>
-        </p:blipFill>
-        <p:spPr bwMode="auto">
-          <a:xfrm>
-            <a:off x="156000" y="5098868"/>
-            <a:ext cx="779209" cy="1729395"/>
-          </a:xfrm>
-          <a:prstGeom prst="rect">
-            <a:avLst/>
-          </a:prstGeom>
-          <a:noFill/>
-          <a:extLst>
-            <a:ext uri="{909E8E84-426E-40DD-AFC4-6F175D3DCCD1}">
-              <a14:hiddenFill xmlns:a14="http://schemas.microsoft.com/office/drawing/2010/main">
-                <a:solidFill>
-                  <a:srgbClr val="FFFFFF"/>
-                </a:solidFill>
-              </a14:hiddenFill>
-            </a:ext>
-          </a:extLst>
-        </p:spPr>
-      </p:pic>
       <p:sp>
         <p:nvSpPr>
           <p:cNvPr id="7" name="Slide Body Text">
@@ -6686,6 +8065,1039 @@
           </a:p>
         </p:txBody>
       </p:sp>
+      <p:grpSp>
+        <p:nvGrpSpPr>
+          <p:cNvPr id="28" name="Group 27">
+            <a:extLst>
+              <a:ext uri="{FF2B5EF4-FFF2-40B4-BE49-F238E27FC236}">
+                <a16:creationId xmlns:a16="http://schemas.microsoft.com/office/drawing/2014/main" id="{C4248838-4E67-439E-AE0A-0043D2CB04D6}"/>
+              </a:ext>
+            </a:extLst>
+          </p:cNvPr>
+          <p:cNvGrpSpPr/>
+          <p:nvPr userDrawn="1"/>
+        </p:nvGrpSpPr>
+        <p:grpSpPr>
+          <a:xfrm>
+            <a:off x="108596" y="5591709"/>
+            <a:ext cx="641749" cy="1016973"/>
+            <a:chOff x="3928039" y="1792355"/>
+            <a:chExt cx="1830304" cy="2900460"/>
+          </a:xfrm>
+        </p:grpSpPr>
+        <p:grpSp>
+          <p:nvGrpSpPr>
+            <p:cNvPr id="29" name="Group 28">
+              <a:extLst>
+                <a:ext uri="{FF2B5EF4-FFF2-40B4-BE49-F238E27FC236}">
+                  <a16:creationId xmlns:a16="http://schemas.microsoft.com/office/drawing/2014/main" id="{810CFD6A-2427-49D5-846A-5F93601D4184}"/>
+                </a:ext>
+              </a:extLst>
+            </p:cNvPr>
+            <p:cNvGrpSpPr/>
+            <p:nvPr/>
+          </p:nvGrpSpPr>
+          <p:grpSpPr>
+            <a:xfrm>
+              <a:off x="3928039" y="1792355"/>
+              <a:ext cx="1830304" cy="2206534"/>
+              <a:chOff x="3216839" y="2404072"/>
+              <a:chExt cx="1830304" cy="2206534"/>
+            </a:xfrm>
+          </p:grpSpPr>
+          <p:sp>
+            <p:nvSpPr>
+              <p:cNvPr id="42" name="Oval 41">
+                <a:extLst>
+                  <a:ext uri="{FF2B5EF4-FFF2-40B4-BE49-F238E27FC236}">
+                    <a16:creationId xmlns:a16="http://schemas.microsoft.com/office/drawing/2014/main" id="{017B1AE5-5C36-4839-BA1F-B404EA44E701}"/>
+                  </a:ext>
+                </a:extLst>
+              </p:cNvPr>
+              <p:cNvSpPr/>
+              <p:nvPr/>
+            </p:nvSpPr>
+            <p:spPr>
+              <a:xfrm>
+                <a:off x="3216839" y="2404072"/>
+                <a:ext cx="1830304" cy="1830304"/>
+              </a:xfrm>
+              <a:prstGeom prst="ellipse">
+                <a:avLst/>
+              </a:prstGeom>
+              <a:solidFill>
+                <a:srgbClr val="F2A40D"/>
+              </a:solidFill>
+              <a:ln>
+                <a:noFill/>
+              </a:ln>
+            </p:spPr>
+            <p:style>
+              <a:lnRef idx="2">
+                <a:schemeClr val="accent1">
+                  <a:shade val="50000"/>
+                </a:schemeClr>
+              </a:lnRef>
+              <a:fillRef idx="1">
+                <a:schemeClr val="accent1"/>
+              </a:fillRef>
+              <a:effectRef idx="0">
+                <a:schemeClr val="accent1"/>
+              </a:effectRef>
+              <a:fontRef idx="minor">
+                <a:schemeClr val="lt1"/>
+              </a:fontRef>
+            </p:style>
+            <p:txBody>
+              <a:bodyPr rtlCol="0" anchor="ctr"/>
+              <a:lstStyle/>
+              <a:p>
+                <a:pPr algn="ctr"/>
+                <a:endParaRPr lang="bg-BG"/>
+              </a:p>
+            </p:txBody>
+          </p:sp>
+          <p:sp>
+            <p:nvSpPr>
+              <p:cNvPr id="43" name="Rectangle 5">
+                <a:extLst>
+                  <a:ext uri="{FF2B5EF4-FFF2-40B4-BE49-F238E27FC236}">
+                    <a16:creationId xmlns:a16="http://schemas.microsoft.com/office/drawing/2014/main" id="{FB963D79-BB49-4A1D-BA66-EA0670C79BAE}"/>
+                  </a:ext>
+                </a:extLst>
+              </p:cNvPr>
+              <p:cNvSpPr/>
+              <p:nvPr/>
+            </p:nvSpPr>
+            <p:spPr>
+              <a:xfrm>
+                <a:off x="3699615" y="3807346"/>
+                <a:ext cx="1143001" cy="803260"/>
+              </a:xfrm>
+              <a:custGeom>
+                <a:avLst/>
+                <a:gdLst>
+                  <a:gd name="connsiteX0" fmla="*/ 0 w 876300"/>
+                  <a:gd name="connsiteY0" fmla="*/ 0 h 787400"/>
+                  <a:gd name="connsiteX1" fmla="*/ 876300 w 876300"/>
+                  <a:gd name="connsiteY1" fmla="*/ 0 h 787400"/>
+                  <a:gd name="connsiteX2" fmla="*/ 876300 w 876300"/>
+                  <a:gd name="connsiteY2" fmla="*/ 787400 h 787400"/>
+                  <a:gd name="connsiteX3" fmla="*/ 0 w 876300"/>
+                  <a:gd name="connsiteY3" fmla="*/ 787400 h 787400"/>
+                  <a:gd name="connsiteX4" fmla="*/ 0 w 876300"/>
+                  <a:gd name="connsiteY4" fmla="*/ 0 h 787400"/>
+                  <a:gd name="connsiteX0" fmla="*/ 0 w 876300"/>
+                  <a:gd name="connsiteY0" fmla="*/ 0 h 787400"/>
+                  <a:gd name="connsiteX1" fmla="*/ 876300 w 876300"/>
+                  <a:gd name="connsiteY1" fmla="*/ 0 h 787400"/>
+                  <a:gd name="connsiteX2" fmla="*/ 876300 w 876300"/>
+                  <a:gd name="connsiteY2" fmla="*/ 787400 h 787400"/>
+                  <a:gd name="connsiteX3" fmla="*/ 0 w 876300"/>
+                  <a:gd name="connsiteY3" fmla="*/ 787400 h 787400"/>
+                  <a:gd name="connsiteX4" fmla="*/ 0 w 876300"/>
+                  <a:gd name="connsiteY4" fmla="*/ 0 h 787400"/>
+                  <a:gd name="connsiteX0" fmla="*/ 0 w 876300"/>
+                  <a:gd name="connsiteY0" fmla="*/ 0 h 787400"/>
+                  <a:gd name="connsiteX1" fmla="*/ 876300 w 876300"/>
+                  <a:gd name="connsiteY1" fmla="*/ 0 h 787400"/>
+                  <a:gd name="connsiteX2" fmla="*/ 876300 w 876300"/>
+                  <a:gd name="connsiteY2" fmla="*/ 787400 h 787400"/>
+                  <a:gd name="connsiteX3" fmla="*/ 0 w 876300"/>
+                  <a:gd name="connsiteY3" fmla="*/ 787400 h 787400"/>
+                  <a:gd name="connsiteX4" fmla="*/ 0 w 876300"/>
+                  <a:gd name="connsiteY4" fmla="*/ 0 h 787400"/>
+                  <a:gd name="connsiteX0" fmla="*/ 0 w 1130300"/>
+                  <a:gd name="connsiteY0" fmla="*/ 0 h 787400"/>
+                  <a:gd name="connsiteX1" fmla="*/ 1130300 w 1130300"/>
+                  <a:gd name="connsiteY1" fmla="*/ 50800 h 787400"/>
+                  <a:gd name="connsiteX2" fmla="*/ 876300 w 1130300"/>
+                  <a:gd name="connsiteY2" fmla="*/ 787400 h 787400"/>
+                  <a:gd name="connsiteX3" fmla="*/ 0 w 1130300"/>
+                  <a:gd name="connsiteY3" fmla="*/ 787400 h 787400"/>
+                  <a:gd name="connsiteX4" fmla="*/ 0 w 1130300"/>
+                  <a:gd name="connsiteY4" fmla="*/ 0 h 787400"/>
+                  <a:gd name="connsiteX0" fmla="*/ 0 w 1136650"/>
+                  <a:gd name="connsiteY0" fmla="*/ 0 h 787400"/>
+                  <a:gd name="connsiteX1" fmla="*/ 1136650 w 1136650"/>
+                  <a:gd name="connsiteY1" fmla="*/ 38100 h 787400"/>
+                  <a:gd name="connsiteX2" fmla="*/ 876300 w 1136650"/>
+                  <a:gd name="connsiteY2" fmla="*/ 787400 h 787400"/>
+                  <a:gd name="connsiteX3" fmla="*/ 0 w 1136650"/>
+                  <a:gd name="connsiteY3" fmla="*/ 787400 h 787400"/>
+                  <a:gd name="connsiteX4" fmla="*/ 0 w 1136650"/>
+                  <a:gd name="connsiteY4" fmla="*/ 0 h 787400"/>
+                </a:gdLst>
+                <a:ahLst/>
+                <a:cxnLst>
+                  <a:cxn ang="0">
+                    <a:pos x="connsiteX0" y="connsiteY0"/>
+                  </a:cxn>
+                  <a:cxn ang="0">
+                    <a:pos x="connsiteX1" y="connsiteY1"/>
+                  </a:cxn>
+                  <a:cxn ang="0">
+                    <a:pos x="connsiteX2" y="connsiteY2"/>
+                  </a:cxn>
+                  <a:cxn ang="0">
+                    <a:pos x="connsiteX3" y="connsiteY3"/>
+                  </a:cxn>
+                  <a:cxn ang="0">
+                    <a:pos x="connsiteX4" y="connsiteY4"/>
+                  </a:cxn>
+                </a:cxnLst>
+                <a:rect l="l" t="t" r="r" b="b"/>
+                <a:pathLst>
+                  <a:path w="1136650" h="787400">
+                    <a:moveTo>
+                      <a:pt x="0" y="0"/>
+                    </a:moveTo>
+                    <a:lnTo>
+                      <a:pt x="1136650" y="38100"/>
+                    </a:lnTo>
+                    <a:cubicBezTo>
+                      <a:pt x="920750" y="376767"/>
+                      <a:pt x="876300" y="524933"/>
+                      <a:pt x="876300" y="787400"/>
+                    </a:cubicBezTo>
+                    <a:lnTo>
+                      <a:pt x="0" y="787400"/>
+                    </a:lnTo>
+                    <a:lnTo>
+                      <a:pt x="0" y="0"/>
+                    </a:lnTo>
+                    <a:close/>
+                  </a:path>
+                </a:pathLst>
+              </a:custGeom>
+              <a:solidFill>
+                <a:srgbClr val="F2A40D"/>
+              </a:solidFill>
+              <a:ln>
+                <a:noFill/>
+              </a:ln>
+            </p:spPr>
+            <p:style>
+              <a:lnRef idx="2">
+                <a:schemeClr val="accent1">
+                  <a:shade val="50000"/>
+                </a:schemeClr>
+              </a:lnRef>
+              <a:fillRef idx="1">
+                <a:schemeClr val="accent1"/>
+              </a:fillRef>
+              <a:effectRef idx="0">
+                <a:schemeClr val="accent1"/>
+              </a:effectRef>
+              <a:fontRef idx="minor">
+                <a:schemeClr val="lt1"/>
+              </a:fontRef>
+            </p:style>
+            <p:txBody>
+              <a:bodyPr rtlCol="0" anchor="ctr"/>
+              <a:lstStyle/>
+              <a:p>
+                <a:pPr algn="ctr"/>
+                <a:endParaRPr lang="bg-BG" dirty="0"/>
+              </a:p>
+            </p:txBody>
+          </p:sp>
+          <p:sp>
+            <p:nvSpPr>
+              <p:cNvPr id="44" name="Rectangle 5">
+                <a:extLst>
+                  <a:ext uri="{FF2B5EF4-FFF2-40B4-BE49-F238E27FC236}">
+                    <a16:creationId xmlns:a16="http://schemas.microsoft.com/office/drawing/2014/main" id="{6D7746D8-B913-493B-AAE9-25BC6893D40E}"/>
+                  </a:ext>
+                </a:extLst>
+              </p:cNvPr>
+              <p:cNvSpPr/>
+              <p:nvPr/>
+            </p:nvSpPr>
+            <p:spPr>
+              <a:xfrm flipH="1">
+                <a:off x="3426570" y="3807347"/>
+                <a:ext cx="1143000" cy="803259"/>
+              </a:xfrm>
+              <a:custGeom>
+                <a:avLst/>
+                <a:gdLst>
+                  <a:gd name="connsiteX0" fmla="*/ 0 w 876300"/>
+                  <a:gd name="connsiteY0" fmla="*/ 0 h 787400"/>
+                  <a:gd name="connsiteX1" fmla="*/ 876300 w 876300"/>
+                  <a:gd name="connsiteY1" fmla="*/ 0 h 787400"/>
+                  <a:gd name="connsiteX2" fmla="*/ 876300 w 876300"/>
+                  <a:gd name="connsiteY2" fmla="*/ 787400 h 787400"/>
+                  <a:gd name="connsiteX3" fmla="*/ 0 w 876300"/>
+                  <a:gd name="connsiteY3" fmla="*/ 787400 h 787400"/>
+                  <a:gd name="connsiteX4" fmla="*/ 0 w 876300"/>
+                  <a:gd name="connsiteY4" fmla="*/ 0 h 787400"/>
+                  <a:gd name="connsiteX0" fmla="*/ 0 w 876300"/>
+                  <a:gd name="connsiteY0" fmla="*/ 0 h 787400"/>
+                  <a:gd name="connsiteX1" fmla="*/ 876300 w 876300"/>
+                  <a:gd name="connsiteY1" fmla="*/ 0 h 787400"/>
+                  <a:gd name="connsiteX2" fmla="*/ 876300 w 876300"/>
+                  <a:gd name="connsiteY2" fmla="*/ 787400 h 787400"/>
+                  <a:gd name="connsiteX3" fmla="*/ 0 w 876300"/>
+                  <a:gd name="connsiteY3" fmla="*/ 787400 h 787400"/>
+                  <a:gd name="connsiteX4" fmla="*/ 0 w 876300"/>
+                  <a:gd name="connsiteY4" fmla="*/ 0 h 787400"/>
+                  <a:gd name="connsiteX0" fmla="*/ 0 w 876300"/>
+                  <a:gd name="connsiteY0" fmla="*/ 0 h 787400"/>
+                  <a:gd name="connsiteX1" fmla="*/ 876300 w 876300"/>
+                  <a:gd name="connsiteY1" fmla="*/ 0 h 787400"/>
+                  <a:gd name="connsiteX2" fmla="*/ 876300 w 876300"/>
+                  <a:gd name="connsiteY2" fmla="*/ 787400 h 787400"/>
+                  <a:gd name="connsiteX3" fmla="*/ 0 w 876300"/>
+                  <a:gd name="connsiteY3" fmla="*/ 787400 h 787400"/>
+                  <a:gd name="connsiteX4" fmla="*/ 0 w 876300"/>
+                  <a:gd name="connsiteY4" fmla="*/ 0 h 787400"/>
+                  <a:gd name="connsiteX0" fmla="*/ 0 w 1130300"/>
+                  <a:gd name="connsiteY0" fmla="*/ 0 h 787400"/>
+                  <a:gd name="connsiteX1" fmla="*/ 1130300 w 1130300"/>
+                  <a:gd name="connsiteY1" fmla="*/ 50800 h 787400"/>
+                  <a:gd name="connsiteX2" fmla="*/ 876300 w 1130300"/>
+                  <a:gd name="connsiteY2" fmla="*/ 787400 h 787400"/>
+                  <a:gd name="connsiteX3" fmla="*/ 0 w 1130300"/>
+                  <a:gd name="connsiteY3" fmla="*/ 787400 h 787400"/>
+                  <a:gd name="connsiteX4" fmla="*/ 0 w 1130300"/>
+                  <a:gd name="connsiteY4" fmla="*/ 0 h 787400"/>
+                  <a:gd name="connsiteX0" fmla="*/ 0 w 1136650"/>
+                  <a:gd name="connsiteY0" fmla="*/ 0 h 787400"/>
+                  <a:gd name="connsiteX1" fmla="*/ 1136650 w 1136650"/>
+                  <a:gd name="connsiteY1" fmla="*/ 38100 h 787400"/>
+                  <a:gd name="connsiteX2" fmla="*/ 876300 w 1136650"/>
+                  <a:gd name="connsiteY2" fmla="*/ 787400 h 787400"/>
+                  <a:gd name="connsiteX3" fmla="*/ 0 w 1136650"/>
+                  <a:gd name="connsiteY3" fmla="*/ 787400 h 787400"/>
+                  <a:gd name="connsiteX4" fmla="*/ 0 w 1136650"/>
+                  <a:gd name="connsiteY4" fmla="*/ 0 h 787400"/>
+                </a:gdLst>
+                <a:ahLst/>
+                <a:cxnLst>
+                  <a:cxn ang="0">
+                    <a:pos x="connsiteX0" y="connsiteY0"/>
+                  </a:cxn>
+                  <a:cxn ang="0">
+                    <a:pos x="connsiteX1" y="connsiteY1"/>
+                  </a:cxn>
+                  <a:cxn ang="0">
+                    <a:pos x="connsiteX2" y="connsiteY2"/>
+                  </a:cxn>
+                  <a:cxn ang="0">
+                    <a:pos x="connsiteX3" y="connsiteY3"/>
+                  </a:cxn>
+                  <a:cxn ang="0">
+                    <a:pos x="connsiteX4" y="connsiteY4"/>
+                  </a:cxn>
+                </a:cxnLst>
+                <a:rect l="l" t="t" r="r" b="b"/>
+                <a:pathLst>
+                  <a:path w="1136650" h="787400">
+                    <a:moveTo>
+                      <a:pt x="0" y="0"/>
+                    </a:moveTo>
+                    <a:lnTo>
+                      <a:pt x="1136650" y="38100"/>
+                    </a:lnTo>
+                    <a:cubicBezTo>
+                      <a:pt x="920750" y="376767"/>
+                      <a:pt x="876300" y="524933"/>
+                      <a:pt x="876300" y="787400"/>
+                    </a:cubicBezTo>
+                    <a:lnTo>
+                      <a:pt x="0" y="787400"/>
+                    </a:lnTo>
+                    <a:lnTo>
+                      <a:pt x="0" y="0"/>
+                    </a:lnTo>
+                    <a:close/>
+                  </a:path>
+                </a:pathLst>
+              </a:custGeom>
+              <a:solidFill>
+                <a:srgbClr val="F2A40D"/>
+              </a:solidFill>
+              <a:ln>
+                <a:noFill/>
+              </a:ln>
+            </p:spPr>
+            <p:style>
+              <a:lnRef idx="2">
+                <a:schemeClr val="accent1">
+                  <a:shade val="50000"/>
+                </a:schemeClr>
+              </a:lnRef>
+              <a:fillRef idx="1">
+                <a:schemeClr val="accent1"/>
+              </a:fillRef>
+              <a:effectRef idx="0">
+                <a:schemeClr val="accent1"/>
+              </a:effectRef>
+              <a:fontRef idx="minor">
+                <a:schemeClr val="lt1"/>
+              </a:fontRef>
+            </p:style>
+            <p:txBody>
+              <a:bodyPr rtlCol="0" anchor="ctr"/>
+              <a:lstStyle/>
+              <a:p>
+                <a:pPr algn="ctr"/>
+                <a:endParaRPr lang="bg-BG" dirty="0"/>
+              </a:p>
+            </p:txBody>
+          </p:sp>
+          <p:sp>
+            <p:nvSpPr>
+              <p:cNvPr id="45" name="Arc 44">
+                <a:extLst>
+                  <a:ext uri="{FF2B5EF4-FFF2-40B4-BE49-F238E27FC236}">
+                    <a16:creationId xmlns:a16="http://schemas.microsoft.com/office/drawing/2014/main" id="{29031C02-E965-417B-8799-96061B14F30D}"/>
+                  </a:ext>
+                </a:extLst>
+              </p:cNvPr>
+              <p:cNvSpPr/>
+              <p:nvPr/>
+            </p:nvSpPr>
+            <p:spPr>
+              <a:xfrm>
+                <a:off x="3454111" y="2482850"/>
+                <a:ext cx="1504950" cy="1504950"/>
+              </a:xfrm>
+              <a:prstGeom prst="arc">
+                <a:avLst>
+                  <a:gd name="adj1" fmla="val 18068338"/>
+                  <a:gd name="adj2" fmla="val 0"/>
+                </a:avLst>
+              </a:prstGeom>
+              <a:ln w="38100" cap="rnd">
+                <a:solidFill>
+                  <a:schemeClr val="bg2"/>
+                </a:solidFill>
+                <a:prstDash val="solid"/>
+              </a:ln>
+            </p:spPr>
+            <p:style>
+              <a:lnRef idx="1">
+                <a:schemeClr val="accent1"/>
+              </a:lnRef>
+              <a:fillRef idx="0">
+                <a:schemeClr val="accent1"/>
+              </a:fillRef>
+              <a:effectRef idx="0">
+                <a:schemeClr val="accent1"/>
+              </a:effectRef>
+              <a:fontRef idx="minor">
+                <a:schemeClr val="tx1"/>
+              </a:fontRef>
+            </p:style>
+            <p:txBody>
+              <a:bodyPr rtlCol="0" anchor="ctr"/>
+              <a:lstStyle/>
+              <a:p>
+                <a:pPr algn="ctr"/>
+                <a:endParaRPr lang="bg-BG">
+                  <a:ln w="57150">
+                    <a:solidFill>
+                      <a:schemeClr val="tx1"/>
+                    </a:solidFill>
+                  </a:ln>
+                </a:endParaRPr>
+              </a:p>
+            </p:txBody>
+          </p:sp>
+          <p:sp>
+            <p:nvSpPr>
+              <p:cNvPr id="46" name="Arc 45">
+                <a:extLst>
+                  <a:ext uri="{FF2B5EF4-FFF2-40B4-BE49-F238E27FC236}">
+                    <a16:creationId xmlns:a16="http://schemas.microsoft.com/office/drawing/2014/main" id="{26BFD8A6-BC99-4B16-BA10-08A9E5C681C0}"/>
+                  </a:ext>
+                </a:extLst>
+              </p:cNvPr>
+              <p:cNvSpPr/>
+              <p:nvPr/>
+            </p:nvSpPr>
+            <p:spPr>
+              <a:xfrm>
+                <a:off x="3454111" y="2482849"/>
+                <a:ext cx="1504950" cy="1504950"/>
+              </a:xfrm>
+              <a:prstGeom prst="arc">
+                <a:avLst>
+                  <a:gd name="adj1" fmla="val 17518504"/>
+                  <a:gd name="adj2" fmla="val 17709817"/>
+                </a:avLst>
+              </a:prstGeom>
+              <a:ln w="38100" cap="rnd">
+                <a:solidFill>
+                  <a:schemeClr val="bg2"/>
+                </a:solidFill>
+                <a:prstDash val="solid"/>
+              </a:ln>
+            </p:spPr>
+            <p:style>
+              <a:lnRef idx="1">
+                <a:schemeClr val="accent1"/>
+              </a:lnRef>
+              <a:fillRef idx="0">
+                <a:schemeClr val="accent1"/>
+              </a:fillRef>
+              <a:effectRef idx="0">
+                <a:schemeClr val="accent1"/>
+              </a:effectRef>
+              <a:fontRef idx="minor">
+                <a:schemeClr val="tx1"/>
+              </a:fontRef>
+            </p:style>
+            <p:txBody>
+              <a:bodyPr rtlCol="0" anchor="ctr"/>
+              <a:lstStyle/>
+              <a:p>
+                <a:pPr algn="ctr"/>
+                <a:endParaRPr lang="bg-BG">
+                  <a:ln w="57150">
+                    <a:solidFill>
+                      <a:schemeClr val="tx1"/>
+                    </a:solidFill>
+                  </a:ln>
+                </a:endParaRPr>
+              </a:p>
+            </p:txBody>
+          </p:sp>
+        </p:grpSp>
+        <p:sp>
+          <p:nvSpPr>
+            <p:cNvPr id="30" name="Rectangle: Rounded Corners 29">
+              <a:extLst>
+                <a:ext uri="{FF2B5EF4-FFF2-40B4-BE49-F238E27FC236}">
+                  <a16:creationId xmlns:a16="http://schemas.microsoft.com/office/drawing/2014/main" id="{B310277F-A78E-4FB9-9EA9-88BE4F1D585B}"/>
+                </a:ext>
+              </a:extLst>
+            </p:cNvPr>
+            <p:cNvSpPr/>
+            <p:nvPr/>
+          </p:nvSpPr>
+          <p:spPr>
+            <a:xfrm>
+              <a:off x="4400007" y="4324162"/>
+              <a:ext cx="886369" cy="150698"/>
+            </a:xfrm>
+            <a:prstGeom prst="roundRect">
+              <a:avLst/>
+            </a:prstGeom>
+            <a:solidFill>
+              <a:srgbClr val="F2A40D"/>
+            </a:solidFill>
+            <a:ln w="38100">
+              <a:solidFill>
+                <a:srgbClr val="464646"/>
+              </a:solidFill>
+            </a:ln>
+          </p:spPr>
+          <p:style>
+            <a:lnRef idx="2">
+              <a:schemeClr val="accent1">
+                <a:shade val="50000"/>
+              </a:schemeClr>
+            </a:lnRef>
+            <a:fillRef idx="1">
+              <a:schemeClr val="accent1"/>
+            </a:fillRef>
+            <a:effectRef idx="0">
+              <a:schemeClr val="accent1"/>
+            </a:effectRef>
+            <a:fontRef idx="minor">
+              <a:schemeClr val="lt1"/>
+            </a:fontRef>
+          </p:style>
+          <p:txBody>
+            <a:bodyPr rtlCol="0" anchor="ctr"/>
+            <a:lstStyle/>
+            <a:p>
+              <a:pPr algn="ctr"/>
+              <a:endParaRPr lang="bg-BG"/>
+            </a:p>
+          </p:txBody>
+        </p:sp>
+        <p:sp>
+          <p:nvSpPr>
+            <p:cNvPr id="31" name="Rectangle: Rounded Corners 30">
+              <a:extLst>
+                <a:ext uri="{FF2B5EF4-FFF2-40B4-BE49-F238E27FC236}">
+                  <a16:creationId xmlns:a16="http://schemas.microsoft.com/office/drawing/2014/main" id="{A92CF92B-C212-4542-83AE-A0058B5BB5EA}"/>
+                </a:ext>
+              </a:extLst>
+            </p:cNvPr>
+            <p:cNvSpPr/>
+            <p:nvPr/>
+          </p:nvSpPr>
+          <p:spPr>
+            <a:xfrm>
+              <a:off x="4533357" y="4542116"/>
+              <a:ext cx="619670" cy="150699"/>
+            </a:xfrm>
+            <a:prstGeom prst="roundRect">
+              <a:avLst/>
+            </a:prstGeom>
+            <a:solidFill>
+              <a:srgbClr val="F2A40D"/>
+            </a:solidFill>
+            <a:ln w="38100">
+              <a:solidFill>
+                <a:srgbClr val="464646"/>
+              </a:solidFill>
+            </a:ln>
+            <a:effectLst>
+              <a:outerShdw blurRad="152400" dist="381000" dir="5400000" sx="70000" sy="70000" rotWithShape="0">
+                <a:prstClr val="black">
+                  <a:alpha val="30000"/>
+                </a:prstClr>
+              </a:outerShdw>
+            </a:effectLst>
+          </p:spPr>
+          <p:style>
+            <a:lnRef idx="2">
+              <a:schemeClr val="accent1">
+                <a:shade val="50000"/>
+              </a:schemeClr>
+            </a:lnRef>
+            <a:fillRef idx="1">
+              <a:schemeClr val="accent1"/>
+            </a:fillRef>
+            <a:effectRef idx="0">
+              <a:schemeClr val="accent1"/>
+            </a:effectRef>
+            <a:fontRef idx="minor">
+              <a:schemeClr val="lt1"/>
+            </a:fontRef>
+          </p:style>
+          <p:txBody>
+            <a:bodyPr rtlCol="0" anchor="ctr"/>
+            <a:lstStyle/>
+            <a:p>
+              <a:pPr algn="ctr"/>
+              <a:endParaRPr lang="bg-BG"/>
+            </a:p>
+          </p:txBody>
+        </p:sp>
+        <p:cxnSp>
+          <p:nvCxnSpPr>
+            <p:cNvPr id="32" name="Straight Connector 31">
+              <a:extLst>
+                <a:ext uri="{FF2B5EF4-FFF2-40B4-BE49-F238E27FC236}">
+                  <a16:creationId xmlns:a16="http://schemas.microsoft.com/office/drawing/2014/main" id="{563B4374-5C0D-461F-B3BD-78D99614D365}"/>
+                </a:ext>
+              </a:extLst>
+            </p:cNvPr>
+            <p:cNvCxnSpPr>
+              <a:cxnSpLocks/>
+            </p:cNvCxnSpPr>
+            <p:nvPr/>
+          </p:nvCxnSpPr>
+          <p:spPr>
+            <a:xfrm flipH="1" flipV="1">
+              <a:off x="4472677" y="2844800"/>
+              <a:ext cx="161562" cy="1164292"/>
+            </a:xfrm>
+            <a:prstGeom prst="line">
+              <a:avLst/>
+            </a:prstGeom>
+            <a:solidFill>
+              <a:srgbClr val="464646"/>
+            </a:solidFill>
+            <a:ln w="38100">
+              <a:solidFill>
+                <a:srgbClr val="464646"/>
+              </a:solidFill>
+            </a:ln>
+          </p:spPr>
+          <p:style>
+            <a:lnRef idx="1">
+              <a:schemeClr val="dk1"/>
+            </a:lnRef>
+            <a:fillRef idx="0">
+              <a:schemeClr val="dk1"/>
+            </a:fillRef>
+            <a:effectRef idx="0">
+              <a:schemeClr val="dk1"/>
+            </a:effectRef>
+            <a:fontRef idx="minor">
+              <a:schemeClr val="tx1"/>
+            </a:fontRef>
+          </p:style>
+        </p:cxnSp>
+        <p:cxnSp>
+          <p:nvCxnSpPr>
+            <p:cNvPr id="33" name="Straight Connector 32">
+              <a:extLst>
+                <a:ext uri="{FF2B5EF4-FFF2-40B4-BE49-F238E27FC236}">
+                  <a16:creationId xmlns:a16="http://schemas.microsoft.com/office/drawing/2014/main" id="{FBC6FDE7-AEA1-4230-8433-4C088A0FF5F9}"/>
+                </a:ext>
+              </a:extLst>
+            </p:cNvPr>
+            <p:cNvCxnSpPr>
+              <a:cxnSpLocks/>
+            </p:cNvCxnSpPr>
+            <p:nvPr/>
+          </p:nvCxnSpPr>
+          <p:spPr>
+            <a:xfrm flipH="1">
+              <a:off x="4578548" y="3618567"/>
+              <a:ext cx="528128" cy="0"/>
+            </a:xfrm>
+            <a:prstGeom prst="line">
+              <a:avLst/>
+            </a:prstGeom>
+            <a:solidFill>
+              <a:srgbClr val="464646"/>
+            </a:solidFill>
+            <a:ln w="38100">
+              <a:solidFill>
+                <a:srgbClr val="464646"/>
+              </a:solidFill>
+            </a:ln>
+          </p:spPr>
+          <p:style>
+            <a:lnRef idx="1">
+              <a:schemeClr val="dk1"/>
+            </a:lnRef>
+            <a:fillRef idx="0">
+              <a:schemeClr val="dk1"/>
+            </a:fillRef>
+            <a:effectRef idx="0">
+              <a:schemeClr val="dk1"/>
+            </a:effectRef>
+            <a:fontRef idx="minor">
+              <a:schemeClr val="tx1"/>
+            </a:fontRef>
+          </p:style>
+        </p:cxnSp>
+        <p:grpSp>
+          <p:nvGrpSpPr>
+            <p:cNvPr id="34" name="Group 33">
+              <a:extLst>
+                <a:ext uri="{FF2B5EF4-FFF2-40B4-BE49-F238E27FC236}">
+                  <a16:creationId xmlns:a16="http://schemas.microsoft.com/office/drawing/2014/main" id="{C4D1021D-07C7-4331-8FF6-36980A30978B}"/>
+                </a:ext>
+              </a:extLst>
+            </p:cNvPr>
+            <p:cNvGrpSpPr/>
+            <p:nvPr/>
+          </p:nvGrpSpPr>
+          <p:grpSpPr>
+            <a:xfrm>
+              <a:off x="4203288" y="2479090"/>
+              <a:ext cx="436874" cy="448528"/>
+              <a:chOff x="2320288" y="2903541"/>
+              <a:chExt cx="332555" cy="302680"/>
+            </a:xfrm>
+            <a:solidFill>
+              <a:srgbClr val="464646"/>
+            </a:solidFill>
+          </p:grpSpPr>
+          <p:cxnSp>
+            <p:nvCxnSpPr>
+              <p:cNvPr id="40" name="Straight Connector 39">
+                <a:extLst>
+                  <a:ext uri="{FF2B5EF4-FFF2-40B4-BE49-F238E27FC236}">
+                    <a16:creationId xmlns:a16="http://schemas.microsoft.com/office/drawing/2014/main" id="{13B7FE99-95CF-45D5-966B-87A979B93431}"/>
+                  </a:ext>
+                </a:extLst>
+              </p:cNvPr>
+              <p:cNvCxnSpPr>
+                <a:cxnSpLocks/>
+              </p:cNvCxnSpPr>
+              <p:nvPr/>
+            </p:nvCxnSpPr>
+            <p:spPr>
+              <a:xfrm flipH="1" flipV="1">
+                <a:off x="2321560" y="3054881"/>
+                <a:ext cx="331283" cy="151340"/>
+              </a:xfrm>
+              <a:prstGeom prst="line">
+                <a:avLst/>
+              </a:prstGeom>
+              <a:grpFill/>
+              <a:ln w="38100" cap="rnd">
+                <a:solidFill>
+                  <a:srgbClr val="464646"/>
+                </a:solidFill>
+              </a:ln>
+            </p:spPr>
+            <p:style>
+              <a:lnRef idx="1">
+                <a:schemeClr val="dk1"/>
+              </a:lnRef>
+              <a:fillRef idx="0">
+                <a:schemeClr val="dk1"/>
+              </a:fillRef>
+              <a:effectRef idx="0">
+                <a:schemeClr val="dk1"/>
+              </a:effectRef>
+              <a:fontRef idx="minor">
+                <a:schemeClr val="tx1"/>
+              </a:fontRef>
+            </p:style>
+          </p:cxnSp>
+          <p:cxnSp>
+            <p:nvCxnSpPr>
+              <p:cNvPr id="41" name="Straight Connector 40">
+                <a:extLst>
+                  <a:ext uri="{FF2B5EF4-FFF2-40B4-BE49-F238E27FC236}">
+                    <a16:creationId xmlns:a16="http://schemas.microsoft.com/office/drawing/2014/main" id="{71BBA69B-19FF-4ADB-A739-AD8136A5F0A6}"/>
+                  </a:ext>
+                </a:extLst>
+              </p:cNvPr>
+              <p:cNvCxnSpPr>
+                <a:cxnSpLocks/>
+              </p:cNvCxnSpPr>
+              <p:nvPr/>
+            </p:nvCxnSpPr>
+            <p:spPr>
+              <a:xfrm flipH="1">
+                <a:off x="2320288" y="2903541"/>
+                <a:ext cx="331283" cy="151340"/>
+              </a:xfrm>
+              <a:prstGeom prst="line">
+                <a:avLst/>
+              </a:prstGeom>
+              <a:grpFill/>
+              <a:ln w="38100" cap="rnd">
+                <a:solidFill>
+                  <a:srgbClr val="464646"/>
+                </a:solidFill>
+              </a:ln>
+            </p:spPr>
+            <p:style>
+              <a:lnRef idx="1">
+                <a:schemeClr val="dk1"/>
+              </a:lnRef>
+              <a:fillRef idx="0">
+                <a:schemeClr val="dk1"/>
+              </a:fillRef>
+              <a:effectRef idx="0">
+                <a:schemeClr val="dk1"/>
+              </a:effectRef>
+              <a:fontRef idx="minor">
+                <a:schemeClr val="tx1"/>
+              </a:fontRef>
+            </p:style>
+          </p:cxnSp>
+        </p:grpSp>
+        <p:cxnSp>
+          <p:nvCxnSpPr>
+            <p:cNvPr id="35" name="Straight Connector 34">
+              <a:extLst>
+                <a:ext uri="{FF2B5EF4-FFF2-40B4-BE49-F238E27FC236}">
+                  <a16:creationId xmlns:a16="http://schemas.microsoft.com/office/drawing/2014/main" id="{BFD1D86B-562B-40B2-8E46-34233EFEE7FC}"/>
+                </a:ext>
+              </a:extLst>
+            </p:cNvPr>
+            <p:cNvCxnSpPr>
+              <a:cxnSpLocks/>
+            </p:cNvCxnSpPr>
+            <p:nvPr/>
+          </p:nvCxnSpPr>
+          <p:spPr>
+            <a:xfrm flipV="1">
+              <a:off x="5048904" y="2844800"/>
+              <a:ext cx="142425" cy="1164292"/>
+            </a:xfrm>
+            <a:prstGeom prst="line">
+              <a:avLst/>
+            </a:prstGeom>
+            <a:solidFill>
+              <a:srgbClr val="464646"/>
+            </a:solidFill>
+            <a:ln w="38100">
+              <a:solidFill>
+                <a:srgbClr val="464646"/>
+              </a:solidFill>
+            </a:ln>
+          </p:spPr>
+          <p:style>
+            <a:lnRef idx="1">
+              <a:schemeClr val="dk1"/>
+            </a:lnRef>
+            <a:fillRef idx="0">
+              <a:schemeClr val="dk1"/>
+            </a:fillRef>
+            <a:effectRef idx="0">
+              <a:schemeClr val="dk1"/>
+            </a:effectRef>
+            <a:fontRef idx="minor">
+              <a:schemeClr val="tx1"/>
+            </a:fontRef>
+          </p:style>
+        </p:cxnSp>
+        <p:sp>
+          <p:nvSpPr>
+            <p:cNvPr id="36" name="Rectangle: Rounded Corners 35">
+              <a:extLst>
+                <a:ext uri="{FF2B5EF4-FFF2-40B4-BE49-F238E27FC236}">
+                  <a16:creationId xmlns:a16="http://schemas.microsoft.com/office/drawing/2014/main" id="{388C17BD-16A1-43C5-BFFA-2FF9174719E1}"/>
+                </a:ext>
+              </a:extLst>
+            </p:cNvPr>
+            <p:cNvSpPr/>
+            <p:nvPr/>
+          </p:nvSpPr>
+          <p:spPr>
+            <a:xfrm>
+              <a:off x="4355556" y="4106208"/>
+              <a:ext cx="975271" cy="150698"/>
+            </a:xfrm>
+            <a:prstGeom prst="roundRect">
+              <a:avLst/>
+            </a:prstGeom>
+            <a:solidFill>
+              <a:srgbClr val="F2A40D"/>
+            </a:solidFill>
+            <a:ln w="38100">
+              <a:solidFill>
+                <a:srgbClr val="464646"/>
+              </a:solidFill>
+            </a:ln>
+          </p:spPr>
+          <p:style>
+            <a:lnRef idx="2">
+              <a:schemeClr val="accent1">
+                <a:shade val="50000"/>
+              </a:schemeClr>
+            </a:lnRef>
+            <a:fillRef idx="1">
+              <a:schemeClr val="accent1"/>
+            </a:fillRef>
+            <a:effectRef idx="0">
+              <a:schemeClr val="accent1"/>
+            </a:effectRef>
+            <a:fontRef idx="minor">
+              <a:schemeClr val="lt1"/>
+            </a:fontRef>
+          </p:style>
+          <p:txBody>
+            <a:bodyPr rtlCol="0" anchor="ctr"/>
+            <a:lstStyle/>
+            <a:p>
+              <a:pPr algn="ctr"/>
+              <a:endParaRPr lang="bg-BG"/>
+            </a:p>
+          </p:txBody>
+        </p:sp>
+        <p:grpSp>
+          <p:nvGrpSpPr>
+            <p:cNvPr id="37" name="Group 36">
+              <a:extLst>
+                <a:ext uri="{FF2B5EF4-FFF2-40B4-BE49-F238E27FC236}">
+                  <a16:creationId xmlns:a16="http://schemas.microsoft.com/office/drawing/2014/main" id="{1B3B910E-ACFC-4F28-8E28-F02E1588B87E}"/>
+                </a:ext>
+              </a:extLst>
+            </p:cNvPr>
+            <p:cNvGrpSpPr/>
+            <p:nvPr/>
+          </p:nvGrpSpPr>
+          <p:grpSpPr>
+            <a:xfrm flipH="1">
+              <a:off x="5035162" y="2479090"/>
+              <a:ext cx="436872" cy="448528"/>
+              <a:chOff x="2320288" y="2903541"/>
+              <a:chExt cx="332555" cy="302680"/>
+            </a:xfrm>
+            <a:solidFill>
+              <a:srgbClr val="464646"/>
+            </a:solidFill>
+          </p:grpSpPr>
+          <p:cxnSp>
+            <p:nvCxnSpPr>
+              <p:cNvPr id="38" name="Straight Connector 37">
+                <a:extLst>
+                  <a:ext uri="{FF2B5EF4-FFF2-40B4-BE49-F238E27FC236}">
+                    <a16:creationId xmlns:a16="http://schemas.microsoft.com/office/drawing/2014/main" id="{F57772B6-06C0-4F54-AA94-D3F92DA4716A}"/>
+                  </a:ext>
+                </a:extLst>
+              </p:cNvPr>
+              <p:cNvCxnSpPr>
+                <a:cxnSpLocks/>
+              </p:cNvCxnSpPr>
+              <p:nvPr/>
+            </p:nvCxnSpPr>
+            <p:spPr>
+              <a:xfrm flipH="1" flipV="1">
+                <a:off x="2321560" y="3054881"/>
+                <a:ext cx="331283" cy="151340"/>
+              </a:xfrm>
+              <a:prstGeom prst="line">
+                <a:avLst/>
+              </a:prstGeom>
+              <a:grpFill/>
+              <a:ln w="38100" cap="rnd">
+                <a:solidFill>
+                  <a:srgbClr val="464646"/>
+                </a:solidFill>
+              </a:ln>
+            </p:spPr>
+            <p:style>
+              <a:lnRef idx="1">
+                <a:schemeClr val="dk1"/>
+              </a:lnRef>
+              <a:fillRef idx="0">
+                <a:schemeClr val="dk1"/>
+              </a:fillRef>
+              <a:effectRef idx="0">
+                <a:schemeClr val="dk1"/>
+              </a:effectRef>
+              <a:fontRef idx="minor">
+                <a:schemeClr val="tx1"/>
+              </a:fontRef>
+            </p:style>
+          </p:cxnSp>
+          <p:cxnSp>
+            <p:nvCxnSpPr>
+              <p:cNvPr id="39" name="Straight Connector 38">
+                <a:extLst>
+                  <a:ext uri="{FF2B5EF4-FFF2-40B4-BE49-F238E27FC236}">
+                    <a16:creationId xmlns:a16="http://schemas.microsoft.com/office/drawing/2014/main" id="{23370C1F-7876-4278-AB20-78F6CAA385E2}"/>
+                  </a:ext>
+                </a:extLst>
+              </p:cNvPr>
+              <p:cNvCxnSpPr>
+                <a:cxnSpLocks/>
+              </p:cNvCxnSpPr>
+              <p:nvPr/>
+            </p:nvCxnSpPr>
+            <p:spPr>
+              <a:xfrm flipH="1">
+                <a:off x="2320288" y="2903541"/>
+                <a:ext cx="331283" cy="151340"/>
+              </a:xfrm>
+              <a:prstGeom prst="line">
+                <a:avLst/>
+              </a:prstGeom>
+              <a:grpFill/>
+              <a:ln w="38100" cap="rnd">
+                <a:solidFill>
+                  <a:srgbClr val="464646"/>
+                </a:solidFill>
+              </a:ln>
+            </p:spPr>
+            <p:style>
+              <a:lnRef idx="1">
+                <a:schemeClr val="dk1"/>
+              </a:lnRef>
+              <a:fillRef idx="0">
+                <a:schemeClr val="dk1"/>
+              </a:fillRef>
+              <a:effectRef idx="0">
+                <a:schemeClr val="dk1"/>
+              </a:effectRef>
+              <a:fontRef idx="minor">
+                <a:schemeClr val="tx1"/>
+              </a:fontRef>
+            </p:style>
+          </p:cxnSp>
+        </p:grpSp>
+      </p:grpSp>
     </p:spTree>
     <p:extLst>
       <p:ext uri="{BB962C8B-B14F-4D97-AF65-F5344CB8AC3E}">
@@ -6996,7 +9408,7 @@
           <p:nvPr userDrawn="1"/>
         </p:nvPicPr>
         <p:blipFill>
-          <a:blip r:embed="rId2" cstate="hqprint">
+          <a:blip r:embed="rId2">
             <a:extLst>
               <a:ext uri="{28A0092B-C50C-407E-A947-70E740481C1C}">
                 <a14:useLocalDpi xmlns:a14="http://schemas.microsoft.com/office/drawing/2010/main" val="0"/>
@@ -7080,371 +9492,6 @@
 </file>
 
 <file path=ppt/slideLayouts/slideLayout8.xml><?xml version="1.0" encoding="utf-8"?>
-<p:sldLayout xmlns:a="http://schemas.openxmlformats.org/drawingml/2006/main" xmlns:r="http://schemas.openxmlformats.org/officeDocument/2006/relationships" xmlns:p="http://schemas.openxmlformats.org/presentationml/2006/main" preserve="1" userDrawn="1">
-  <p:cSld name="Table of Contents">
-    <p:spTree>
-      <p:nvGrpSpPr>
-        <p:cNvPr id="1" name=""/>
-        <p:cNvGrpSpPr/>
-        <p:nvPr/>
-      </p:nvGrpSpPr>
-      <p:grpSpPr>
-        <a:xfrm>
-          <a:off x="0" y="0"/>
-          <a:ext cx="0" cy="0"/>
-          <a:chOff x="0" y="0"/>
-          <a:chExt cx="0" cy="0"/>
-        </a:xfrm>
-      </p:grpSpPr>
-      <p:sp>
-        <p:nvSpPr>
-          <p:cNvPr id="10" name="Slide Number">
-            <a:extLst>
-              <a:ext uri="{FF2B5EF4-FFF2-40B4-BE49-F238E27FC236}">
-                <a16:creationId xmlns:a16="http://schemas.microsoft.com/office/drawing/2014/main" id="{39DDE17E-5472-41F3-AF5F-54DFF10DC63C}"/>
-              </a:ext>
-            </a:extLst>
-          </p:cNvPr>
-          <p:cNvSpPr>
-            <a:spLocks noGrp="1"/>
-          </p:cNvSpPr>
-          <p:nvPr>
-            <p:ph type="sldNum" sz="quarter" idx="4"/>
-          </p:nvPr>
-        </p:nvSpPr>
-        <p:spPr>
-          <a:xfrm>
-            <a:off x="11753030" y="6507000"/>
-            <a:ext cx="367414" cy="297000"/>
-          </a:xfrm>
-          <a:prstGeom prst="rect">
-            <a:avLst/>
-          </a:prstGeom>
-        </p:spPr>
-        <p:txBody>
-          <a:bodyPr vert="horz" lIns="91440" tIns="45720" rIns="91440" bIns="45720" rtlCol="0" anchor="b"/>
-          <a:lstStyle>
-            <a:lvl1pPr algn="r">
-              <a:defRPr sz="1000"/>
-            </a:lvl1pPr>
-          </a:lstStyle>
-          <a:p>
-            <a:fld id="{2BF067CD-8E6B-4360-9AA8-C5DF2A48A6D1}" type="slidenum">
-              <a:rPr lang="en-US" noProof="0" smtClean="0"/>
-              <a:pPr/>
-              <a:t>‹#›</a:t>
-            </a:fld>
-            <a:endParaRPr lang="en-US" noProof="0"/>
-          </a:p>
-        </p:txBody>
-      </p:sp>
-      <p:pic>
-        <p:nvPicPr>
-          <p:cNvPr id="9" name="Picture SoftUni Mascot" descr="SoftUni mascot with laptop">
-            <a:extLst>
-              <a:ext uri="{FF2B5EF4-FFF2-40B4-BE49-F238E27FC236}">
-                <a16:creationId xmlns:a16="http://schemas.microsoft.com/office/drawing/2014/main" id="{DC4365F6-D2C1-47B4-8477-38FD2C7711AA}"/>
-              </a:ext>
-            </a:extLst>
-          </p:cNvPr>
-          <p:cNvPicPr>
-            <a:picLocks noChangeAspect="1"/>
-          </p:cNvPicPr>
-          <p:nvPr/>
-        </p:nvPicPr>
-        <p:blipFill>
-          <a:blip r:embed="rId2" cstate="print">
-            <a:extLst>
-              <a:ext uri="{28A0092B-C50C-407E-A947-70E740481C1C}">
-                <a14:useLocalDpi xmlns:a14="http://schemas.microsoft.com/office/drawing/2010/main" val="0"/>
-              </a:ext>
-            </a:extLst>
-          </a:blip>
-          <a:stretch>
-            <a:fillRect/>
-          </a:stretch>
-        </p:blipFill>
-        <p:spPr>
-          <a:xfrm flipH="1">
-            <a:off x="9516000" y="3408496"/>
-            <a:ext cx="2251057" cy="3044431"/>
-          </a:xfrm>
-          <a:prstGeom prst="rect">
-            <a:avLst/>
-          </a:prstGeom>
-        </p:spPr>
-      </p:pic>
-      <p:sp>
-        <p:nvSpPr>
-          <p:cNvPr id="23" name="Slide Body Text">
-            <a:extLst>
-              <a:ext uri="{FF2B5EF4-FFF2-40B4-BE49-F238E27FC236}">
-                <a16:creationId xmlns:a16="http://schemas.microsoft.com/office/drawing/2014/main" id="{889D93F4-ABFA-46BF-8E5D-FE6562ACB20F}"/>
-              </a:ext>
-            </a:extLst>
-          </p:cNvPr>
-          <p:cNvSpPr>
-            <a:spLocks noGrp="1"/>
-          </p:cNvSpPr>
-          <p:nvPr>
-            <p:ph type="body" sz="quarter" idx="13" hasCustomPrompt="1"/>
-          </p:nvPr>
-        </p:nvSpPr>
-        <p:spPr>
-          <a:xfrm>
-            <a:off x="196766" y="1371604"/>
-            <a:ext cx="9049234" cy="5207396"/>
-          </a:xfrm>
-        </p:spPr>
-        <p:txBody>
-          <a:bodyPr>
-            <a:normAutofit/>
-          </a:bodyPr>
-          <a:lstStyle>
-            <a:lvl1pPr marL="514042" indent="-514042" latinLnBrk="0">
-              <a:buFont typeface="+mj-lt"/>
-              <a:buAutoNum type="arabicPeriod"/>
-              <a:defRPr sz="3600">
-                <a:solidFill>
-                  <a:schemeClr val="tx1"/>
-                </a:solidFill>
-              </a:defRPr>
-            </a:lvl1pPr>
-            <a:lvl2pPr>
-              <a:defRPr sz="3400"/>
-            </a:lvl2pPr>
-          </a:lstStyle>
-          <a:p>
-            <a:pPr lvl="0"/>
-            <a:r>
-              <a:rPr lang="en-US" noProof="0"/>
-              <a:t>…</a:t>
-            </a:r>
-          </a:p>
-          <a:p>
-            <a:pPr lvl="1"/>
-            <a:r>
-              <a:rPr lang="en-US" noProof="0"/>
-              <a:t>…</a:t>
-            </a:r>
-          </a:p>
-          <a:p>
-            <a:pPr lvl="1"/>
-            <a:r>
-              <a:rPr lang="en-US" noProof="0"/>
-              <a:t>…</a:t>
-            </a:r>
-          </a:p>
-          <a:p>
-            <a:pPr lvl="0"/>
-            <a:r>
-              <a:rPr lang="en-US" noProof="0"/>
-              <a:t>…</a:t>
-            </a:r>
-          </a:p>
-          <a:p>
-            <a:pPr lvl="1"/>
-            <a:r>
-              <a:rPr lang="en-US" noProof="0"/>
-              <a:t>…</a:t>
-            </a:r>
-          </a:p>
-          <a:p>
-            <a:pPr lvl="1"/>
-            <a:r>
-              <a:rPr lang="en-US" noProof="0"/>
-              <a:t>…</a:t>
-            </a:r>
-          </a:p>
-          <a:p>
-            <a:pPr lvl="0"/>
-            <a:r>
-              <a:rPr lang="en-US" noProof="0"/>
-              <a:t>…</a:t>
-            </a:r>
-          </a:p>
-        </p:txBody>
-      </p:sp>
-      <p:sp>
-        <p:nvSpPr>
-          <p:cNvPr id="8" name="Rectangle Top">
-            <a:extLst>
-              <a:ext uri="{FF2B5EF4-FFF2-40B4-BE49-F238E27FC236}">
-                <a16:creationId xmlns:a16="http://schemas.microsoft.com/office/drawing/2014/main" id="{930E0800-9260-4369-8330-8264DD33C5CE}"/>
-              </a:ext>
-            </a:extLst>
-          </p:cNvPr>
-          <p:cNvSpPr/>
-          <p:nvPr userDrawn="1"/>
-        </p:nvSpPr>
-        <p:spPr>
-          <a:xfrm>
-            <a:off x="0" y="0"/>
-            <a:ext cx="12196800" cy="1095376"/>
-          </a:xfrm>
-          <a:prstGeom prst="rect">
-            <a:avLst/>
-          </a:prstGeom>
-          <a:solidFill>
-            <a:schemeClr val="tx2"/>
-          </a:solidFill>
-          <a:ln>
-            <a:noFill/>
-          </a:ln>
-        </p:spPr>
-        <p:style>
-          <a:lnRef idx="2">
-            <a:schemeClr val="accent1">
-              <a:shade val="50000"/>
-            </a:schemeClr>
-          </a:lnRef>
-          <a:fillRef idx="1">
-            <a:schemeClr val="accent1"/>
-          </a:fillRef>
-          <a:effectRef idx="0">
-            <a:schemeClr val="accent1"/>
-          </a:effectRef>
-          <a:fontRef idx="minor">
-            <a:schemeClr val="lt1"/>
-          </a:fontRef>
-        </p:style>
-        <p:txBody>
-          <a:bodyPr rtlCol="0" anchor="ctr"/>
-          <a:lstStyle/>
-          <a:p>
-            <a:pPr marL="0" marR="0" lvl="0" indent="0" algn="ctr" defTabSz="913852" rtl="0" eaLnBrk="1" fontAlgn="auto" latinLnBrk="0" hangingPunct="1">
-              <a:lnSpc>
-                <a:spcPct val="100000"/>
-              </a:lnSpc>
-              <a:spcBef>
-                <a:spcPts val="0"/>
-              </a:spcBef>
-              <a:spcAft>
-                <a:spcPts val="0"/>
-              </a:spcAft>
-              <a:buClrTx/>
-              <a:buSzTx/>
-              <a:buFontTx/>
-              <a:buNone/>
-              <a:tabLst/>
-              <a:defRPr/>
-            </a:pPr>
-            <a:endParaRPr kumimoji="0" lang="en-US" altLang="ko-KR" sz="2398" b="0" i="0" u="none" strike="noStrike" kern="1200" cap="none" spc="0" normalizeH="0" baseline="0" noProof="0">
-              <a:ln>
-                <a:noFill/>
-              </a:ln>
-              <a:solidFill>
-                <a:srgbClr val="F7C86D"/>
-              </a:solidFill>
-              <a:effectLst/>
-              <a:uLnTx/>
-              <a:uFillTx/>
-              <a:latin typeface="Calibri" panose="020F0502020204030204"/>
-              <a:ea typeface="맑은 고딕" panose="020B0503020000020004" pitchFamily="34" charset="-127"/>
-              <a:cs typeface="+mn-cs"/>
-            </a:endParaRPr>
-          </a:p>
-        </p:txBody>
-      </p:sp>
-      <p:pic>
-        <p:nvPicPr>
-          <p:cNvPr id="11" name="Logo Software University" descr="Software University logo">
-            <a:extLst>
-              <a:ext uri="{FF2B5EF4-FFF2-40B4-BE49-F238E27FC236}">
-                <a16:creationId xmlns:a16="http://schemas.microsoft.com/office/drawing/2014/main" id="{14F779A7-4A91-448B-BEFA-956C70A1C22F}"/>
-              </a:ext>
-            </a:extLst>
-          </p:cNvPr>
-          <p:cNvPicPr>
-            <a:picLocks noChangeAspect="1"/>
-          </p:cNvPicPr>
-          <p:nvPr userDrawn="1"/>
-        </p:nvPicPr>
-        <p:blipFill>
-          <a:blip r:embed="rId3" cstate="hqprint">
-            <a:extLst>
-              <a:ext uri="{28A0092B-C50C-407E-A947-70E740481C1C}">
-                <a14:useLocalDpi xmlns:a14="http://schemas.microsoft.com/office/drawing/2010/main" val="0"/>
-              </a:ext>
-            </a:extLst>
-          </a:blip>
-          <a:stretch>
-            <a:fillRect/>
-          </a:stretch>
-        </p:blipFill>
-        <p:spPr>
-          <a:xfrm>
-            <a:off x="10067957" y="253936"/>
-            <a:ext cx="1915704" cy="559235"/>
-          </a:xfrm>
-          <a:prstGeom prst="rect">
-            <a:avLst/>
-          </a:prstGeom>
-        </p:spPr>
-      </p:pic>
-      <p:sp>
-        <p:nvSpPr>
-          <p:cNvPr id="13" name="Slide Title">
-            <a:extLst>
-              <a:ext uri="{FF2B5EF4-FFF2-40B4-BE49-F238E27FC236}">
-                <a16:creationId xmlns:a16="http://schemas.microsoft.com/office/drawing/2014/main" id="{357D7BE1-6358-42CC-94F3-7BCDD91DCB6D}"/>
-              </a:ext>
-            </a:extLst>
-          </p:cNvPr>
-          <p:cNvSpPr>
-            <a:spLocks noGrp="1"/>
-          </p:cNvSpPr>
-          <p:nvPr>
-            <p:ph type="title" hasCustomPrompt="1"/>
-          </p:nvPr>
-        </p:nvSpPr>
-        <p:spPr>
-          <a:xfrm>
-            <a:off x="190406" y="100750"/>
-            <a:ext cx="9715594" cy="882654"/>
-          </a:xfrm>
-        </p:spPr>
-        <p:txBody>
-          <a:bodyPr/>
-          <a:lstStyle>
-            <a:lvl1pPr latinLnBrk="0">
-              <a:defRPr>
-                <a:solidFill>
-                  <a:schemeClr val="bg2"/>
-                </a:solidFill>
-              </a:defRPr>
-            </a:lvl1pPr>
-          </a:lstStyle>
-          <a:p>
-            <a:r>
-              <a:rPr lang="en-US" noProof="0" dirty="0"/>
-              <a:t>Table of Contents</a:t>
-            </a:r>
-          </a:p>
-        </p:txBody>
-      </p:sp>
-    </p:spTree>
-    <p:extLst>
-      <p:ext uri="{BB962C8B-B14F-4D97-AF65-F5344CB8AC3E}">
-        <p14:creationId xmlns:p14="http://schemas.microsoft.com/office/powerpoint/2010/main" val="1028724482"/>
-      </p:ext>
-    </p:extLst>
-  </p:cSld>
-  <p:clrMapOvr>
-    <a:masterClrMapping/>
-  </p:clrMapOvr>
-  <mc:AlternateContent xmlns:mc="http://schemas.openxmlformats.org/markup-compatibility/2006" xmlns:p14="http://schemas.microsoft.com/office/powerpoint/2010/main">
-    <mc:Choice Requires="p14">
-      <p:transition spd="slow" p14:dur="2000" advClick="0" advTm="5000"/>
-    </mc:Choice>
-    <mc:Fallback xmlns="">
-      <p:transition spd="slow" advClick="0" advTm="5000"/>
-    </mc:Fallback>
-  </mc:AlternateContent>
-</p:sldLayout>
-</file>
-
-<file path=ppt/slideLayouts/slideLayout9.xml><?xml version="1.0" encoding="utf-8"?>
 <p:sldLayout xmlns:a="http://schemas.openxmlformats.org/drawingml/2006/main" xmlns:r="http://schemas.openxmlformats.org/officeDocument/2006/relationships" xmlns:p="http://schemas.openxmlformats.org/presentationml/2006/main" preserve="1" userDrawn="1">
   <p:cSld name="Comparison Slide">
     <p:spTree>
@@ -7952,7 +9999,7 @@
           <p:nvPr userDrawn="1"/>
         </p:nvPicPr>
         <p:blipFill>
-          <a:blip r:embed="rId3" cstate="hqprint">
+          <a:blip r:embed="rId3">
             <a:extLst>
               <a:ext uri="{28A0092B-C50C-407E-A947-70E740481C1C}">
                 <a14:useLocalDpi xmlns:a14="http://schemas.microsoft.com/office/drawing/2010/main" val="0"/>
@@ -8051,6 +10098,631 @@
 </p:sldLayout>
 </file>
 
+<file path=ppt/slideLayouts/slideLayout9.xml><?xml version="1.0" encoding="utf-8"?>
+<p:sldLayout xmlns:a="http://schemas.openxmlformats.org/drawingml/2006/main" xmlns:r="http://schemas.openxmlformats.org/officeDocument/2006/relationships" xmlns:p="http://schemas.openxmlformats.org/presentationml/2006/main" preserve="1" userDrawn="1">
+  <p:cSld name="Image and Content">
+    <p:spTree>
+      <p:nvGrpSpPr>
+        <p:cNvPr id="1" name=""/>
+        <p:cNvGrpSpPr/>
+        <p:nvPr/>
+      </p:nvGrpSpPr>
+      <p:grpSpPr>
+        <a:xfrm>
+          <a:off x="0" y="0"/>
+          <a:ext cx="0" cy="0"/>
+          <a:chOff x="0" y="0"/>
+          <a:chExt cx="0" cy="0"/>
+        </a:xfrm>
+      </p:grpSpPr>
+      <p:sp>
+        <p:nvSpPr>
+          <p:cNvPr id="15" name="Slide Number">
+            <a:extLst>
+              <a:ext uri="{FF2B5EF4-FFF2-40B4-BE49-F238E27FC236}">
+                <a16:creationId xmlns:a16="http://schemas.microsoft.com/office/drawing/2014/main" id="{F888EE71-82B3-40F1-A63F-7417422FB4A4}"/>
+              </a:ext>
+            </a:extLst>
+          </p:cNvPr>
+          <p:cNvSpPr>
+            <a:spLocks noGrp="1"/>
+          </p:cNvSpPr>
+          <p:nvPr>
+            <p:ph type="sldNum" sz="quarter" idx="4"/>
+          </p:nvPr>
+        </p:nvSpPr>
+        <p:spPr>
+          <a:xfrm>
+            <a:off x="11753030" y="6444000"/>
+            <a:ext cx="367414" cy="297000"/>
+          </a:xfrm>
+          <a:prstGeom prst="rect">
+            <a:avLst/>
+          </a:prstGeom>
+        </p:spPr>
+        <p:txBody>
+          <a:bodyPr vert="horz" lIns="91440" tIns="45720" rIns="91440" bIns="45720" rtlCol="0" anchor="b"/>
+          <a:lstStyle>
+            <a:lvl1pPr algn="r">
+              <a:defRPr sz="1000"/>
+            </a:lvl1pPr>
+          </a:lstStyle>
+          <a:p>
+            <a:fld id="{2BF067CD-8E6B-4360-9AA8-C5DF2A48A6D1}" type="slidenum">
+              <a:rPr lang="en-US" noProof="0" smtClean="0"/>
+              <a:pPr/>
+              <a:t>‹#›</a:t>
+            </a:fld>
+            <a:endParaRPr lang="en-US" noProof="0"/>
+          </a:p>
+        </p:txBody>
+      </p:sp>
+      <p:sp>
+        <p:nvSpPr>
+          <p:cNvPr id="14" name="Text Placeholder Body">
+            <a:extLst>
+              <a:ext uri="{FF2B5EF4-FFF2-40B4-BE49-F238E27FC236}">
+                <a16:creationId xmlns:a16="http://schemas.microsoft.com/office/drawing/2014/main" id="{A2ABE920-240F-4CF6-AD45-23ED489FAD6E}"/>
+              </a:ext>
+            </a:extLst>
+          </p:cNvPr>
+          <p:cNvSpPr>
+            <a:spLocks noGrp="1"/>
+          </p:cNvSpPr>
+          <p:nvPr>
+            <p:ph type="body" sz="quarter" idx="13" hasCustomPrompt="1"/>
+          </p:nvPr>
+        </p:nvSpPr>
+        <p:spPr>
+          <a:xfrm>
+            <a:off x="4569002" y="1353866"/>
+            <a:ext cx="7426234" cy="5219931"/>
+          </a:xfrm>
+        </p:spPr>
+        <p:txBody>
+          <a:bodyPr/>
+          <a:lstStyle>
+            <a:lvl1pPr latinLnBrk="0">
+              <a:defRPr/>
+            </a:lvl1pPr>
+            <a:lvl2pPr latinLnBrk="0">
+              <a:defRPr/>
+            </a:lvl2pPr>
+            <a:lvl3pPr latinLnBrk="0">
+              <a:defRPr/>
+            </a:lvl3pPr>
+            <a:lvl4pPr latinLnBrk="0">
+              <a:defRPr/>
+            </a:lvl4pPr>
+            <a:lvl5pPr latinLnBrk="0">
+              <a:defRPr/>
+            </a:lvl5pPr>
+          </a:lstStyle>
+          <a:p>
+            <a:pPr lvl="0"/>
+            <a:r>
+              <a:rPr lang="en-US" noProof="0"/>
+              <a:t>Edit Master text styles</a:t>
+            </a:r>
+          </a:p>
+          <a:p>
+            <a:pPr lvl="1"/>
+            <a:r>
+              <a:rPr lang="en-US" noProof="0"/>
+              <a:t>Second level</a:t>
+            </a:r>
+          </a:p>
+          <a:p>
+            <a:pPr lvl="2"/>
+            <a:r>
+              <a:rPr lang="en-US" noProof="0"/>
+              <a:t>Third level</a:t>
+            </a:r>
+          </a:p>
+          <a:p>
+            <a:pPr lvl="3"/>
+            <a:r>
+              <a:rPr lang="en-US" noProof="0"/>
+              <a:t>Fourth level</a:t>
+            </a:r>
+          </a:p>
+          <a:p>
+            <a:pPr lvl="4"/>
+            <a:r>
+              <a:rPr lang="en-US" noProof="0"/>
+              <a:t>Fifth level</a:t>
+            </a:r>
+          </a:p>
+        </p:txBody>
+      </p:sp>
+      <p:sp>
+        <p:nvSpPr>
+          <p:cNvPr id="5" name="Picture Placeholder Left"/>
+          <p:cNvSpPr>
+            <a:spLocks noGrp="1"/>
+          </p:cNvSpPr>
+          <p:nvPr>
+            <p:ph type="pic" idx="1" hasCustomPrompt="1"/>
+          </p:nvPr>
+        </p:nvSpPr>
+        <p:spPr>
+          <a:xfrm>
+            <a:off x="190405" y="1355077"/>
+            <a:ext cx="3889373" cy="5366405"/>
+          </a:xfrm>
+          <a:prstGeom prst="rect">
+            <a:avLst/>
+          </a:prstGeom>
+          <a:solidFill>
+            <a:schemeClr val="bg2">
+              <a:lumMod val="90000"/>
+            </a:schemeClr>
+          </a:solidFill>
+        </p:spPr>
+        <p:txBody>
+          <a:bodyPr anchor="ctr"/>
+          <a:lstStyle>
+            <a:lvl1pPr marL="0" indent="0" algn="ctr" latinLnBrk="0">
+              <a:buNone/>
+              <a:defRPr sz="2131" baseline="0">
+                <a:solidFill>
+                  <a:schemeClr val="tx1"/>
+                </a:solidFill>
+                <a:latin typeface="+mn-lt"/>
+                <a:cs typeface="Arial" pitchFamily="34" charset="0"/>
+              </a:defRPr>
+            </a:lvl1pPr>
+            <a:lvl2pPr marL="609219" indent="0">
+              <a:buNone/>
+              <a:defRPr sz="3731"/>
+            </a:lvl2pPr>
+            <a:lvl3pPr marL="1218438" indent="0">
+              <a:buNone/>
+              <a:defRPr sz="3198"/>
+            </a:lvl3pPr>
+            <a:lvl4pPr marL="1827657" indent="0">
+              <a:buNone/>
+              <a:defRPr sz="2665"/>
+            </a:lvl4pPr>
+            <a:lvl5pPr marL="2436876" indent="0">
+              <a:buNone/>
+              <a:defRPr sz="2665"/>
+            </a:lvl5pPr>
+            <a:lvl6pPr marL="3046096" indent="0">
+              <a:buNone/>
+              <a:defRPr sz="2665"/>
+            </a:lvl6pPr>
+            <a:lvl7pPr marL="3655315" indent="0">
+              <a:buNone/>
+              <a:defRPr sz="2665"/>
+            </a:lvl7pPr>
+            <a:lvl8pPr marL="4264533" indent="0">
+              <a:buNone/>
+              <a:defRPr sz="2665"/>
+            </a:lvl8pPr>
+            <a:lvl9pPr marL="4873752" indent="0">
+              <a:buNone/>
+              <a:defRPr sz="2665"/>
+            </a:lvl9pPr>
+          </a:lstStyle>
+          <a:p>
+            <a:r>
+              <a:rPr lang="en-US" altLang="ko-KR" noProof="0"/>
+              <a:t>Your Picture Here</a:t>
+            </a:r>
+          </a:p>
+        </p:txBody>
+      </p:sp>
+      <p:sp>
+        <p:nvSpPr>
+          <p:cNvPr id="3" name="Rectangle Left Second"/>
+          <p:cNvSpPr/>
+          <p:nvPr/>
+        </p:nvSpPr>
+        <p:spPr>
+          <a:xfrm>
+            <a:off x="4127777" y="1748999"/>
+            <a:ext cx="240001" cy="3360000"/>
+          </a:xfrm>
+          <a:prstGeom prst="rect">
+            <a:avLst/>
+          </a:prstGeom>
+          <a:solidFill>
+            <a:schemeClr val="tx2"/>
+          </a:solidFill>
+          <a:ln>
+            <a:noFill/>
+          </a:ln>
+        </p:spPr>
+        <p:style>
+          <a:lnRef idx="2">
+            <a:schemeClr val="accent1">
+              <a:shade val="50000"/>
+            </a:schemeClr>
+          </a:lnRef>
+          <a:fillRef idx="1">
+            <a:schemeClr val="accent1"/>
+          </a:fillRef>
+          <a:effectRef idx="0">
+            <a:schemeClr val="accent1"/>
+          </a:effectRef>
+          <a:fontRef idx="minor">
+            <a:schemeClr val="lt1"/>
+          </a:fontRef>
+        </p:style>
+        <p:txBody>
+          <a:bodyPr rtlCol="0" anchor="ctr"/>
+          <a:lstStyle/>
+          <a:p>
+            <a:pPr marL="0" marR="0" lvl="0" indent="0" algn="ctr" defTabSz="913852" rtl="0" eaLnBrk="1" fontAlgn="auto" latinLnBrk="0" hangingPunct="1">
+              <a:lnSpc>
+                <a:spcPct val="100000"/>
+              </a:lnSpc>
+              <a:spcBef>
+                <a:spcPts val="0"/>
+              </a:spcBef>
+              <a:spcAft>
+                <a:spcPts val="0"/>
+              </a:spcAft>
+              <a:buClrTx/>
+              <a:buSzTx/>
+              <a:buFontTx/>
+              <a:buNone/>
+              <a:tabLst/>
+              <a:defRPr/>
+            </a:pPr>
+            <a:endParaRPr kumimoji="0" lang="en-US" altLang="ko-KR" sz="2398" b="0" i="0" u="none" strike="noStrike" kern="1200" cap="none" spc="0" normalizeH="0" baseline="0" noProof="0">
+              <a:ln>
+                <a:noFill/>
+              </a:ln>
+              <a:solidFill>
+                <a:srgbClr val="F7C86D"/>
+              </a:solidFill>
+              <a:effectLst/>
+              <a:uLnTx/>
+              <a:uFillTx/>
+              <a:latin typeface="Calibri" panose="020F0502020204030204"/>
+              <a:ea typeface="맑은 고딕" panose="020B0503020000020004" pitchFamily="34" charset="-127"/>
+              <a:cs typeface="+mn-cs"/>
+            </a:endParaRPr>
+          </a:p>
+        </p:txBody>
+      </p:sp>
+      <p:sp>
+        <p:nvSpPr>
+          <p:cNvPr id="2" name="Rectangle Left First"/>
+          <p:cNvSpPr/>
+          <p:nvPr/>
+        </p:nvSpPr>
+        <p:spPr>
+          <a:xfrm>
+            <a:off x="4079775" y="1355073"/>
+            <a:ext cx="48001" cy="5502926"/>
+          </a:xfrm>
+          <a:prstGeom prst="rect">
+            <a:avLst/>
+          </a:prstGeom>
+          <a:solidFill>
+            <a:schemeClr val="tx2"/>
+          </a:solidFill>
+          <a:ln>
+            <a:noFill/>
+          </a:ln>
+        </p:spPr>
+        <p:style>
+          <a:lnRef idx="2">
+            <a:schemeClr val="accent1">
+              <a:shade val="50000"/>
+            </a:schemeClr>
+          </a:lnRef>
+          <a:fillRef idx="1">
+            <a:schemeClr val="accent1"/>
+          </a:fillRef>
+          <a:effectRef idx="0">
+            <a:schemeClr val="accent1"/>
+          </a:effectRef>
+          <a:fontRef idx="minor">
+            <a:schemeClr val="lt1"/>
+          </a:fontRef>
+        </p:style>
+        <p:txBody>
+          <a:bodyPr rtlCol="0" anchor="ctr"/>
+          <a:lstStyle/>
+          <a:p>
+            <a:pPr marL="0" marR="0" lvl="0" indent="0" algn="ctr" defTabSz="913852" rtl="0" eaLnBrk="1" fontAlgn="auto" latinLnBrk="0" hangingPunct="1">
+              <a:lnSpc>
+                <a:spcPct val="100000"/>
+              </a:lnSpc>
+              <a:spcBef>
+                <a:spcPts val="0"/>
+              </a:spcBef>
+              <a:spcAft>
+                <a:spcPts val="0"/>
+              </a:spcAft>
+              <a:buClrTx/>
+              <a:buSzTx/>
+              <a:buFontTx/>
+              <a:buNone/>
+              <a:tabLst/>
+              <a:defRPr/>
+            </a:pPr>
+            <a:endParaRPr kumimoji="0" lang="en-US" altLang="ko-KR" sz="2398" b="0" i="0" u="none" strike="noStrike" kern="1200" cap="none" spc="0" normalizeH="0" baseline="0" noProof="0">
+              <a:ln>
+                <a:noFill/>
+              </a:ln>
+              <a:solidFill>
+                <a:srgbClr val="F7C86D"/>
+              </a:solidFill>
+              <a:effectLst/>
+              <a:uLnTx/>
+              <a:uFillTx/>
+              <a:latin typeface="Calibri" panose="020F0502020204030204"/>
+              <a:ea typeface="맑은 고딕" panose="020B0503020000020004" pitchFamily="34" charset="-127"/>
+              <a:cs typeface="+mn-cs"/>
+            </a:endParaRPr>
+          </a:p>
+        </p:txBody>
+      </p:sp>
+      <p:sp>
+        <p:nvSpPr>
+          <p:cNvPr id="10" name="Rectangle Down">
+            <a:extLst>
+              <a:ext uri="{FF2B5EF4-FFF2-40B4-BE49-F238E27FC236}">
+                <a16:creationId xmlns:a16="http://schemas.microsoft.com/office/drawing/2014/main" id="{E9B994EC-35A8-4A11-98CB-25DC28852F94}"/>
+              </a:ext>
+            </a:extLst>
+          </p:cNvPr>
+          <p:cNvSpPr/>
+          <p:nvPr/>
+        </p:nvSpPr>
+        <p:spPr>
+          <a:xfrm>
+            <a:off x="2" y="6721482"/>
+            <a:ext cx="12192000" cy="136518"/>
+          </a:xfrm>
+          <a:prstGeom prst="rect">
+            <a:avLst/>
+          </a:prstGeom>
+          <a:solidFill>
+            <a:schemeClr val="tx2"/>
+          </a:solidFill>
+          <a:ln>
+            <a:noFill/>
+          </a:ln>
+        </p:spPr>
+        <p:style>
+          <a:lnRef idx="2">
+            <a:schemeClr val="accent1">
+              <a:shade val="50000"/>
+            </a:schemeClr>
+          </a:lnRef>
+          <a:fillRef idx="1">
+            <a:schemeClr val="accent1"/>
+          </a:fillRef>
+          <a:effectRef idx="0">
+            <a:schemeClr val="accent1"/>
+          </a:effectRef>
+          <a:fontRef idx="minor">
+            <a:schemeClr val="lt1"/>
+          </a:fontRef>
+        </p:style>
+        <p:txBody>
+          <a:bodyPr rtlCol="0" anchor="ctr"/>
+          <a:lstStyle/>
+          <a:p>
+            <a:pPr marL="0" marR="0" lvl="0" indent="0" algn="ctr" defTabSz="913852" rtl="0" eaLnBrk="1" fontAlgn="auto" latinLnBrk="0" hangingPunct="1">
+              <a:lnSpc>
+                <a:spcPct val="100000"/>
+              </a:lnSpc>
+              <a:spcBef>
+                <a:spcPts val="0"/>
+              </a:spcBef>
+              <a:spcAft>
+                <a:spcPts val="0"/>
+              </a:spcAft>
+              <a:buClrTx/>
+              <a:buSzTx/>
+              <a:buFontTx/>
+              <a:buNone/>
+              <a:tabLst/>
+              <a:defRPr/>
+            </a:pPr>
+            <a:endParaRPr kumimoji="0" lang="en-US" altLang="ko-KR" sz="2398" b="0" i="0" u="none" strike="noStrike" kern="1200" cap="none" spc="0" normalizeH="0" baseline="0" noProof="0">
+              <a:ln>
+                <a:noFill/>
+              </a:ln>
+              <a:solidFill>
+                <a:srgbClr val="F7C86D"/>
+              </a:solidFill>
+              <a:effectLst/>
+              <a:uLnTx/>
+              <a:uFillTx/>
+              <a:latin typeface="Calibri" panose="020F0502020204030204"/>
+              <a:ea typeface="맑은 고딕" panose="020B0503020000020004" pitchFamily="34" charset="-127"/>
+              <a:cs typeface="+mn-cs"/>
+            </a:endParaRPr>
+          </a:p>
+        </p:txBody>
+      </p:sp>
+      <p:sp>
+        <p:nvSpPr>
+          <p:cNvPr id="11" name="Rectangle Top">
+            <a:extLst>
+              <a:ext uri="{FF2B5EF4-FFF2-40B4-BE49-F238E27FC236}">
+                <a16:creationId xmlns:a16="http://schemas.microsoft.com/office/drawing/2014/main" id="{274B8F05-DFCE-47BD-BAFD-DF93E1A63BDD}"/>
+              </a:ext>
+            </a:extLst>
+          </p:cNvPr>
+          <p:cNvSpPr/>
+          <p:nvPr userDrawn="1"/>
+        </p:nvSpPr>
+        <p:spPr>
+          <a:xfrm>
+            <a:off x="0" y="0"/>
+            <a:ext cx="12196800" cy="1095376"/>
+          </a:xfrm>
+          <a:prstGeom prst="rect">
+            <a:avLst/>
+          </a:prstGeom>
+          <a:solidFill>
+            <a:schemeClr val="tx2"/>
+          </a:solidFill>
+          <a:ln>
+            <a:noFill/>
+          </a:ln>
+        </p:spPr>
+        <p:style>
+          <a:lnRef idx="2">
+            <a:schemeClr val="accent1">
+              <a:shade val="50000"/>
+            </a:schemeClr>
+          </a:lnRef>
+          <a:fillRef idx="1">
+            <a:schemeClr val="accent1"/>
+          </a:fillRef>
+          <a:effectRef idx="0">
+            <a:schemeClr val="accent1"/>
+          </a:effectRef>
+          <a:fontRef idx="minor">
+            <a:schemeClr val="lt1"/>
+          </a:fontRef>
+        </p:style>
+        <p:txBody>
+          <a:bodyPr rtlCol="0" anchor="ctr"/>
+          <a:lstStyle/>
+          <a:p>
+            <a:pPr marL="0" marR="0" lvl="0" indent="0" algn="ctr" defTabSz="913852" rtl="0" eaLnBrk="1" fontAlgn="auto" latinLnBrk="0" hangingPunct="1">
+              <a:lnSpc>
+                <a:spcPct val="100000"/>
+              </a:lnSpc>
+              <a:spcBef>
+                <a:spcPts val="0"/>
+              </a:spcBef>
+              <a:spcAft>
+                <a:spcPts val="0"/>
+              </a:spcAft>
+              <a:buClrTx/>
+              <a:buSzTx/>
+              <a:buFontTx/>
+              <a:buNone/>
+              <a:tabLst/>
+              <a:defRPr/>
+            </a:pPr>
+            <a:endParaRPr kumimoji="0" lang="en-US" altLang="ko-KR" sz="2398" b="0" i="0" u="none" strike="noStrike" kern="1200" cap="none" spc="0" normalizeH="0" baseline="0" noProof="0">
+              <a:ln>
+                <a:noFill/>
+              </a:ln>
+              <a:solidFill>
+                <a:srgbClr val="F7C86D"/>
+              </a:solidFill>
+              <a:effectLst/>
+              <a:uLnTx/>
+              <a:uFillTx/>
+              <a:latin typeface="Calibri" panose="020F0502020204030204"/>
+              <a:ea typeface="맑은 고딕" panose="020B0503020000020004" pitchFamily="34" charset="-127"/>
+              <a:cs typeface="+mn-cs"/>
+            </a:endParaRPr>
+          </a:p>
+        </p:txBody>
+      </p:sp>
+      <p:pic>
+        <p:nvPicPr>
+          <p:cNvPr id="12" name="Logo Software University" descr="Software University logo">
+            <a:extLst>
+              <a:ext uri="{FF2B5EF4-FFF2-40B4-BE49-F238E27FC236}">
+                <a16:creationId xmlns:a16="http://schemas.microsoft.com/office/drawing/2014/main" id="{233CBB95-791E-4630-B3D9-FADFCE7BCF52}"/>
+              </a:ext>
+            </a:extLst>
+          </p:cNvPr>
+          <p:cNvPicPr>
+            <a:picLocks noChangeAspect="1"/>
+          </p:cNvPicPr>
+          <p:nvPr userDrawn="1"/>
+        </p:nvPicPr>
+        <p:blipFill>
+          <a:blip r:embed="rId2">
+            <a:extLst>
+              <a:ext uri="{28A0092B-C50C-407E-A947-70E740481C1C}">
+                <a14:useLocalDpi xmlns:a14="http://schemas.microsoft.com/office/drawing/2010/main" val="0"/>
+              </a:ext>
+            </a:extLst>
+          </a:blip>
+          <a:stretch>
+            <a:fillRect/>
+          </a:stretch>
+        </p:blipFill>
+        <p:spPr>
+          <a:xfrm>
+            <a:off x="10067957" y="253936"/>
+            <a:ext cx="1915704" cy="559235"/>
+          </a:xfrm>
+          <a:prstGeom prst="rect">
+            <a:avLst/>
+          </a:prstGeom>
+        </p:spPr>
+      </p:pic>
+      <p:sp>
+        <p:nvSpPr>
+          <p:cNvPr id="13" name="Slide Title">
+            <a:extLst>
+              <a:ext uri="{FF2B5EF4-FFF2-40B4-BE49-F238E27FC236}">
+                <a16:creationId xmlns:a16="http://schemas.microsoft.com/office/drawing/2014/main" id="{3F218E34-55D7-4290-BFE4-80F31F941551}"/>
+              </a:ext>
+            </a:extLst>
+          </p:cNvPr>
+          <p:cNvSpPr>
+            <a:spLocks noGrp="1"/>
+          </p:cNvSpPr>
+          <p:nvPr>
+            <p:ph type="title" hasCustomPrompt="1"/>
+          </p:nvPr>
+        </p:nvSpPr>
+        <p:spPr>
+          <a:xfrm>
+            <a:off x="190406" y="100750"/>
+            <a:ext cx="9715594" cy="882654"/>
+          </a:xfrm>
+        </p:spPr>
+        <p:txBody>
+          <a:bodyPr/>
+          <a:lstStyle>
+            <a:lvl1pPr latinLnBrk="0">
+              <a:defRPr>
+                <a:solidFill>
+                  <a:schemeClr val="bg2"/>
+                </a:solidFill>
+              </a:defRPr>
+            </a:lvl1pPr>
+          </a:lstStyle>
+          <a:p>
+            <a:r>
+              <a:rPr lang="en-US" noProof="0" dirty="0"/>
+              <a:t>Slide Title</a:t>
+            </a:r>
+          </a:p>
+        </p:txBody>
+      </p:sp>
+    </p:spTree>
+    <p:extLst>
+      <p:ext uri="{BB962C8B-B14F-4D97-AF65-F5344CB8AC3E}">
+        <p14:creationId xmlns:p14="http://schemas.microsoft.com/office/powerpoint/2010/main" val="3774019400"/>
+      </p:ext>
+    </p:extLst>
+  </p:cSld>
+  <p:clrMapOvr>
+    <a:masterClrMapping/>
+  </p:clrMapOvr>
+  <mc:AlternateContent xmlns:mc="http://schemas.openxmlformats.org/markup-compatibility/2006" xmlns:p14="http://schemas.microsoft.com/office/powerpoint/2010/main">
+    <mc:Choice Requires="p14">
+      <p:transition spd="slow" p14:dur="2000" advClick="0" advTm="5000"/>
+    </mc:Choice>
+    <mc:Fallback xmlns="">
+      <p:transition spd="slow" advClick="0" advTm="5000"/>
+    </mc:Fallback>
+  </mc:AlternateContent>
+</p:sldLayout>
+</file>
+
 <file path=ppt/slideMasters/slideMaster1.xml><?xml version="1.0" encoding="utf-8"?>
 <p:sldMaster xmlns:a="http://schemas.openxmlformats.org/drawingml/2006/main" xmlns:r="http://schemas.openxmlformats.org/officeDocument/2006/relationships" xmlns:p="http://schemas.openxmlformats.org/presentationml/2006/main" preserve="1">
   <p:cSld>
@@ -8091,7 +10763,7 @@
           <p:nvPr userDrawn="1"/>
         </p:nvPicPr>
         <p:blipFill rotWithShape="1">
-          <a:blip r:embed="rId14"/>
+          <a:blip r:embed="rId13"/>
           <a:srcRect b="1672"/>
           <a:stretch/>
         </p:blipFill>
@@ -8224,15 +10896,14 @@
     <p:sldLayoutId id="2147483676" r:id="rId1"/>
     <p:sldLayoutId id="2147483689" r:id="rId2"/>
     <p:sldLayoutId id="2147483681" r:id="rId3"/>
-    <p:sldLayoutId id="2147483679" r:id="rId4"/>
+    <p:sldLayoutId id="2147483691" r:id="rId4"/>
     <p:sldLayoutId id="2147483680" r:id="rId5"/>
     <p:sldLayoutId id="2147483688" r:id="rId6"/>
     <p:sldLayoutId id="2147483684" r:id="rId7"/>
-    <p:sldLayoutId id="2147483677" r:id="rId8"/>
-    <p:sldLayoutId id="2147483683" r:id="rId9"/>
-    <p:sldLayoutId id="2147483685" r:id="rId10"/>
-    <p:sldLayoutId id="2147483686" r:id="rId11"/>
-    <p:sldLayoutId id="2147483687" r:id="rId12"/>
+    <p:sldLayoutId id="2147483683" r:id="rId8"/>
+    <p:sldLayoutId id="2147483685" r:id="rId9"/>
+    <p:sldLayoutId id="2147483686" r:id="rId10"/>
+    <p:sldLayoutId id="2147483687" r:id="rId11"/>
   </p:sldLayoutIdLst>
   <mc:AlternateContent xmlns:mc="http://schemas.openxmlformats.org/markup-compatibility/2006" xmlns:p14="http://schemas.microsoft.com/office/powerpoint/2010/main">
     <mc:Choice Requires="p14">
@@ -8655,7 +11326,7 @@
           <a:lstStyle/>
           <a:p>
             <a:r>
-              <a:rPr lang="en-US" smtClean="0">
+              <a:rPr lang="en-US">
                 <a:hlinkClick r:id="rId3"/>
               </a:rPr>
               <a:t>https://softuni.bg</a:t>
@@ -8753,20 +11424,13 @@
     </p:spTree>
     <p:extLst>
       <p:ext uri="{BB962C8B-B14F-4D97-AF65-F5344CB8AC3E}">
-        <p14:creationId xmlns:p14="http://schemas.microsoft.com/office/powerpoint/2010/main" val="3215379390"/>
+        <p14:creationId xmlns:p14="http://schemas.microsoft.com/office/powerpoint/2010/main" val="3461809845"/>
       </p:ext>
     </p:extLst>
   </p:cSld>
   <p:clrMapOvr>
     <a:masterClrMapping/>
   </p:clrMapOvr>
-  <p:timing>
-    <p:tnLst>
-      <p:par>
-        <p:cTn id="1" dur="indefinite" restart="never" nodeType="tmRoot"/>
-      </p:par>
-    </p:tnLst>
-  </p:timing>
 </p:sld>
 </file>
 
@@ -8883,7 +11547,7 @@
           <a:lstStyle/>
           <a:p>
             <a:r>
-              <a:rPr lang="en-US" smtClean="0"/>
+              <a:rPr lang="en-US"/>
               <a:t>How Are Cookies Used?</a:t>
             </a:r>
             <a:endParaRPr lang="bg-BG" dirty="0"/>
@@ -9034,10 +11698,10 @@
       </p:sp>
       <p:sp>
         <p:nvSpPr>
-          <p:cNvPr id="7" name="Slide Number">
+          <p:cNvPr id="8" name="Slide Number">
             <a:extLst>
               <a:ext uri="{FF2B5EF4-FFF2-40B4-BE49-F238E27FC236}">
-                <a16:creationId xmlns:a16="http://schemas.microsoft.com/office/drawing/2014/main" id="{C1780DB1-0AF0-4108-AFE1-9DA99F0DBCB8}"/>
+                <a16:creationId xmlns:a16="http://schemas.microsoft.com/office/drawing/2014/main" id="{AC6508B5-1628-4429-A758-EC716EFDAFBD}"/>
               </a:ext>
             </a:extLst>
           </p:cNvPr>
@@ -9077,7 +11741,7 @@
     </p:spTree>
     <p:extLst>
       <p:ext uri="{BB962C8B-B14F-4D97-AF65-F5344CB8AC3E}">
-        <p14:creationId xmlns:p14="http://schemas.microsoft.com/office/powerpoint/2010/main" val="3199677528"/>
+        <p14:creationId xmlns:p14="http://schemas.microsoft.com/office/powerpoint/2010/main" val="4203422402"/>
       </p:ext>
     </p:extLst>
   </p:cSld>
@@ -9844,10 +12508,10 @@
       </p:sp>
       <p:sp>
         <p:nvSpPr>
-          <p:cNvPr id="23" name="Slide Number">
+          <p:cNvPr id="27" name="Slide Number">
             <a:extLst>
               <a:ext uri="{FF2B5EF4-FFF2-40B4-BE49-F238E27FC236}">
-                <a16:creationId xmlns:a16="http://schemas.microsoft.com/office/drawing/2014/main" id="{C1780DB1-0AF0-4108-AFE1-9DA99F0DBCB8}"/>
+                <a16:creationId xmlns:a16="http://schemas.microsoft.com/office/drawing/2014/main" id="{AD5713C2-CABD-42F9-8FB0-8BBDB8D22F01}"/>
               </a:ext>
             </a:extLst>
           </p:cNvPr>
@@ -9887,7 +12551,7 @@
     </p:spTree>
     <p:extLst>
       <p:ext uri="{BB962C8B-B14F-4D97-AF65-F5344CB8AC3E}">
-        <p14:creationId xmlns:p14="http://schemas.microsoft.com/office/powerpoint/2010/main" val="2080590859"/>
+        <p14:creationId xmlns:p14="http://schemas.microsoft.com/office/powerpoint/2010/main" val="974692320"/>
       </p:ext>
     </p:extLst>
   </p:cSld>
@@ -10826,10 +13490,10 @@
       </p:sp>
       <p:sp>
         <p:nvSpPr>
-          <p:cNvPr id="9" name="Slide Number">
+          <p:cNvPr id="10" name="Slide Number">
             <a:extLst>
               <a:ext uri="{FF2B5EF4-FFF2-40B4-BE49-F238E27FC236}">
-                <a16:creationId xmlns:a16="http://schemas.microsoft.com/office/drawing/2014/main" id="{C1780DB1-0AF0-4108-AFE1-9DA99F0DBCB8}"/>
+                <a16:creationId xmlns:a16="http://schemas.microsoft.com/office/drawing/2014/main" id="{4A69AA6E-2D80-4D80-B1E7-6FD63BC9650B}"/>
               </a:ext>
             </a:extLst>
           </p:cNvPr>
@@ -10869,7 +13533,7 @@
     </p:spTree>
     <p:extLst>
       <p:ext uri="{BB962C8B-B14F-4D97-AF65-F5344CB8AC3E}">
-        <p14:creationId xmlns:p14="http://schemas.microsoft.com/office/powerpoint/2010/main" val="345270563"/>
+        <p14:creationId xmlns:p14="http://schemas.microsoft.com/office/powerpoint/2010/main" val="2079781466"/>
       </p:ext>
     </p:extLst>
   </p:cSld>
@@ -11594,10 +14258,10 @@
       </p:sp>
       <p:sp>
         <p:nvSpPr>
-          <p:cNvPr id="8" name="Slide Number">
+          <p:cNvPr id="10" name="Slide Number">
             <a:extLst>
               <a:ext uri="{FF2B5EF4-FFF2-40B4-BE49-F238E27FC236}">
-                <a16:creationId xmlns:a16="http://schemas.microsoft.com/office/drawing/2014/main" id="{C1780DB1-0AF0-4108-AFE1-9DA99F0DBCB8}"/>
+                <a16:creationId xmlns:a16="http://schemas.microsoft.com/office/drawing/2014/main" id="{B0CA1123-CFE1-406D-9DE9-D4E84976301C}"/>
               </a:ext>
             </a:extLst>
           </p:cNvPr>
@@ -11637,7 +14301,7 @@
     </p:spTree>
     <p:extLst>
       <p:ext uri="{BB962C8B-B14F-4D97-AF65-F5344CB8AC3E}">
-        <p14:creationId xmlns:p14="http://schemas.microsoft.com/office/powerpoint/2010/main" val="3183162158"/>
+        <p14:creationId xmlns:p14="http://schemas.microsoft.com/office/powerpoint/2010/main" val="1964912732"/>
       </p:ext>
     </p:extLst>
   </p:cSld>
@@ -12194,10 +14858,10 @@
       </p:sp>
       <p:sp>
         <p:nvSpPr>
-          <p:cNvPr id="8" name="Slide Number">
+          <p:cNvPr id="9" name="Slide Number">
             <a:extLst>
               <a:ext uri="{FF2B5EF4-FFF2-40B4-BE49-F238E27FC236}">
-                <a16:creationId xmlns:a16="http://schemas.microsoft.com/office/drawing/2014/main" id="{C1780DB1-0AF0-4108-AFE1-9DA99F0DBCB8}"/>
+                <a16:creationId xmlns:a16="http://schemas.microsoft.com/office/drawing/2014/main" id="{B3253444-BE43-470E-8B7F-9E7AD9DC1E46}"/>
               </a:ext>
             </a:extLst>
           </p:cNvPr>
@@ -12237,7 +14901,7 @@
     </p:spTree>
     <p:extLst>
       <p:ext uri="{BB962C8B-B14F-4D97-AF65-F5344CB8AC3E}">
-        <p14:creationId xmlns:p14="http://schemas.microsoft.com/office/powerpoint/2010/main" val="46896589"/>
+        <p14:creationId xmlns:p14="http://schemas.microsoft.com/office/powerpoint/2010/main" val="804277710"/>
       </p:ext>
     </p:extLst>
   </p:cSld>
@@ -12838,10 +15502,10 @@
       </p:sp>
       <p:sp>
         <p:nvSpPr>
-          <p:cNvPr id="8" name="Slide Number">
+          <p:cNvPr id="9" name="Slide Number">
             <a:extLst>
               <a:ext uri="{FF2B5EF4-FFF2-40B4-BE49-F238E27FC236}">
-                <a16:creationId xmlns:a16="http://schemas.microsoft.com/office/drawing/2014/main" id="{C1780DB1-0AF0-4108-AFE1-9DA99F0DBCB8}"/>
+                <a16:creationId xmlns:a16="http://schemas.microsoft.com/office/drawing/2014/main" id="{36568857-D81F-4336-97ED-10F43E26C561}"/>
               </a:ext>
             </a:extLst>
           </p:cNvPr>
@@ -12881,7 +15545,7 @@
     </p:spTree>
     <p:extLst>
       <p:ext uri="{BB962C8B-B14F-4D97-AF65-F5344CB8AC3E}">
-        <p14:creationId xmlns:p14="http://schemas.microsoft.com/office/powerpoint/2010/main" val="1336950012"/>
+        <p14:creationId xmlns:p14="http://schemas.microsoft.com/office/powerpoint/2010/main" val="2423382032"/>
       </p:ext>
     </p:extLst>
   </p:cSld>
@@ -13272,10 +15936,10 @@
       </p:pic>
       <p:sp>
         <p:nvSpPr>
-          <p:cNvPr id="6" name="Slide Number">
+          <p:cNvPr id="8" name="Slide Number">
             <a:extLst>
               <a:ext uri="{FF2B5EF4-FFF2-40B4-BE49-F238E27FC236}">
-                <a16:creationId xmlns:a16="http://schemas.microsoft.com/office/drawing/2014/main" id="{C1780DB1-0AF0-4108-AFE1-9DA99F0DBCB8}"/>
+                <a16:creationId xmlns:a16="http://schemas.microsoft.com/office/drawing/2014/main" id="{7F65C89F-A1F8-4FA6-B9FD-D767D7E5A74C}"/>
               </a:ext>
             </a:extLst>
           </p:cNvPr>
@@ -13315,7 +15979,7 @@
     </p:spTree>
     <p:extLst>
       <p:ext uri="{BB962C8B-B14F-4D97-AF65-F5344CB8AC3E}">
-        <p14:creationId xmlns:p14="http://schemas.microsoft.com/office/powerpoint/2010/main" val="870278044"/>
+        <p14:creationId xmlns:p14="http://schemas.microsoft.com/office/powerpoint/2010/main" val="1510590575"/>
       </p:ext>
     </p:extLst>
   </p:cSld>
@@ -13764,10 +16428,10 @@
       </p:sp>
       <p:sp>
         <p:nvSpPr>
-          <p:cNvPr id="7" name="Slide Number">
+          <p:cNvPr id="8" name="Slide Number">
             <a:extLst>
               <a:ext uri="{FF2B5EF4-FFF2-40B4-BE49-F238E27FC236}">
-                <a16:creationId xmlns:a16="http://schemas.microsoft.com/office/drawing/2014/main" id="{C1780DB1-0AF0-4108-AFE1-9DA99F0DBCB8}"/>
+                <a16:creationId xmlns:a16="http://schemas.microsoft.com/office/drawing/2014/main" id="{DF278B38-62AE-49B5-A713-0D6F227A8211}"/>
               </a:ext>
             </a:extLst>
           </p:cNvPr>
@@ -13807,7 +16471,7 @@
     </p:spTree>
     <p:extLst>
       <p:ext uri="{BB962C8B-B14F-4D97-AF65-F5344CB8AC3E}">
-        <p14:creationId xmlns:p14="http://schemas.microsoft.com/office/powerpoint/2010/main" val="758481450"/>
+        <p14:creationId xmlns:p14="http://schemas.microsoft.com/office/powerpoint/2010/main" val="4094781798"/>
       </p:ext>
     </p:extLst>
   </p:cSld>
@@ -15240,10 +17904,10 @@
       </p:sp>
       <p:sp>
         <p:nvSpPr>
-          <p:cNvPr id="26" name="Slide Number">
+          <p:cNvPr id="27" name="Slide Number">
             <a:extLst>
               <a:ext uri="{FF2B5EF4-FFF2-40B4-BE49-F238E27FC236}">
-                <a16:creationId xmlns:a16="http://schemas.microsoft.com/office/drawing/2014/main" id="{C1780DB1-0AF0-4108-AFE1-9DA99F0DBCB8}"/>
+                <a16:creationId xmlns:a16="http://schemas.microsoft.com/office/drawing/2014/main" id="{92D92C4B-09E0-4149-9F8D-E7CD48DA7261}"/>
               </a:ext>
             </a:extLst>
           </p:cNvPr>
@@ -15283,7 +17947,7 @@
     </p:spTree>
     <p:extLst>
       <p:ext uri="{BB962C8B-B14F-4D97-AF65-F5344CB8AC3E}">
-        <p14:creationId xmlns:p14="http://schemas.microsoft.com/office/powerpoint/2010/main" val="2153308152"/>
+        <p14:creationId xmlns:p14="http://schemas.microsoft.com/office/powerpoint/2010/main" val="4043185142"/>
       </p:ext>
     </p:extLst>
   </p:cSld>
@@ -16366,10 +19030,10 @@
       </p:sp>
       <p:sp>
         <p:nvSpPr>
-          <p:cNvPr id="8" name="Slide Number">
+          <p:cNvPr id="9" name="Slide Number">
             <a:extLst>
               <a:ext uri="{FF2B5EF4-FFF2-40B4-BE49-F238E27FC236}">
-                <a16:creationId xmlns:a16="http://schemas.microsoft.com/office/drawing/2014/main" id="{C1780DB1-0AF0-4108-AFE1-9DA99F0DBCB8}"/>
+                <a16:creationId xmlns:a16="http://schemas.microsoft.com/office/drawing/2014/main" id="{3B718611-E381-4D0E-A86B-4C3B32A8F35F}"/>
               </a:ext>
             </a:extLst>
           </p:cNvPr>
@@ -16409,7 +19073,7 @@
     </p:spTree>
     <p:extLst>
       <p:ext uri="{BB962C8B-B14F-4D97-AF65-F5344CB8AC3E}">
-        <p14:creationId xmlns:p14="http://schemas.microsoft.com/office/powerpoint/2010/main" val="155718200"/>
+        <p14:creationId xmlns:p14="http://schemas.microsoft.com/office/powerpoint/2010/main" val="1785288875"/>
       </p:ext>
     </p:extLst>
   </p:cSld>
@@ -16424,13 +19088,6 @@
       <p:transition spd="slow" advTm="5000"/>
     </mc:Fallback>
   </mc:AlternateContent>
-  <p:timing>
-    <p:tnLst>
-      <p:par>
-        <p:cTn id="1" dur="indefinite" restart="never" nodeType="tmRoot"/>
-      </p:par>
-    </p:tnLst>
-  </p:timing>
 </p:sld>
 </file>
 
@@ -16458,7 +19115,7 @@
             <a:spLocks noGrp="1" noChangeArrowheads="1"/>
           </p:cNvSpPr>
           <p:nvPr>
-            <p:ph type="body" sz="quarter" idx="13"/>
+            <p:ph type="body" sz="quarter" idx="10"/>
           </p:nvPr>
         </p:nvSpPr>
         <p:spPr/>
@@ -16559,10 +19216,10 @@
       </p:sp>
       <p:sp>
         <p:nvSpPr>
-          <p:cNvPr id="5" name="Slide Number">
+          <p:cNvPr id="6" name="Slide Number">
             <a:extLst>
               <a:ext uri="{FF2B5EF4-FFF2-40B4-BE49-F238E27FC236}">
-                <a16:creationId xmlns:a16="http://schemas.microsoft.com/office/drawing/2014/main" id="{C1780DB1-0AF0-4108-AFE1-9DA99F0DBCB8}"/>
+                <a16:creationId xmlns:a16="http://schemas.microsoft.com/office/drawing/2014/main" id="{4AFDE55A-ECF2-4BA1-9B8A-CFD81A8EFAB5}"/>
               </a:ext>
             </a:extLst>
           </p:cNvPr>
@@ -16570,7 +19227,7 @@
             <a:spLocks noGrp="1"/>
           </p:cNvSpPr>
           <p:nvPr>
-            <p:ph type="sldNum" sz="quarter" idx="4294967295"/>
+            <p:ph type="sldNum" sz="quarter" idx="5"/>
           </p:nvPr>
         </p:nvSpPr>
         <p:spPr>
@@ -16602,7 +19259,7 @@
     </p:spTree>
     <p:extLst>
       <p:ext uri="{BB962C8B-B14F-4D97-AF65-F5344CB8AC3E}">
-        <p14:creationId xmlns:p14="http://schemas.microsoft.com/office/powerpoint/2010/main" val="1646986932"/>
+        <p14:creationId xmlns:p14="http://schemas.microsoft.com/office/powerpoint/2010/main" val="3731768676"/>
       </p:ext>
     </p:extLst>
   </p:cSld>
@@ -17181,10 +19838,10 @@
       </p:sp>
       <p:sp>
         <p:nvSpPr>
-          <p:cNvPr id="9" name="Slide Number">
+          <p:cNvPr id="10" name="Slide Number">
             <a:extLst>
               <a:ext uri="{FF2B5EF4-FFF2-40B4-BE49-F238E27FC236}">
-                <a16:creationId xmlns:a16="http://schemas.microsoft.com/office/drawing/2014/main" id="{C1780DB1-0AF0-4108-AFE1-9DA99F0DBCB8}"/>
+                <a16:creationId xmlns:a16="http://schemas.microsoft.com/office/drawing/2014/main" id="{62EA76E4-AC14-4906-BA31-38C8F443487F}"/>
               </a:ext>
             </a:extLst>
           </p:cNvPr>
@@ -17224,7 +19881,7 @@
     </p:spTree>
     <p:extLst>
       <p:ext uri="{BB962C8B-B14F-4D97-AF65-F5344CB8AC3E}">
-        <p14:creationId xmlns:p14="http://schemas.microsoft.com/office/powerpoint/2010/main" val="3738766948"/>
+        <p14:creationId xmlns:p14="http://schemas.microsoft.com/office/powerpoint/2010/main" val="726411115"/>
       </p:ext>
     </p:extLst>
   </p:cSld>
@@ -17735,10 +20392,10 @@
       </p:sp>
       <p:sp>
         <p:nvSpPr>
-          <p:cNvPr id="11" name="Slide Number">
+          <p:cNvPr id="12" name="Slide Number">
             <a:extLst>
               <a:ext uri="{FF2B5EF4-FFF2-40B4-BE49-F238E27FC236}">
-                <a16:creationId xmlns:a16="http://schemas.microsoft.com/office/drawing/2014/main" id="{C1780DB1-0AF0-4108-AFE1-9DA99F0DBCB8}"/>
+                <a16:creationId xmlns:a16="http://schemas.microsoft.com/office/drawing/2014/main" id="{F6347376-9D76-42CC-9B8A-864BA6116D0F}"/>
               </a:ext>
             </a:extLst>
           </p:cNvPr>
@@ -17778,7 +20435,7 @@
     </p:spTree>
     <p:extLst>
       <p:ext uri="{BB962C8B-B14F-4D97-AF65-F5344CB8AC3E}">
-        <p14:creationId xmlns:p14="http://schemas.microsoft.com/office/powerpoint/2010/main" val="682857088"/>
+        <p14:creationId xmlns:p14="http://schemas.microsoft.com/office/powerpoint/2010/main" val="4087116"/>
       </p:ext>
     </p:extLst>
   </p:cSld>
@@ -18746,10 +21403,10 @@
       </p:sp>
       <p:sp>
         <p:nvSpPr>
-          <p:cNvPr id="33" name="Slide Number">
+          <p:cNvPr id="34" name="Slide Number">
             <a:extLst>
               <a:ext uri="{FF2B5EF4-FFF2-40B4-BE49-F238E27FC236}">
-                <a16:creationId xmlns:a16="http://schemas.microsoft.com/office/drawing/2014/main" id="{C1780DB1-0AF0-4108-AFE1-9DA99F0DBCB8}"/>
+                <a16:creationId xmlns:a16="http://schemas.microsoft.com/office/drawing/2014/main" id="{2359687D-1DB4-4F49-8396-BD3D1982CEA7}"/>
               </a:ext>
             </a:extLst>
           </p:cNvPr>
@@ -18789,7 +21446,7 @@
     </p:spTree>
     <p:extLst>
       <p:ext uri="{BB962C8B-B14F-4D97-AF65-F5344CB8AC3E}">
-        <p14:creationId xmlns:p14="http://schemas.microsoft.com/office/powerpoint/2010/main" val="947387608"/>
+        <p14:creationId xmlns:p14="http://schemas.microsoft.com/office/powerpoint/2010/main" val="3725198860"/>
       </p:ext>
     </p:extLst>
   </p:cSld>
@@ -20023,10 +22680,10 @@
       </p:sp>
       <p:sp>
         <p:nvSpPr>
-          <p:cNvPr id="33" name="Slide Number">
+          <p:cNvPr id="34" name="Slide Number">
             <a:extLst>
               <a:ext uri="{FF2B5EF4-FFF2-40B4-BE49-F238E27FC236}">
-                <a16:creationId xmlns:a16="http://schemas.microsoft.com/office/drawing/2014/main" id="{C1780DB1-0AF0-4108-AFE1-9DA99F0DBCB8}"/>
+                <a16:creationId xmlns:a16="http://schemas.microsoft.com/office/drawing/2014/main" id="{8F86FBBC-C11D-4242-A6B9-C468C0A1B625}"/>
               </a:ext>
             </a:extLst>
           </p:cNvPr>
@@ -20066,7 +22723,7 @@
     </p:spTree>
     <p:extLst>
       <p:ext uri="{BB962C8B-B14F-4D97-AF65-F5344CB8AC3E}">
-        <p14:creationId xmlns:p14="http://schemas.microsoft.com/office/powerpoint/2010/main" val="4014105893"/>
+        <p14:creationId xmlns:p14="http://schemas.microsoft.com/office/powerpoint/2010/main" val="4056837950"/>
       </p:ext>
     </p:extLst>
   </p:cSld>
@@ -20638,29 +23295,6 @@
           <a:chExt cx="0" cy="0"/>
         </a:xfrm>
       </p:grpSpPr>
-      <p:sp>
-        <p:nvSpPr>
-          <p:cNvPr id="3" name="Title 2"/>
-          <p:cNvSpPr>
-            <a:spLocks noGrp="1"/>
-          </p:cNvSpPr>
-          <p:nvPr>
-            <p:ph type="title" sz="quarter" idx="10"/>
-          </p:nvPr>
-        </p:nvSpPr>
-        <p:spPr/>
-        <p:txBody>
-          <a:bodyPr/>
-          <a:lstStyle/>
-          <a:p>
-            <a:r>
-              <a:rPr lang="en-GB" smtClean="0"/>
-              <a:t>HTTP Sessions</a:t>
-            </a:r>
-            <a:endParaRPr lang="bg-BG"/>
-          </a:p>
-        </p:txBody>
-      </p:sp>
       <p:pic>
         <p:nvPicPr>
           <p:cNvPr id="8" name="Graphic 7" descr="Database">
@@ -20682,7 +23316,7 @@
                 <a14:useLocalDpi xmlns:a14="http://schemas.microsoft.com/office/drawing/2010/main" val="0"/>
               </a:ext>
               <a:ext uri="{96DAC541-7B7A-43D3-8B79-37D633B846F1}">
-                <asvg:svgBlip xmlns="" xmlns:asvg="http://schemas.microsoft.com/office/drawing/2016/SVG/main" r:embed="rId3"/>
+                <asvg:svgBlip xmlns:asvg="http://schemas.microsoft.com/office/drawing/2016/SVG/main" r:embed="rId3"/>
               </a:ext>
             </a:extLst>
           </a:blip>
@@ -20700,10 +23334,38 @@
           </a:prstGeom>
         </p:spPr>
       </p:pic>
+      <p:sp>
+        <p:nvSpPr>
+          <p:cNvPr id="4" name="Title 3">
+            <a:extLst>
+              <a:ext uri="{FF2B5EF4-FFF2-40B4-BE49-F238E27FC236}">
+                <a16:creationId xmlns:a16="http://schemas.microsoft.com/office/drawing/2014/main" id="{60B7BA72-64FD-496C-8730-6B8E7D01181D}"/>
+              </a:ext>
+            </a:extLst>
+          </p:cNvPr>
+          <p:cNvSpPr>
+            <a:spLocks noGrp="1"/>
+          </p:cNvSpPr>
+          <p:nvPr>
+            <p:ph type="title" sz="quarter" idx="10"/>
+          </p:nvPr>
+        </p:nvSpPr>
+        <p:spPr/>
+        <p:txBody>
+          <a:bodyPr/>
+          <a:lstStyle/>
+          <a:p>
+            <a:r>
+              <a:rPr lang="en-US"/>
+              <a:t>HTTP Sessions</a:t>
+            </a:r>
+          </a:p>
+        </p:txBody>
+      </p:sp>
     </p:spTree>
     <p:extLst>
       <p:ext uri="{BB962C8B-B14F-4D97-AF65-F5344CB8AC3E}">
-        <p14:creationId xmlns:p14="http://schemas.microsoft.com/office/powerpoint/2010/main" val="673015186"/>
+        <p14:creationId xmlns:p14="http://schemas.microsoft.com/office/powerpoint/2010/main" val="1687513727"/>
       </p:ext>
     </p:extLst>
   </p:cSld>
@@ -20718,13 +23380,6 @@
       <p:transition spd="slow" advClick="0" advTm="5000"/>
     </mc:Fallback>
   </mc:AlternateContent>
-  <p:timing>
-    <p:tnLst>
-      <p:par>
-        <p:cTn id="1" dur="indefinite" restart="never" nodeType="tmRoot"/>
-      </p:par>
-    </p:tnLst>
-  </p:timing>
 </p:sld>
 </file>
 
@@ -20766,14 +23421,14 @@
           <a:lstStyle/>
           <a:p>
             <a:r>
-              <a:rPr lang="en-US" dirty="0" smtClean="0"/>
+              <a:rPr lang="en-US" dirty="0"/>
               <a:t>A way to store information about a user to be used across </a:t>
             </a:r>
             <a:br>
-              <a:rPr lang="en-US" dirty="0" smtClean="0"/>
+              <a:rPr lang="en-US" dirty="0"/>
             </a:br>
             <a:r>
-              <a:rPr lang="en-US" b="1" dirty="0" smtClean="0">
+              <a:rPr lang="en-US" b="1" dirty="0">
                 <a:solidFill>
                   <a:schemeClr val="bg1"/>
                 </a:solidFill>
@@ -20804,7 +23459,7 @@
           <a:lstStyle/>
           <a:p>
             <a:r>
-              <a:rPr lang="en-US" smtClean="0"/>
+              <a:rPr lang="en-US"/>
               <a:t>What Are Sessions?</a:t>
             </a:r>
             <a:endParaRPr lang="bg-BG" dirty="0"/>
@@ -21294,10 +23949,10 @@
       </p:cxnSp>
       <p:sp>
         <p:nvSpPr>
-          <p:cNvPr id="21" name="Slide Number">
+          <p:cNvPr id="23" name="Slide Number">
             <a:extLst>
               <a:ext uri="{FF2B5EF4-FFF2-40B4-BE49-F238E27FC236}">
-                <a16:creationId xmlns:a16="http://schemas.microsoft.com/office/drawing/2014/main" id="{C1780DB1-0AF0-4108-AFE1-9DA99F0DBCB8}"/>
+                <a16:creationId xmlns:a16="http://schemas.microsoft.com/office/drawing/2014/main" id="{9DE06196-79C2-47D5-8415-10EDDE37AA6F}"/>
               </a:ext>
             </a:extLst>
           </p:cNvPr>
@@ -21337,7 +23992,7 @@
     </p:spTree>
     <p:extLst>
       <p:ext uri="{BB962C8B-B14F-4D97-AF65-F5344CB8AC3E}">
-        <p14:creationId xmlns:p14="http://schemas.microsoft.com/office/powerpoint/2010/main" val="3827042911"/>
+        <p14:creationId xmlns:p14="http://schemas.microsoft.com/office/powerpoint/2010/main" val="2634300647"/>
       </p:ext>
     </p:extLst>
   </p:cSld>
@@ -22058,138 +24713,6 @@
       </p:sp>
       <p:sp>
         <p:nvSpPr>
-          <p:cNvPr id="23" name="Slide Number Placeholder 1">
-            <a:extLst>
-              <a:ext uri="{FF2B5EF4-FFF2-40B4-BE49-F238E27FC236}">
-                <a16:creationId xmlns:a16="http://schemas.microsoft.com/office/drawing/2014/main" id="{2D4AD747-1D9C-4984-8C7B-7AB42271DC64}"/>
-              </a:ext>
-            </a:extLst>
-          </p:cNvPr>
-          <p:cNvSpPr txBox="1">
-            <a:spLocks/>
-          </p:cNvSpPr>
-          <p:nvPr/>
-        </p:nvSpPr>
-        <p:spPr>
-          <a:xfrm>
-            <a:off x="11568000" y="6525003"/>
-            <a:ext cx="428822" cy="196477"/>
-          </a:xfrm>
-          <a:prstGeom prst="rect">
-            <a:avLst/>
-          </a:prstGeom>
-        </p:spPr>
-        <p:txBody>
-          <a:bodyPr vert="horz" lIns="36000" tIns="36000" rIns="36000" bIns="36000" rtlCol="0" anchor="ctr"/>
-          <a:lstStyle>
-            <a:defPPr>
-              <a:defRPr lang="en-US"/>
-            </a:defPPr>
-            <a:lvl1pPr marL="0" algn="r" defTabSz="1218987" rtl="0" eaLnBrk="1" latinLnBrk="0" hangingPunct="1">
-              <a:defRPr sz="1000" kern="1200">
-                <a:solidFill>
-                  <a:schemeClr val="tx1">
-                    <a:tint val="75000"/>
-                  </a:schemeClr>
-                </a:solidFill>
-                <a:latin typeface="+mn-lt"/>
-                <a:ea typeface="+mn-ea"/>
-                <a:cs typeface="+mn-cs"/>
-              </a:defRPr>
-            </a:lvl1pPr>
-            <a:lvl2pPr marL="609493" algn="l" defTabSz="1218987" rtl="0" eaLnBrk="1" latinLnBrk="0" hangingPunct="1">
-              <a:defRPr sz="2400" kern="1200">
-                <a:solidFill>
-                  <a:schemeClr val="tx1"/>
-                </a:solidFill>
-                <a:latin typeface="+mn-lt"/>
-                <a:ea typeface="+mn-ea"/>
-                <a:cs typeface="+mn-cs"/>
-              </a:defRPr>
-            </a:lvl2pPr>
-            <a:lvl3pPr marL="1218987" algn="l" defTabSz="1218987" rtl="0" eaLnBrk="1" latinLnBrk="0" hangingPunct="1">
-              <a:defRPr sz="2400" kern="1200">
-                <a:solidFill>
-                  <a:schemeClr val="tx1"/>
-                </a:solidFill>
-                <a:latin typeface="+mn-lt"/>
-                <a:ea typeface="+mn-ea"/>
-                <a:cs typeface="+mn-cs"/>
-              </a:defRPr>
-            </a:lvl3pPr>
-            <a:lvl4pPr marL="1828480" algn="l" defTabSz="1218987" rtl="0" eaLnBrk="1" latinLnBrk="0" hangingPunct="1">
-              <a:defRPr sz="2400" kern="1200">
-                <a:solidFill>
-                  <a:schemeClr val="tx1"/>
-                </a:solidFill>
-                <a:latin typeface="+mn-lt"/>
-                <a:ea typeface="+mn-ea"/>
-                <a:cs typeface="+mn-cs"/>
-              </a:defRPr>
-            </a:lvl4pPr>
-            <a:lvl5pPr marL="2437973" algn="l" defTabSz="1218987" rtl="0" eaLnBrk="1" latinLnBrk="0" hangingPunct="1">
-              <a:defRPr sz="2400" kern="1200">
-                <a:solidFill>
-                  <a:schemeClr val="tx1"/>
-                </a:solidFill>
-                <a:latin typeface="+mn-lt"/>
-                <a:ea typeface="+mn-ea"/>
-                <a:cs typeface="+mn-cs"/>
-              </a:defRPr>
-            </a:lvl5pPr>
-            <a:lvl6pPr marL="3047467" algn="l" defTabSz="1218987" rtl="0" eaLnBrk="1" latinLnBrk="0" hangingPunct="1">
-              <a:defRPr sz="2400" kern="1200">
-                <a:solidFill>
-                  <a:schemeClr val="tx1"/>
-                </a:solidFill>
-                <a:latin typeface="+mn-lt"/>
-                <a:ea typeface="+mn-ea"/>
-                <a:cs typeface="+mn-cs"/>
-              </a:defRPr>
-            </a:lvl6pPr>
-            <a:lvl7pPr marL="3656960" algn="l" defTabSz="1218987" rtl="0" eaLnBrk="1" latinLnBrk="0" hangingPunct="1">
-              <a:defRPr sz="2400" kern="1200">
-                <a:solidFill>
-                  <a:schemeClr val="tx1"/>
-                </a:solidFill>
-                <a:latin typeface="+mn-lt"/>
-                <a:ea typeface="+mn-ea"/>
-                <a:cs typeface="+mn-cs"/>
-              </a:defRPr>
-            </a:lvl7pPr>
-            <a:lvl8pPr marL="4266453" algn="l" defTabSz="1218987" rtl="0" eaLnBrk="1" latinLnBrk="0" hangingPunct="1">
-              <a:defRPr sz="2400" kern="1200">
-                <a:solidFill>
-                  <a:schemeClr val="tx1"/>
-                </a:solidFill>
-                <a:latin typeface="+mn-lt"/>
-                <a:ea typeface="+mn-ea"/>
-                <a:cs typeface="+mn-cs"/>
-              </a:defRPr>
-            </a:lvl8pPr>
-            <a:lvl9pPr marL="4875947" algn="l" defTabSz="1218987" rtl="0" eaLnBrk="1" latinLnBrk="0" hangingPunct="1">
-              <a:defRPr sz="2400" kern="1200">
-                <a:solidFill>
-                  <a:schemeClr val="tx1"/>
-                </a:solidFill>
-                <a:latin typeface="+mn-lt"/>
-                <a:ea typeface="+mn-ea"/>
-                <a:cs typeface="+mn-cs"/>
-              </a:defRPr>
-            </a:lvl9pPr>
-          </a:lstStyle>
-          <a:p>
-            <a:fld id="{C014DD1E-5D91-48A3-AD6D-45FBA980D106}" type="slidenum">
-              <a:rPr lang="en-US"/>
-              <a:pPr/>
-              <a:t>26</a:t>
-            </a:fld>
-            <a:endParaRPr lang="en-US" dirty="0"/>
-          </a:p>
-        </p:txBody>
-      </p:sp>
-      <p:sp>
-        <p:nvSpPr>
           <p:cNvPr id="25" name="TextBox 24">
             <a:extLst>
               <a:ext uri="{FF2B5EF4-FFF2-40B4-BE49-F238E27FC236}">
@@ -22745,10 +25268,10 @@
       </p:cxnSp>
       <p:sp>
         <p:nvSpPr>
-          <p:cNvPr id="21" name="Slide Number">
+          <p:cNvPr id="22" name="Slide Number">
             <a:extLst>
               <a:ext uri="{FF2B5EF4-FFF2-40B4-BE49-F238E27FC236}">
-                <a16:creationId xmlns:a16="http://schemas.microsoft.com/office/drawing/2014/main" id="{C1780DB1-0AF0-4108-AFE1-9DA99F0DBCB8}"/>
+                <a16:creationId xmlns:a16="http://schemas.microsoft.com/office/drawing/2014/main" id="{DAEAA4F1-746F-4CD4-94C4-20C1CB94DFF2}"/>
               </a:ext>
             </a:extLst>
           </p:cNvPr>
@@ -22788,7 +25311,7 @@
     </p:spTree>
     <p:extLst>
       <p:ext uri="{BB962C8B-B14F-4D97-AF65-F5344CB8AC3E}">
-        <p14:creationId xmlns:p14="http://schemas.microsoft.com/office/powerpoint/2010/main" val="4166023512"/>
+        <p14:creationId xmlns:p14="http://schemas.microsoft.com/office/powerpoint/2010/main" val="305078136"/>
       </p:ext>
     </p:extLst>
   </p:cSld>
@@ -23279,138 +25802,6 @@
       </p:sp>
       <p:sp>
         <p:nvSpPr>
-          <p:cNvPr id="23" name="Slide Number Placeholder 1">
-            <a:extLst>
-              <a:ext uri="{FF2B5EF4-FFF2-40B4-BE49-F238E27FC236}">
-                <a16:creationId xmlns:a16="http://schemas.microsoft.com/office/drawing/2014/main" id="{2D4AD747-1D9C-4984-8C7B-7AB42271DC64}"/>
-              </a:ext>
-            </a:extLst>
-          </p:cNvPr>
-          <p:cNvSpPr txBox="1">
-            <a:spLocks/>
-          </p:cNvSpPr>
-          <p:nvPr/>
-        </p:nvSpPr>
-        <p:spPr>
-          <a:xfrm>
-            <a:off x="11568000" y="6525003"/>
-            <a:ext cx="428822" cy="196477"/>
-          </a:xfrm>
-          <a:prstGeom prst="rect">
-            <a:avLst/>
-          </a:prstGeom>
-        </p:spPr>
-        <p:txBody>
-          <a:bodyPr vert="horz" lIns="36000" tIns="36000" rIns="36000" bIns="36000" rtlCol="0" anchor="ctr"/>
-          <a:lstStyle>
-            <a:defPPr>
-              <a:defRPr lang="en-US"/>
-            </a:defPPr>
-            <a:lvl1pPr marL="0" algn="r" defTabSz="1218987" rtl="0" eaLnBrk="1" latinLnBrk="0" hangingPunct="1">
-              <a:defRPr sz="1000" kern="1200">
-                <a:solidFill>
-                  <a:schemeClr val="tx1">
-                    <a:tint val="75000"/>
-                  </a:schemeClr>
-                </a:solidFill>
-                <a:latin typeface="+mn-lt"/>
-                <a:ea typeface="+mn-ea"/>
-                <a:cs typeface="+mn-cs"/>
-              </a:defRPr>
-            </a:lvl1pPr>
-            <a:lvl2pPr marL="609493" algn="l" defTabSz="1218987" rtl="0" eaLnBrk="1" latinLnBrk="0" hangingPunct="1">
-              <a:defRPr sz="2400" kern="1200">
-                <a:solidFill>
-                  <a:schemeClr val="tx1"/>
-                </a:solidFill>
-                <a:latin typeface="+mn-lt"/>
-                <a:ea typeface="+mn-ea"/>
-                <a:cs typeface="+mn-cs"/>
-              </a:defRPr>
-            </a:lvl2pPr>
-            <a:lvl3pPr marL="1218987" algn="l" defTabSz="1218987" rtl="0" eaLnBrk="1" latinLnBrk="0" hangingPunct="1">
-              <a:defRPr sz="2400" kern="1200">
-                <a:solidFill>
-                  <a:schemeClr val="tx1"/>
-                </a:solidFill>
-                <a:latin typeface="+mn-lt"/>
-                <a:ea typeface="+mn-ea"/>
-                <a:cs typeface="+mn-cs"/>
-              </a:defRPr>
-            </a:lvl3pPr>
-            <a:lvl4pPr marL="1828480" algn="l" defTabSz="1218987" rtl="0" eaLnBrk="1" latinLnBrk="0" hangingPunct="1">
-              <a:defRPr sz="2400" kern="1200">
-                <a:solidFill>
-                  <a:schemeClr val="tx1"/>
-                </a:solidFill>
-                <a:latin typeface="+mn-lt"/>
-                <a:ea typeface="+mn-ea"/>
-                <a:cs typeface="+mn-cs"/>
-              </a:defRPr>
-            </a:lvl4pPr>
-            <a:lvl5pPr marL="2437973" algn="l" defTabSz="1218987" rtl="0" eaLnBrk="1" latinLnBrk="0" hangingPunct="1">
-              <a:defRPr sz="2400" kern="1200">
-                <a:solidFill>
-                  <a:schemeClr val="tx1"/>
-                </a:solidFill>
-                <a:latin typeface="+mn-lt"/>
-                <a:ea typeface="+mn-ea"/>
-                <a:cs typeface="+mn-cs"/>
-              </a:defRPr>
-            </a:lvl5pPr>
-            <a:lvl6pPr marL="3047467" algn="l" defTabSz="1218987" rtl="0" eaLnBrk="1" latinLnBrk="0" hangingPunct="1">
-              <a:defRPr sz="2400" kern="1200">
-                <a:solidFill>
-                  <a:schemeClr val="tx1"/>
-                </a:solidFill>
-                <a:latin typeface="+mn-lt"/>
-                <a:ea typeface="+mn-ea"/>
-                <a:cs typeface="+mn-cs"/>
-              </a:defRPr>
-            </a:lvl6pPr>
-            <a:lvl7pPr marL="3656960" algn="l" defTabSz="1218987" rtl="0" eaLnBrk="1" latinLnBrk="0" hangingPunct="1">
-              <a:defRPr sz="2400" kern="1200">
-                <a:solidFill>
-                  <a:schemeClr val="tx1"/>
-                </a:solidFill>
-                <a:latin typeface="+mn-lt"/>
-                <a:ea typeface="+mn-ea"/>
-                <a:cs typeface="+mn-cs"/>
-              </a:defRPr>
-            </a:lvl7pPr>
-            <a:lvl8pPr marL="4266453" algn="l" defTabSz="1218987" rtl="0" eaLnBrk="1" latinLnBrk="0" hangingPunct="1">
-              <a:defRPr sz="2400" kern="1200">
-                <a:solidFill>
-                  <a:schemeClr val="tx1"/>
-                </a:solidFill>
-                <a:latin typeface="+mn-lt"/>
-                <a:ea typeface="+mn-ea"/>
-                <a:cs typeface="+mn-cs"/>
-              </a:defRPr>
-            </a:lvl8pPr>
-            <a:lvl9pPr marL="4875947" algn="l" defTabSz="1218987" rtl="0" eaLnBrk="1" latinLnBrk="0" hangingPunct="1">
-              <a:defRPr sz="2400" kern="1200">
-                <a:solidFill>
-                  <a:schemeClr val="tx1"/>
-                </a:solidFill>
-                <a:latin typeface="+mn-lt"/>
-                <a:ea typeface="+mn-ea"/>
-                <a:cs typeface="+mn-cs"/>
-              </a:defRPr>
-            </a:lvl9pPr>
-          </a:lstStyle>
-          <a:p>
-            <a:fld id="{C014DD1E-5D91-48A3-AD6D-45FBA980D106}" type="slidenum">
-              <a:rPr lang="en-US"/>
-              <a:pPr/>
-              <a:t>27</a:t>
-            </a:fld>
-            <a:endParaRPr lang="en-US" dirty="0"/>
-          </a:p>
-        </p:txBody>
-      </p:sp>
-      <p:sp>
-        <p:nvSpPr>
           <p:cNvPr id="25" name="TextBox 24">
             <a:extLst>
               <a:ext uri="{FF2B5EF4-FFF2-40B4-BE49-F238E27FC236}">
@@ -23966,10 +26357,10 @@
       </p:cxnSp>
       <p:sp>
         <p:nvSpPr>
-          <p:cNvPr id="21" name="Slide Number">
+          <p:cNvPr id="22" name="Slide Number">
             <a:extLst>
               <a:ext uri="{FF2B5EF4-FFF2-40B4-BE49-F238E27FC236}">
-                <a16:creationId xmlns:a16="http://schemas.microsoft.com/office/drawing/2014/main" id="{C1780DB1-0AF0-4108-AFE1-9DA99F0DBCB8}"/>
+                <a16:creationId xmlns:a16="http://schemas.microsoft.com/office/drawing/2014/main" id="{70400901-0370-4E8B-AB32-9850A33F73DD}"/>
               </a:ext>
             </a:extLst>
           </p:cNvPr>
@@ -24009,7 +26400,7 @@
     </p:spTree>
     <p:extLst>
       <p:ext uri="{BB962C8B-B14F-4D97-AF65-F5344CB8AC3E}">
-        <p14:creationId xmlns:p14="http://schemas.microsoft.com/office/powerpoint/2010/main" val="2154568600"/>
+        <p14:creationId xmlns:p14="http://schemas.microsoft.com/office/powerpoint/2010/main" val="2477891489"/>
       </p:ext>
     </p:extLst>
   </p:cSld>
@@ -24028,13 +26419,6 @@
       </p:transition>
     </mc:Fallback>
   </mc:AlternateContent>
-  <p:timing>
-    <p:tnLst>
-      <p:par>
-        <p:cTn id="1" dur="indefinite" restart="never" nodeType="tmRoot"/>
-      </p:par>
-    </p:tnLst>
-  </p:timing>
 </p:sld>
 </file>
 
@@ -24110,138 +26494,6 @@
               <a:t>Session Management</a:t>
             </a:r>
             <a:endParaRPr lang="bg-BG" dirty="0"/>
-          </a:p>
-        </p:txBody>
-      </p:sp>
-      <p:sp>
-        <p:nvSpPr>
-          <p:cNvPr id="23" name="Slide Number Placeholder 1">
-            <a:extLst>
-              <a:ext uri="{FF2B5EF4-FFF2-40B4-BE49-F238E27FC236}">
-                <a16:creationId xmlns:a16="http://schemas.microsoft.com/office/drawing/2014/main" id="{2D4AD747-1D9C-4984-8C7B-7AB42271DC64}"/>
-              </a:ext>
-            </a:extLst>
-          </p:cNvPr>
-          <p:cNvSpPr txBox="1">
-            <a:spLocks/>
-          </p:cNvSpPr>
-          <p:nvPr/>
-        </p:nvSpPr>
-        <p:spPr>
-          <a:xfrm>
-            <a:off x="11568000" y="6525003"/>
-            <a:ext cx="428822" cy="196477"/>
-          </a:xfrm>
-          <a:prstGeom prst="rect">
-            <a:avLst/>
-          </a:prstGeom>
-        </p:spPr>
-        <p:txBody>
-          <a:bodyPr vert="horz" lIns="36000" tIns="36000" rIns="36000" bIns="36000" rtlCol="0" anchor="ctr"/>
-          <a:lstStyle>
-            <a:defPPr>
-              <a:defRPr lang="en-US"/>
-            </a:defPPr>
-            <a:lvl1pPr marL="0" algn="r" defTabSz="1218987" rtl="0" eaLnBrk="1" latinLnBrk="0" hangingPunct="1">
-              <a:defRPr sz="1000" kern="1200">
-                <a:solidFill>
-                  <a:schemeClr val="tx1">
-                    <a:tint val="75000"/>
-                  </a:schemeClr>
-                </a:solidFill>
-                <a:latin typeface="+mn-lt"/>
-                <a:ea typeface="+mn-ea"/>
-                <a:cs typeface="+mn-cs"/>
-              </a:defRPr>
-            </a:lvl1pPr>
-            <a:lvl2pPr marL="609493" algn="l" defTabSz="1218987" rtl="0" eaLnBrk="1" latinLnBrk="0" hangingPunct="1">
-              <a:defRPr sz="2400" kern="1200">
-                <a:solidFill>
-                  <a:schemeClr val="tx1"/>
-                </a:solidFill>
-                <a:latin typeface="+mn-lt"/>
-                <a:ea typeface="+mn-ea"/>
-                <a:cs typeface="+mn-cs"/>
-              </a:defRPr>
-            </a:lvl2pPr>
-            <a:lvl3pPr marL="1218987" algn="l" defTabSz="1218987" rtl="0" eaLnBrk="1" latinLnBrk="0" hangingPunct="1">
-              <a:defRPr sz="2400" kern="1200">
-                <a:solidFill>
-                  <a:schemeClr val="tx1"/>
-                </a:solidFill>
-                <a:latin typeface="+mn-lt"/>
-                <a:ea typeface="+mn-ea"/>
-                <a:cs typeface="+mn-cs"/>
-              </a:defRPr>
-            </a:lvl3pPr>
-            <a:lvl4pPr marL="1828480" algn="l" defTabSz="1218987" rtl="0" eaLnBrk="1" latinLnBrk="0" hangingPunct="1">
-              <a:defRPr sz="2400" kern="1200">
-                <a:solidFill>
-                  <a:schemeClr val="tx1"/>
-                </a:solidFill>
-                <a:latin typeface="+mn-lt"/>
-                <a:ea typeface="+mn-ea"/>
-                <a:cs typeface="+mn-cs"/>
-              </a:defRPr>
-            </a:lvl4pPr>
-            <a:lvl5pPr marL="2437973" algn="l" defTabSz="1218987" rtl="0" eaLnBrk="1" latinLnBrk="0" hangingPunct="1">
-              <a:defRPr sz="2400" kern="1200">
-                <a:solidFill>
-                  <a:schemeClr val="tx1"/>
-                </a:solidFill>
-                <a:latin typeface="+mn-lt"/>
-                <a:ea typeface="+mn-ea"/>
-                <a:cs typeface="+mn-cs"/>
-              </a:defRPr>
-            </a:lvl5pPr>
-            <a:lvl6pPr marL="3047467" algn="l" defTabSz="1218987" rtl="0" eaLnBrk="1" latinLnBrk="0" hangingPunct="1">
-              <a:defRPr sz="2400" kern="1200">
-                <a:solidFill>
-                  <a:schemeClr val="tx1"/>
-                </a:solidFill>
-                <a:latin typeface="+mn-lt"/>
-                <a:ea typeface="+mn-ea"/>
-                <a:cs typeface="+mn-cs"/>
-              </a:defRPr>
-            </a:lvl6pPr>
-            <a:lvl7pPr marL="3656960" algn="l" defTabSz="1218987" rtl="0" eaLnBrk="1" latinLnBrk="0" hangingPunct="1">
-              <a:defRPr sz="2400" kern="1200">
-                <a:solidFill>
-                  <a:schemeClr val="tx1"/>
-                </a:solidFill>
-                <a:latin typeface="+mn-lt"/>
-                <a:ea typeface="+mn-ea"/>
-                <a:cs typeface="+mn-cs"/>
-              </a:defRPr>
-            </a:lvl7pPr>
-            <a:lvl8pPr marL="4266453" algn="l" defTabSz="1218987" rtl="0" eaLnBrk="1" latinLnBrk="0" hangingPunct="1">
-              <a:defRPr sz="2400" kern="1200">
-                <a:solidFill>
-                  <a:schemeClr val="tx1"/>
-                </a:solidFill>
-                <a:latin typeface="+mn-lt"/>
-                <a:ea typeface="+mn-ea"/>
-                <a:cs typeface="+mn-cs"/>
-              </a:defRPr>
-            </a:lvl8pPr>
-            <a:lvl9pPr marL="4875947" algn="l" defTabSz="1218987" rtl="0" eaLnBrk="1" latinLnBrk="0" hangingPunct="1">
-              <a:defRPr sz="2400" kern="1200">
-                <a:solidFill>
-                  <a:schemeClr val="tx1"/>
-                </a:solidFill>
-                <a:latin typeface="+mn-lt"/>
-                <a:ea typeface="+mn-ea"/>
-                <a:cs typeface="+mn-cs"/>
-              </a:defRPr>
-            </a:lvl9pPr>
-          </a:lstStyle>
-          <a:p>
-            <a:fld id="{C014DD1E-5D91-48A3-AD6D-45FBA980D106}" type="slidenum">
-              <a:rPr lang="en-US"/>
-              <a:pPr/>
-              <a:t>28</a:t>
-            </a:fld>
-            <a:endParaRPr lang="en-US" dirty="0"/>
           </a:p>
         </p:txBody>
       </p:sp>
@@ -24810,10 +27062,10 @@
       </p:cxnSp>
       <p:sp>
         <p:nvSpPr>
-          <p:cNvPr id="21" name="Slide Number">
+          <p:cNvPr id="22" name="Slide Number">
             <a:extLst>
               <a:ext uri="{FF2B5EF4-FFF2-40B4-BE49-F238E27FC236}">
-                <a16:creationId xmlns:a16="http://schemas.microsoft.com/office/drawing/2014/main" id="{C1780DB1-0AF0-4108-AFE1-9DA99F0DBCB8}"/>
+                <a16:creationId xmlns:a16="http://schemas.microsoft.com/office/drawing/2014/main" id="{919BFB41-819B-4912-8399-14AB08337406}"/>
               </a:ext>
             </a:extLst>
           </p:cNvPr>
@@ -24853,7 +27105,7 @@
     </p:spTree>
     <p:extLst>
       <p:ext uri="{BB962C8B-B14F-4D97-AF65-F5344CB8AC3E}">
-        <p14:creationId xmlns:p14="http://schemas.microsoft.com/office/powerpoint/2010/main" val="3105427937"/>
+        <p14:creationId xmlns:p14="http://schemas.microsoft.com/office/powerpoint/2010/main" val="3756549313"/>
       </p:ext>
     </p:extLst>
   </p:cSld>
@@ -24872,13 +27124,6 @@
       </p:transition>
     </mc:Fallback>
   </mc:AlternateContent>
-  <p:timing>
-    <p:tnLst>
-      <p:par>
-        <p:cTn id="1" dur="indefinite" restart="never" nodeType="tmRoot"/>
-      </p:par>
-    </p:tnLst>
-  </p:timing>
 </p:sld>
 </file>
 
@@ -25100,14 +27345,6 @@
                 </a:solidFill>
               </a:rPr>
               <a:t>sid</a:t>
-            </a:r>
-            <a:r>
-              <a:rPr lang="en-US" sz="2800" dirty="0">
-                <a:solidFill>
-                  <a:schemeClr val="bg1"/>
-                </a:solidFill>
-              </a:rPr>
-              <a:t/>
             </a:r>
             <a:br>
               <a:rPr lang="en-US" sz="2800" dirty="0">
@@ -25308,16 +27545,6 @@
               </a:rPr>
               <a:t>sid</a:t>
             </a:r>
-            <a:r>
-              <a:rPr lang="en-US" sz="2800" dirty="0">
-                <a:solidFill>
-                  <a:schemeClr val="tx2">
-                    <a:lumMod val="75000"/>
-                  </a:schemeClr>
-                </a:solidFill>
-              </a:rPr>
-              <a:t/>
-            </a:r>
             <a:br>
               <a:rPr lang="en-US" sz="2800" dirty="0">
                 <a:solidFill>
@@ -25448,14 +27675,6 @@
           <a:bodyPr rtlCol="0" anchor="ctr"/>
           <a:lstStyle/>
           <a:p>
-            <a:r>
-              <a:rPr lang="en-US" sz="2000" b="1" dirty="0">
-                <a:solidFill>
-                  <a:schemeClr val="bg2"/>
-                </a:solidFill>
-              </a:rPr>
-              <a:t/>
-            </a:r>
             <a:br>
               <a:rPr lang="en-US" sz="2000" b="1" dirty="0">
                 <a:solidFill>
@@ -26098,10 +28317,10 @@
       </p:sp>
       <p:sp>
         <p:nvSpPr>
-          <p:cNvPr id="31" name="Slide Number">
+          <p:cNvPr id="32" name="Slide Number">
             <a:extLst>
               <a:ext uri="{FF2B5EF4-FFF2-40B4-BE49-F238E27FC236}">
-                <a16:creationId xmlns:a16="http://schemas.microsoft.com/office/drawing/2014/main" id="{C1780DB1-0AF0-4108-AFE1-9DA99F0DBCB8}"/>
+                <a16:creationId xmlns:a16="http://schemas.microsoft.com/office/drawing/2014/main" id="{C6B8931E-EF73-401C-A609-91771CD985F9}"/>
               </a:ext>
             </a:extLst>
           </p:cNvPr>
@@ -26141,7 +28360,7 @@
     </p:spTree>
     <p:extLst>
       <p:ext uri="{BB962C8B-B14F-4D97-AF65-F5344CB8AC3E}">
-        <p14:creationId xmlns:p14="http://schemas.microsoft.com/office/powerpoint/2010/main" val="1606318781"/>
+        <p14:creationId xmlns:p14="http://schemas.microsoft.com/office/powerpoint/2010/main" val="379907430"/>
       </p:ext>
     </p:extLst>
   </p:cSld>
@@ -26994,10 +29213,6 @@
               </a:rPr>
               <a:t>sli.do</a:t>
             </a:r>
-            <a:r>
-              <a:rPr lang="en-US" sz="6000" b="1" dirty="0"/>
-              <a:t/>
-            </a:r>
             <a:br>
               <a:rPr lang="en-US" sz="6000" b="1" dirty="0"/>
             </a:br>
@@ -27033,10 +29248,10 @@
       </p:sp>
       <p:sp>
         <p:nvSpPr>
-          <p:cNvPr id="5" name="Slide Number">
+          <p:cNvPr id="6" name="Slide Number">
             <a:extLst>
               <a:ext uri="{FF2B5EF4-FFF2-40B4-BE49-F238E27FC236}">
-                <a16:creationId xmlns:a16="http://schemas.microsoft.com/office/drawing/2014/main" id="{C1780DB1-0AF0-4108-AFE1-9DA99F0DBCB8}"/>
+                <a16:creationId xmlns:a16="http://schemas.microsoft.com/office/drawing/2014/main" id="{A6DE87A8-936E-4910-98E2-5FCFCCA2DD5D}"/>
               </a:ext>
             </a:extLst>
           </p:cNvPr>
@@ -27076,7 +29291,7 @@
     </p:spTree>
     <p:extLst>
       <p:ext uri="{BB962C8B-B14F-4D97-AF65-F5344CB8AC3E}">
-        <p14:creationId xmlns:p14="http://schemas.microsoft.com/office/powerpoint/2010/main" val="2842694622"/>
+        <p14:creationId xmlns:p14="http://schemas.microsoft.com/office/powerpoint/2010/main" val="125815421"/>
       </p:ext>
     </p:extLst>
   </p:cSld>
@@ -27091,13 +29306,6 @@
       <p:transition spd="slow" advTm="5000"/>
     </mc:Fallback>
   </mc:AlternateContent>
-  <p:timing>
-    <p:tnLst>
-      <p:par>
-        <p:cTn id="1" dur="indefinite" restart="never" nodeType="tmRoot"/>
-      </p:par>
-    </p:tnLst>
-  </p:timing>
 </p:sld>
 </file>
 
@@ -28183,10 +30391,10 @@
       </p:cxnSp>
       <p:sp>
         <p:nvSpPr>
-          <p:cNvPr id="19" name="Slide Number">
+          <p:cNvPr id="21" name="Slide Number">
             <a:extLst>
               <a:ext uri="{FF2B5EF4-FFF2-40B4-BE49-F238E27FC236}">
-                <a16:creationId xmlns:a16="http://schemas.microsoft.com/office/drawing/2014/main" id="{C1780DB1-0AF0-4108-AFE1-9DA99F0DBCB8}"/>
+                <a16:creationId xmlns:a16="http://schemas.microsoft.com/office/drawing/2014/main" id="{6EDD8DBE-C4FB-4CDA-9C71-6E2FF89EE040}"/>
               </a:ext>
             </a:extLst>
           </p:cNvPr>
@@ -28226,7 +30434,7 @@
     </p:spTree>
     <p:extLst>
       <p:ext uri="{BB962C8B-B14F-4D97-AF65-F5344CB8AC3E}">
-        <p14:creationId xmlns:p14="http://schemas.microsoft.com/office/powerpoint/2010/main" val="1462954323"/>
+        <p14:creationId xmlns:p14="http://schemas.microsoft.com/office/powerpoint/2010/main" val="328575141"/>
       </p:ext>
     </p:extLst>
   </p:cSld>
@@ -29503,10 +31711,10 @@
       </p:sp>
       <p:sp>
         <p:nvSpPr>
-          <p:cNvPr id="15" name="Slide Number">
+          <p:cNvPr id="16" name="Slide Number">
             <a:extLst>
               <a:ext uri="{FF2B5EF4-FFF2-40B4-BE49-F238E27FC236}">
-                <a16:creationId xmlns:a16="http://schemas.microsoft.com/office/drawing/2014/main" id="{C1780DB1-0AF0-4108-AFE1-9DA99F0DBCB8}"/>
+                <a16:creationId xmlns:a16="http://schemas.microsoft.com/office/drawing/2014/main" id="{071A550A-DDE4-42AD-B4FA-138858B703DA}"/>
               </a:ext>
             </a:extLst>
           </p:cNvPr>
@@ -29546,7 +31754,7 @@
     </p:spTree>
     <p:extLst>
       <p:ext uri="{BB962C8B-B14F-4D97-AF65-F5344CB8AC3E}">
-        <p14:creationId xmlns:p14="http://schemas.microsoft.com/office/powerpoint/2010/main" val="2087190546"/>
+        <p14:creationId xmlns:p14="http://schemas.microsoft.com/office/powerpoint/2010/main" val="3847429573"/>
       </p:ext>
     </p:extLst>
   </p:cSld>
@@ -29952,7 +32160,7 @@
     </p:spTree>
     <p:extLst>
       <p:ext uri="{BB962C8B-B14F-4D97-AF65-F5344CB8AC3E}">
-        <p14:creationId xmlns:p14="http://schemas.microsoft.com/office/powerpoint/2010/main" val="3538928320"/>
+        <p14:creationId xmlns:p14="http://schemas.microsoft.com/office/powerpoint/2010/main" val="606429556"/>
       </p:ext>
     </p:extLst>
   </p:cSld>
@@ -30005,7 +32213,7 @@
         </p:spPr>
         <p:txBody>
           <a:bodyPr>
-            <a:normAutofit lnSpcReduction="10000"/>
+            <a:normAutofit/>
           </a:bodyPr>
           <a:lstStyle/>
           <a:p>
@@ -30032,15 +32240,12 @@
               <a:t>, </a:t>
             </a:r>
             <a:r>
-              <a:rPr lang="en-US" sz="3000" noProof="1">
+              <a:rPr lang="en-US" sz="2800" dirty="0">
                 <a:hlinkClick r:id="rId4"/>
               </a:rPr>
-              <a:t>softuni.org</a:t>
-            </a:r>
-            <a:r>
-              <a:rPr lang="en-US" sz="3000" noProof="1"/>
-              <a:t> </a:t>
-            </a:r>
+              <a:t>about.softuni.bg</a:t>
+            </a:r>
+            <a:endParaRPr lang="en-US" sz="3000" noProof="1"/>
           </a:p>
           <a:p>
             <a:pPr>
@@ -30143,16 +32348,14 @@
           <p:cNvPr id="5" name="Slide Number">
             <a:extLst>
               <a:ext uri="{FF2B5EF4-FFF2-40B4-BE49-F238E27FC236}">
-                <a16:creationId xmlns:a16="http://schemas.microsoft.com/office/drawing/2014/main" id="{C1780DB1-0AF0-4108-AFE1-9DA99F0DBCB8}"/>
+                <a16:creationId xmlns:a16="http://schemas.microsoft.com/office/drawing/2014/main" id="{DB7D3EE1-33CB-4195-8B9E-62F5F5B53AF8}"/>
               </a:ext>
             </a:extLst>
           </p:cNvPr>
-          <p:cNvSpPr>
-            <a:spLocks noGrp="1"/>
+          <p:cNvSpPr txBox="1">
+            <a:spLocks/>
           </p:cNvSpPr>
-          <p:nvPr>
-            <p:ph type="sldNum" sz="quarter" idx="4294967295"/>
-          </p:nvPr>
+          <p:nvPr/>
         </p:nvSpPr>
         <p:spPr>
           <a:xfrm>
@@ -30166,24 +32369,114 @@
         <p:txBody>
           <a:bodyPr vert="horz" lIns="91440" tIns="45720" rIns="91440" bIns="45720" rtlCol="0" anchor="b"/>
           <a:lstStyle>
-            <a:lvl1pPr algn="r">
-              <a:defRPr sz="1000"/>
+            <a:defPPr>
+              <a:defRPr lang="en-US"/>
+            </a:defPPr>
+            <a:lvl1pPr marL="0" algn="r" defTabSz="914400" rtl="0" eaLnBrk="1" latinLnBrk="0" hangingPunct="1">
+              <a:defRPr sz="1000" kern="1200">
+                <a:solidFill>
+                  <a:schemeClr val="tx1"/>
+                </a:solidFill>
+                <a:latin typeface="+mn-lt"/>
+                <a:ea typeface="+mn-ea"/>
+                <a:cs typeface="+mn-cs"/>
+              </a:defRPr>
             </a:lvl1pPr>
+            <a:lvl2pPr marL="457200" algn="l" defTabSz="914400" rtl="0" eaLnBrk="1" latinLnBrk="0" hangingPunct="1">
+              <a:defRPr sz="1800" kern="1200">
+                <a:solidFill>
+                  <a:schemeClr val="tx1"/>
+                </a:solidFill>
+                <a:latin typeface="+mn-lt"/>
+                <a:ea typeface="+mn-ea"/>
+                <a:cs typeface="+mn-cs"/>
+              </a:defRPr>
+            </a:lvl2pPr>
+            <a:lvl3pPr marL="914400" algn="l" defTabSz="914400" rtl="0" eaLnBrk="1" latinLnBrk="0" hangingPunct="1">
+              <a:defRPr sz="1800" kern="1200">
+                <a:solidFill>
+                  <a:schemeClr val="tx1"/>
+                </a:solidFill>
+                <a:latin typeface="+mn-lt"/>
+                <a:ea typeface="+mn-ea"/>
+                <a:cs typeface="+mn-cs"/>
+              </a:defRPr>
+            </a:lvl3pPr>
+            <a:lvl4pPr marL="1371600" algn="l" defTabSz="914400" rtl="0" eaLnBrk="1" latinLnBrk="0" hangingPunct="1">
+              <a:defRPr sz="1800" kern="1200">
+                <a:solidFill>
+                  <a:schemeClr val="tx1"/>
+                </a:solidFill>
+                <a:latin typeface="+mn-lt"/>
+                <a:ea typeface="+mn-ea"/>
+                <a:cs typeface="+mn-cs"/>
+              </a:defRPr>
+            </a:lvl4pPr>
+            <a:lvl5pPr marL="1828800" algn="l" defTabSz="914400" rtl="0" eaLnBrk="1" latinLnBrk="0" hangingPunct="1">
+              <a:defRPr sz="1800" kern="1200">
+                <a:solidFill>
+                  <a:schemeClr val="tx1"/>
+                </a:solidFill>
+                <a:latin typeface="+mn-lt"/>
+                <a:ea typeface="+mn-ea"/>
+                <a:cs typeface="+mn-cs"/>
+              </a:defRPr>
+            </a:lvl5pPr>
+            <a:lvl6pPr marL="2286000" algn="l" defTabSz="914400" rtl="0" eaLnBrk="1" latinLnBrk="0" hangingPunct="1">
+              <a:defRPr sz="1800" kern="1200">
+                <a:solidFill>
+                  <a:schemeClr val="tx1"/>
+                </a:solidFill>
+                <a:latin typeface="+mn-lt"/>
+                <a:ea typeface="+mn-ea"/>
+                <a:cs typeface="+mn-cs"/>
+              </a:defRPr>
+            </a:lvl6pPr>
+            <a:lvl7pPr marL="2743200" algn="l" defTabSz="914400" rtl="0" eaLnBrk="1" latinLnBrk="0" hangingPunct="1">
+              <a:defRPr sz="1800" kern="1200">
+                <a:solidFill>
+                  <a:schemeClr val="tx1"/>
+                </a:solidFill>
+                <a:latin typeface="+mn-lt"/>
+                <a:ea typeface="+mn-ea"/>
+                <a:cs typeface="+mn-cs"/>
+              </a:defRPr>
+            </a:lvl7pPr>
+            <a:lvl8pPr marL="3200400" algn="l" defTabSz="914400" rtl="0" eaLnBrk="1" latinLnBrk="0" hangingPunct="1">
+              <a:defRPr sz="1800" kern="1200">
+                <a:solidFill>
+                  <a:schemeClr val="tx1"/>
+                </a:solidFill>
+                <a:latin typeface="+mn-lt"/>
+                <a:ea typeface="+mn-ea"/>
+                <a:cs typeface="+mn-cs"/>
+              </a:defRPr>
+            </a:lvl8pPr>
+            <a:lvl9pPr marL="3657600" algn="l" defTabSz="914400" rtl="0" eaLnBrk="1" latinLnBrk="0" hangingPunct="1">
+              <a:defRPr sz="1800" kern="1200">
+                <a:solidFill>
+                  <a:schemeClr val="tx1"/>
+                </a:solidFill>
+                <a:latin typeface="+mn-lt"/>
+                <a:ea typeface="+mn-ea"/>
+                <a:cs typeface="+mn-cs"/>
+              </a:defRPr>
+            </a:lvl9pPr>
           </a:lstStyle>
           <a:p>
             <a:fld id="{2BF067CD-8E6B-4360-9AA8-C5DF2A48A6D1}" type="slidenum">
-              <a:rPr lang="en-US" noProof="0" smtClean="0"/>
+              <a:rPr lang="en-US" smtClean="0"/>
               <a:pPr/>
               <a:t>33</a:t>
             </a:fld>
-            <a:endParaRPr lang="en-US" noProof="0" dirty="0"/>
+            <a:endParaRPr lang="en-US" dirty="0"/>
           </a:p>
         </p:txBody>
       </p:sp>
     </p:spTree>
     <p:extLst>
       <p:ext uri="{BB962C8B-B14F-4D97-AF65-F5344CB8AC3E}">
-        <p14:creationId xmlns:p14="http://schemas.microsoft.com/office/powerpoint/2010/main" val="144186764"/>
+        <p14:creationId xmlns:p14="http://schemas.microsoft.com/office/powerpoint/2010/main" val="2338706712"/>
       </p:ext>
     </p:extLst>
   </p:cSld>
@@ -30284,7 +32577,7 @@
               <a:rPr lang="en-US" dirty="0">
                 <a:hlinkClick r:id="rId3"/>
               </a:rPr>
-              <a:t>https://softuni.org</a:t>
+              <a:t>https://about.softuni.bg</a:t>
             </a:r>
             <a:endParaRPr lang="en-US" dirty="0"/>
           </a:p>
@@ -30383,7 +32676,7 @@
           <p:cNvPr id="7" name="Slide Number">
             <a:extLst>
               <a:ext uri="{FF2B5EF4-FFF2-40B4-BE49-F238E27FC236}">
-                <a16:creationId xmlns:a16="http://schemas.microsoft.com/office/drawing/2014/main" id="{C1780DB1-0AF0-4108-AFE1-9DA99F0DBCB8}"/>
+                <a16:creationId xmlns:a16="http://schemas.microsoft.com/office/drawing/2014/main" id="{367BBE75-3E47-4892-8E7E-64E036472660}"/>
               </a:ext>
             </a:extLst>
           </p:cNvPr>
@@ -30423,7 +32716,7 @@
     </p:spTree>
     <p:extLst>
       <p:ext uri="{BB962C8B-B14F-4D97-AF65-F5344CB8AC3E}">
-        <p14:creationId xmlns:p14="http://schemas.microsoft.com/office/powerpoint/2010/main" val="3506533871"/>
+        <p14:creationId xmlns:p14="http://schemas.microsoft.com/office/powerpoint/2010/main" val="2754365129"/>
       </p:ext>
     </p:extLst>
   </p:cSld>
@@ -30458,29 +32751,6 @@
           <a:chExt cx="0" cy="0"/>
         </a:xfrm>
       </p:grpSpPr>
-      <p:sp>
-        <p:nvSpPr>
-          <p:cNvPr id="4" name="Title 3"/>
-          <p:cNvSpPr>
-            <a:spLocks noGrp="1"/>
-          </p:cNvSpPr>
-          <p:nvPr>
-            <p:ph type="title" sz="quarter" idx="10"/>
-          </p:nvPr>
-        </p:nvSpPr>
-        <p:spPr/>
-        <p:txBody>
-          <a:bodyPr/>
-          <a:lstStyle/>
-          <a:p>
-            <a:r>
-              <a:rPr lang="en-GB" smtClean="0"/>
-              <a:t>Usages and Control</a:t>
-            </a:r>
-            <a:endParaRPr lang="bg-BG"/>
-          </a:p>
-        </p:txBody>
-      </p:sp>
       <p:pic>
         <p:nvPicPr>
           <p:cNvPr id="7" name="Picture 6">
@@ -30519,7 +32789,41 @@
       </p:pic>
       <p:sp>
         <p:nvSpPr>
-          <p:cNvPr id="5" name="Subtitle 4"/>
+          <p:cNvPr id="3" name="Title 2">
+            <a:extLst>
+              <a:ext uri="{FF2B5EF4-FFF2-40B4-BE49-F238E27FC236}">
+                <a16:creationId xmlns:a16="http://schemas.microsoft.com/office/drawing/2014/main" id="{E8B4B2D4-0EE0-4AD7-BC0F-11B9CA42CB95}"/>
+              </a:ext>
+            </a:extLst>
+          </p:cNvPr>
+          <p:cNvSpPr>
+            <a:spLocks noGrp="1"/>
+          </p:cNvSpPr>
+          <p:nvPr>
+            <p:ph type="title" sz="quarter" idx="10"/>
+          </p:nvPr>
+        </p:nvSpPr>
+        <p:spPr/>
+        <p:txBody>
+          <a:bodyPr/>
+          <a:lstStyle/>
+          <a:p>
+            <a:r>
+              <a:rPr lang="en-US" dirty="0"/>
+              <a:t>HTTP Cookies</a:t>
+            </a:r>
+          </a:p>
+        </p:txBody>
+      </p:sp>
+      <p:sp>
+        <p:nvSpPr>
+          <p:cNvPr id="8" name="Subtitle 7">
+            <a:extLst>
+              <a:ext uri="{FF2B5EF4-FFF2-40B4-BE49-F238E27FC236}">
+                <a16:creationId xmlns:a16="http://schemas.microsoft.com/office/drawing/2014/main" id="{C2BA3042-7D7E-49F8-93B3-FD23551D1B66}"/>
+              </a:ext>
+            </a:extLst>
+          </p:cNvPr>
           <p:cNvSpPr>
             <a:spLocks noGrp="1"/>
           </p:cNvSpPr>
@@ -30533,17 +32837,16 @@
           <a:lstStyle/>
           <a:p>
             <a:r>
-              <a:rPr lang="en-GB" smtClean="0"/>
-              <a:t>HTTP Cookies</a:t>
-            </a:r>
-            <a:endParaRPr lang="bg-BG"/>
+              <a:rPr lang="en-US" dirty="0"/>
+              <a:t>Usages and Control</a:t>
+            </a:r>
           </a:p>
         </p:txBody>
       </p:sp>
     </p:spTree>
     <p:extLst>
       <p:ext uri="{BB962C8B-B14F-4D97-AF65-F5344CB8AC3E}">
-        <p14:creationId xmlns:p14="http://schemas.microsoft.com/office/powerpoint/2010/main" val="1751999649"/>
+        <p14:creationId xmlns:p14="http://schemas.microsoft.com/office/powerpoint/2010/main" val="1354720577"/>
       </p:ext>
     </p:extLst>
   </p:cSld>
@@ -30558,13 +32861,6 @@
       <p:transition spd="slow" advTm="5000"/>
     </mc:Fallback>
   </mc:AlternateContent>
-  <p:timing>
-    <p:tnLst>
-      <p:par>
-        <p:cTn id="1" dur="indefinite" restart="never" nodeType="tmRoot"/>
-      </p:par>
-    </p:tnLst>
-  </p:timing>
 </p:sld>
 </file>
 
@@ -30690,7 +32986,7 @@
           <a:lstStyle/>
           <a:p>
             <a:r>
-              <a:rPr lang="en-US" smtClean="0"/>
+              <a:rPr lang="en-US"/>
               <a:t>What Are Cookies?</a:t>
             </a:r>
             <a:endParaRPr lang="bg-BG" dirty="0"/>
@@ -30738,7 +33034,7 @@
                   <a14:useLocalDpi xmlns:a14="http://schemas.microsoft.com/office/drawing/2010/main" val="0"/>
                 </a:ext>
                 <a:ext uri="{96DAC541-7B7A-43D3-8B79-37D633B846F1}">
-                  <asvg:svgBlip xmlns="" xmlns:asvg="http://schemas.microsoft.com/office/drawing/2016/SVG/main" r:embed="rId3"/>
+                  <asvg:svgBlip xmlns:asvg="http://schemas.microsoft.com/office/drawing/2016/SVG/main" r:embed="rId3"/>
                 </a:ext>
               </a:extLst>
             </a:blip>
@@ -30795,10 +33091,10 @@
       </p:grpSp>
       <p:sp>
         <p:nvSpPr>
-          <p:cNvPr id="8" name="Slide Number">
+          <p:cNvPr id="9" name="Slide Number">
             <a:extLst>
               <a:ext uri="{FF2B5EF4-FFF2-40B4-BE49-F238E27FC236}">
-                <a16:creationId xmlns:a16="http://schemas.microsoft.com/office/drawing/2014/main" id="{C1780DB1-0AF0-4108-AFE1-9DA99F0DBCB8}"/>
+                <a16:creationId xmlns:a16="http://schemas.microsoft.com/office/drawing/2014/main" id="{A488B564-B396-4200-A484-735D3F514E38}"/>
               </a:ext>
             </a:extLst>
           </p:cNvPr>
@@ -30838,7 +33134,7 @@
     </p:spTree>
     <p:extLst>
       <p:ext uri="{BB962C8B-B14F-4D97-AF65-F5344CB8AC3E}">
-        <p14:creationId xmlns:p14="http://schemas.microsoft.com/office/powerpoint/2010/main" val="1989211188"/>
+        <p14:creationId xmlns:p14="http://schemas.microsoft.com/office/powerpoint/2010/main" val="2521603704"/>
       </p:ext>
     </p:extLst>
   </p:cSld>
@@ -31184,7 +33480,7 @@
           <a:lstStyle/>
           <a:p>
             <a:r>
-              <a:rPr lang="en-US" smtClean="0"/>
+              <a:rPr lang="en-US"/>
               <a:t>What Are Cookies Used for?</a:t>
             </a:r>
             <a:endParaRPr lang="bg-BG" dirty="0"/>
@@ -31229,10 +33525,10 @@
       </p:pic>
       <p:sp>
         <p:nvSpPr>
-          <p:cNvPr id="7" name="Slide Number">
+          <p:cNvPr id="8" name="Slide Number">
             <a:extLst>
               <a:ext uri="{FF2B5EF4-FFF2-40B4-BE49-F238E27FC236}">
-                <a16:creationId xmlns:a16="http://schemas.microsoft.com/office/drawing/2014/main" id="{C1780DB1-0AF0-4108-AFE1-9DA99F0DBCB8}"/>
+                <a16:creationId xmlns:a16="http://schemas.microsoft.com/office/drawing/2014/main" id="{6367758B-D39E-40DB-A844-9ADA36EDF8B1}"/>
               </a:ext>
             </a:extLst>
           </p:cNvPr>
@@ -31272,7 +33568,7 @@
     </p:spTree>
     <p:extLst>
       <p:ext uri="{BB962C8B-B14F-4D97-AF65-F5344CB8AC3E}">
-        <p14:creationId xmlns:p14="http://schemas.microsoft.com/office/powerpoint/2010/main" val="1083160651"/>
+        <p14:creationId xmlns:p14="http://schemas.microsoft.com/office/powerpoint/2010/main" val="3232995070"/>
       </p:ext>
     </p:extLst>
   </p:cSld>
@@ -32398,10 +34694,10 @@
       </p:grpSp>
       <p:sp>
         <p:nvSpPr>
-          <p:cNvPr id="23" name="Slide Number">
+          <p:cNvPr id="24" name="Slide Number">
             <a:extLst>
               <a:ext uri="{FF2B5EF4-FFF2-40B4-BE49-F238E27FC236}">
-                <a16:creationId xmlns:a16="http://schemas.microsoft.com/office/drawing/2014/main" id="{C1780DB1-0AF0-4108-AFE1-9DA99F0DBCB8}"/>
+                <a16:creationId xmlns:a16="http://schemas.microsoft.com/office/drawing/2014/main" id="{3F830E30-C6D8-4932-B231-E6F126565544}"/>
               </a:ext>
             </a:extLst>
           </p:cNvPr>
@@ -32441,7 +34737,7 @@
     </p:spTree>
     <p:extLst>
       <p:ext uri="{BB962C8B-B14F-4D97-AF65-F5344CB8AC3E}">
-        <p14:creationId xmlns:p14="http://schemas.microsoft.com/office/powerpoint/2010/main" val="2302125865"/>
+        <p14:creationId xmlns:p14="http://schemas.microsoft.com/office/powerpoint/2010/main" val="3817244924"/>
       </p:ext>
     </p:extLst>
   </p:cSld>
@@ -32776,10 +35072,10 @@
       </p:sp>
       <p:sp>
         <p:nvSpPr>
-          <p:cNvPr id="5" name="Slide Number">
+          <p:cNvPr id="6" name="Slide Number">
             <a:extLst>
               <a:ext uri="{FF2B5EF4-FFF2-40B4-BE49-F238E27FC236}">
-                <a16:creationId xmlns:a16="http://schemas.microsoft.com/office/drawing/2014/main" id="{C1780DB1-0AF0-4108-AFE1-9DA99F0DBCB8}"/>
+                <a16:creationId xmlns:a16="http://schemas.microsoft.com/office/drawing/2014/main" id="{96BBC3C4-FEA8-4CAA-AD69-2FFF14CA6DA5}"/>
               </a:ext>
             </a:extLst>
           </p:cNvPr>
@@ -32819,7 +35115,7 @@
     </p:spTree>
     <p:extLst>
       <p:ext uri="{BB962C8B-B14F-4D97-AF65-F5344CB8AC3E}">
-        <p14:creationId xmlns:p14="http://schemas.microsoft.com/office/powerpoint/2010/main" val="1205458077"/>
+        <p14:creationId xmlns:p14="http://schemas.microsoft.com/office/powerpoint/2010/main" val="3715968610"/>
       </p:ext>
     </p:extLst>
   </p:cSld>
@@ -33183,15 +35479,7 @@
             <a:pPr lvl="1"/>
             <a:r>
               <a:rPr lang="en-US" dirty="0"/>
-              <a:t>T</a:t>
-            </a:r>
-            <a:r>
-              <a:rPr lang="en-US" dirty="0" smtClean="0"/>
-              <a:t>o </a:t>
-            </a:r>
-            <a:r>
-              <a:rPr lang="en-US" dirty="0"/>
-              <a:t>know whether the </a:t>
+              <a:t>To know whether the </a:t>
             </a:r>
             <a:r>
               <a:rPr lang="en-US" b="1" dirty="0">
@@ -33230,15 +35518,7 @@
             <a:pPr lvl="1"/>
             <a:r>
               <a:rPr lang="en-US" dirty="0"/>
-              <a:t>T</a:t>
-            </a:r>
-            <a:r>
-              <a:rPr lang="en-US" dirty="0" smtClean="0"/>
-              <a:t>o </a:t>
-            </a:r>
-            <a:r>
-              <a:rPr lang="en-US" dirty="0"/>
-              <a:t>know which account the </a:t>
+              <a:t>To know which account the </a:t>
             </a:r>
             <a:r>
               <a:rPr lang="en-US" b="1" dirty="0">
@@ -33269,15 +35549,7 @@
             <a:pPr lvl="1"/>
             <a:r>
               <a:rPr lang="en-US" dirty="0"/>
-              <a:t>T</a:t>
-            </a:r>
-            <a:r>
-              <a:rPr lang="en-US" dirty="0" smtClean="0"/>
-              <a:t>o </a:t>
-            </a:r>
-            <a:r>
-              <a:rPr lang="en-US" dirty="0"/>
-              <a:t>record the user's </a:t>
+              <a:t>To record the user's </a:t>
             </a:r>
             <a:r>
               <a:rPr lang="en-US" b="1" dirty="0">
@@ -33292,11 +35564,7 @@
             <a:pPr lvl="1"/>
             <a:r>
               <a:rPr lang="en-US" dirty="0"/>
-              <a:t>T</a:t>
-            </a:r>
-            <a:r>
-              <a:rPr lang="en-US" dirty="0" smtClean="0"/>
-              <a:t>o </a:t>
+              <a:t>To </a:t>
             </a:r>
             <a:r>
               <a:rPr lang="en-US" b="1" dirty="0">
@@ -33357,10 +35625,10 @@
       </p:sp>
       <p:sp>
         <p:nvSpPr>
-          <p:cNvPr id="5" name="Slide Number">
+          <p:cNvPr id="6" name="Slide Number">
             <a:extLst>
               <a:ext uri="{FF2B5EF4-FFF2-40B4-BE49-F238E27FC236}">
-                <a16:creationId xmlns:a16="http://schemas.microsoft.com/office/drawing/2014/main" id="{C1780DB1-0AF0-4108-AFE1-9DA99F0DBCB8}"/>
+                <a16:creationId xmlns:a16="http://schemas.microsoft.com/office/drawing/2014/main" id="{7A05CCD2-D6A5-42A3-B62D-BA1D6336942F}"/>
               </a:ext>
             </a:extLst>
           </p:cNvPr>
@@ -33400,7 +35668,7 @@
     </p:spTree>
     <p:extLst>
       <p:ext uri="{BB962C8B-B14F-4D97-AF65-F5344CB8AC3E}">
-        <p14:creationId xmlns:p14="http://schemas.microsoft.com/office/powerpoint/2010/main" val="3567470789"/>
+        <p14:creationId xmlns:p14="http://schemas.microsoft.com/office/powerpoint/2010/main" val="2782303901"/>
       </p:ext>
     </p:extLst>
   </p:cSld>
